--- a/cr_group/prompt_20230831.pptx
+++ b/cr_group/prompt_20230831.pptx
@@ -5,7 +5,7 @@
     <p:sldMasterId id="2147483648" r:id="rId1"/>
   </p:sldMasterIdLst>
   <p:notesMasterIdLst>
-    <p:notesMasterId r:id="rId17"/>
+    <p:notesMasterId r:id="rId21"/>
   </p:notesMasterIdLst>
   <p:sldIdLst>
     <p:sldId id="256" r:id="rId2"/>
@@ -17,12 +17,16 @@
     <p:sldId id="272" r:id="rId8"/>
     <p:sldId id="273" r:id="rId9"/>
     <p:sldId id="274" r:id="rId10"/>
-    <p:sldId id="258" r:id="rId11"/>
-    <p:sldId id="259" r:id="rId12"/>
-    <p:sldId id="265" r:id="rId13"/>
-    <p:sldId id="266" r:id="rId14"/>
-    <p:sldId id="268" r:id="rId15"/>
-    <p:sldId id="271" r:id="rId16"/>
+    <p:sldId id="275" r:id="rId11"/>
+    <p:sldId id="276" r:id="rId12"/>
+    <p:sldId id="277" r:id="rId13"/>
+    <p:sldId id="278" r:id="rId14"/>
+    <p:sldId id="258" r:id="rId15"/>
+    <p:sldId id="259" r:id="rId16"/>
+    <p:sldId id="265" r:id="rId17"/>
+    <p:sldId id="266" r:id="rId18"/>
+    <p:sldId id="268" r:id="rId19"/>
+    <p:sldId id="271" r:id="rId20"/>
   </p:sldIdLst>
   <p:sldSz cx="12192000" cy="6858000"/>
   <p:notesSz cx="6858000" cy="9144000"/>
@@ -121,6 +125,11 @@
       </a:defRPr>
     </a:lvl9pPr>
   </p:defaultTextStyle>
+  <p:extLst>
+    <p:ext uri="{EFAFB233-063F-42B5-8137-9DF3F51BA10A}">
+      <p15:sldGuideLst xmlns:p15="http://schemas.microsoft.com/office/powerpoint/2012/main"/>
+    </p:ext>
+  </p:extLst>
 </p:presentation>
 </file>
 
@@ -206,7 +215,7 @@
           <a:p>
             <a:fld id="{8D351982-A158-344B-81F5-F65CADD486CD}" type="datetimeFigureOut">
               <a:rPr lang="en-DE" smtClean="0"/>
-              <a:t>31.08.23</a:t>
+              <a:t>01.09.23</a:t>
             </a:fld>
             <a:endParaRPr lang="en-DE"/>
           </a:p>
@@ -791,7 +800,7 @@
           <a:p>
             <a:fld id="{45B0F36B-26B1-A34A-9994-ED360CB13A12}" type="datetime1">
               <a:rPr lang="de-DE" smtClean="0"/>
-              <a:t>31.08.23</a:t>
+              <a:t>01.09.23</a:t>
             </a:fld>
             <a:endParaRPr lang="en-DE"/>
           </a:p>
@@ -991,7 +1000,7 @@
           <a:p>
             <a:fld id="{A292565D-6C08-214B-BC5B-9AEB628BC5CC}" type="datetime1">
               <a:rPr lang="de-DE" smtClean="0"/>
-              <a:t>31.08.23</a:t>
+              <a:t>01.09.23</a:t>
             </a:fld>
             <a:endParaRPr lang="en-DE"/>
           </a:p>
@@ -1201,7 +1210,7 @@
           <a:p>
             <a:fld id="{BE622C59-2BAC-A44F-9147-C1F4178921D3}" type="datetime1">
               <a:rPr lang="de-DE" smtClean="0"/>
-              <a:t>31.08.23</a:t>
+              <a:t>01.09.23</a:t>
             </a:fld>
             <a:endParaRPr lang="en-DE"/>
           </a:p>
@@ -1401,7 +1410,7 @@
           <a:p>
             <a:fld id="{F54CEB42-7ED7-D448-8FD0-A818DF10C894}" type="datetime1">
               <a:rPr lang="de-DE" smtClean="0"/>
-              <a:t>31.08.23</a:t>
+              <a:t>01.09.23</a:t>
             </a:fld>
             <a:endParaRPr lang="en-DE"/>
           </a:p>
@@ -1677,7 +1686,7 @@
           <a:p>
             <a:fld id="{EDAF78DB-F797-3D41-86F3-0029DEBA6855}" type="datetime1">
               <a:rPr lang="de-DE" smtClean="0"/>
-              <a:t>31.08.23</a:t>
+              <a:t>01.09.23</a:t>
             </a:fld>
             <a:endParaRPr lang="en-DE"/>
           </a:p>
@@ -1945,7 +1954,7 @@
           <a:p>
             <a:fld id="{93655E21-339A-BD4B-95A3-A4A9A6AFD884}" type="datetime1">
               <a:rPr lang="de-DE" smtClean="0"/>
-              <a:t>31.08.23</a:t>
+              <a:t>01.09.23</a:t>
             </a:fld>
             <a:endParaRPr lang="en-DE"/>
           </a:p>
@@ -2360,7 +2369,7 @@
           <a:p>
             <a:fld id="{6F830063-72B8-DB4B-A029-978E1CBDF49A}" type="datetime1">
               <a:rPr lang="de-DE" smtClean="0"/>
-              <a:t>31.08.23</a:t>
+              <a:t>01.09.23</a:t>
             </a:fld>
             <a:endParaRPr lang="en-DE"/>
           </a:p>
@@ -2502,7 +2511,7 @@
           <a:p>
             <a:fld id="{1E4E3E4E-0302-F845-8E93-7F2AA32EB842}" type="datetime1">
               <a:rPr lang="de-DE" smtClean="0"/>
-              <a:t>31.08.23</a:t>
+              <a:t>01.09.23</a:t>
             </a:fld>
             <a:endParaRPr lang="en-DE"/>
           </a:p>
@@ -2615,7 +2624,7 @@
           <a:p>
             <a:fld id="{F15B2059-2F39-8245-A6B1-F6BC3832C40F}" type="datetime1">
               <a:rPr lang="de-DE" smtClean="0"/>
-              <a:t>31.08.23</a:t>
+              <a:t>01.09.23</a:t>
             </a:fld>
             <a:endParaRPr lang="en-DE"/>
           </a:p>
@@ -2928,7 +2937,7 @@
           <a:p>
             <a:fld id="{53AB0448-FD55-254E-B57E-9C5C722DC465}" type="datetime1">
               <a:rPr lang="de-DE" smtClean="0"/>
-              <a:t>31.08.23</a:t>
+              <a:t>01.09.23</a:t>
             </a:fld>
             <a:endParaRPr lang="en-DE"/>
           </a:p>
@@ -3217,7 +3226,7 @@
           <a:p>
             <a:fld id="{B75F4DC5-D126-BA4D-A93B-9087C10A4F05}" type="datetime1">
               <a:rPr lang="de-DE" smtClean="0"/>
-              <a:t>31.08.23</a:t>
+              <a:t>01.09.23</a:t>
             </a:fld>
             <a:endParaRPr lang="en-DE"/>
           </a:p>
@@ -3460,7 +3469,7 @@
           <a:p>
             <a:fld id="{40FC3DB6-508E-0149-90C1-9A9BC48D3617}" type="datetime1">
               <a:rPr lang="de-DE" smtClean="0"/>
-              <a:t>31.08.23</a:t>
+              <a:t>01.09.23</a:t>
             </a:fld>
             <a:endParaRPr lang="en-DE"/>
           </a:p>
@@ -3864,6 +3873,14 @@
 <file path=ppt/slides/slide1.xml><?xml version="1.0" encoding="utf-8"?>
 <p:sld xmlns:a="http://schemas.openxmlformats.org/drawingml/2006/main" xmlns:r="http://schemas.openxmlformats.org/officeDocument/2006/relationships" xmlns:p="http://schemas.openxmlformats.org/presentationml/2006/main">
   <p:cSld>
+    <p:bg>
+      <p:bgPr>
+        <a:solidFill>
+          <a:schemeClr val="bg1"/>
+        </a:solidFill>
+        <a:effectLst/>
+      </p:bgPr>
+    </p:bg>
     <p:spTree>
       <p:nvGrpSpPr>
         <p:cNvPr id="1" name=""/>
@@ -3878,6 +3895,66 @@
           <a:chExt cx="0" cy="0"/>
         </a:xfrm>
       </p:grpSpPr>
+      <p:sp useBgFill="1">
+        <p:nvSpPr>
+          <p:cNvPr id="31" name="Rectangle 30">
+            <a:extLst>
+              <a:ext uri="{FF2B5EF4-FFF2-40B4-BE49-F238E27FC236}">
+                <a16:creationId xmlns:a16="http://schemas.microsoft.com/office/drawing/2014/main" id="{ECC07320-C2CA-4E29-8481-9D9E143C7788}"/>
+              </a:ext>
+              <a:ext uri="{C183D7F6-B498-43B3-948B-1728B52AA6E4}">
+                <adec:decorative xmlns:adec="http://schemas.microsoft.com/office/drawing/2017/decorative" val="1"/>
+              </a:ext>
+            </a:extLst>
+          </p:cNvPr>
+          <p:cNvSpPr>
+            <a:spLocks noGrp="1" noRot="1" noChangeAspect="1" noMove="1" noResize="1" noEditPoints="1" noAdjustHandles="1" noChangeArrowheads="1" noChangeShapeType="1" noTextEdit="1"/>
+          </p:cNvSpPr>
+          <p:nvPr>
+            <p:extLst>
+              <p:ext uri="{386F3935-93C4-4BCD-93E2-E3B085C9AB24}">
+                <p16:designElem xmlns:p16="http://schemas.microsoft.com/office/powerpoint/2015/main" val="1"/>
+              </p:ext>
+            </p:extLst>
+          </p:nvPr>
+        </p:nvSpPr>
+        <p:spPr>
+          <a:xfrm>
+            <a:off x="-1" y="0"/>
+            <a:ext cx="12188952" cy="6858000"/>
+          </a:xfrm>
+          <a:prstGeom prst="rect">
+            <a:avLst/>
+          </a:prstGeom>
+          <a:ln>
+            <a:noFill/>
+          </a:ln>
+        </p:spPr>
+        <p:style>
+          <a:lnRef idx="2">
+            <a:schemeClr val="accent1">
+              <a:shade val="50000"/>
+            </a:schemeClr>
+          </a:lnRef>
+          <a:fillRef idx="1">
+            <a:schemeClr val="accent1"/>
+          </a:fillRef>
+          <a:effectRef idx="0">
+            <a:schemeClr val="accent1"/>
+          </a:effectRef>
+          <a:fontRef idx="minor">
+            <a:schemeClr val="lt1"/>
+          </a:fontRef>
+        </p:style>
+        <p:txBody>
+          <a:bodyPr rtlCol="0" anchor="ctr"/>
+          <a:lstStyle/>
+          <a:p>
+            <a:pPr algn="ctr"/>
+            <a:endParaRPr lang="en-US"/>
+          </a:p>
+        </p:txBody>
+      </p:sp>
       <p:sp>
         <p:nvSpPr>
           <p:cNvPr id="2" name="Title 1">
@@ -3894,13 +3971,22 @@
             <p:ph type="ctrTitle"/>
           </p:nvPr>
         </p:nvSpPr>
-        <p:spPr/>
-        <p:txBody>
-          <a:bodyPr/>
-          <a:lstStyle/>
-          <a:p>
-            <a:r>
-              <a:rPr lang="en-DE" dirty="0"/>
+        <p:spPr>
+          <a:xfrm>
+            <a:off x="7380407" y="743447"/>
+            <a:ext cx="3973385" cy="3692028"/>
+          </a:xfrm>
+          <a:noFill/>
+        </p:spPr>
+        <p:txBody>
+          <a:bodyPr>
+            <a:normAutofit/>
+          </a:bodyPr>
+          <a:lstStyle/>
+          <a:p>
+            <a:pPr algn="l"/>
+            <a:r>
+              <a:rPr lang="en-DE" sz="5200"/>
               <a:t>Prompt 31.08.2023</a:t>
             </a:r>
           </a:p>
@@ -3922,18 +4008,61 @@
             <p:ph type="subTitle" idx="1"/>
           </p:nvPr>
         </p:nvSpPr>
-        <p:spPr/>
-        <p:txBody>
-          <a:bodyPr/>
-          <a:lstStyle/>
-          <a:p>
-            <a:r>
-              <a:rPr lang="en-DE" dirty="0"/>
-              <a:t>Evaluation of Ludwig’s results</a:t>
-            </a:r>
-          </a:p>
-        </p:txBody>
-      </p:sp>
+        <p:spPr>
+          <a:xfrm>
+            <a:off x="7380408" y="4629234"/>
+            <a:ext cx="3973386" cy="1485319"/>
+          </a:xfrm>
+          <a:noFill/>
+        </p:spPr>
+        <p:txBody>
+          <a:bodyPr>
+            <a:normAutofit/>
+          </a:bodyPr>
+          <a:lstStyle/>
+          <a:p>
+            <a:pPr algn="l"/>
+            <a:r>
+              <a:rPr lang="en-DE"/>
+              <a:t>Evaluation of Ludwig’s, Ben’s and Leander’s results</a:t>
+            </a:r>
+          </a:p>
+        </p:txBody>
+      </p:sp>
+      <p:pic>
+        <p:nvPicPr>
+          <p:cNvPr id="5" name="Grafik 6" descr="A diagram of the solar system&#10;&#10;Description automatically generated">
+            <a:extLst>
+              <a:ext uri="{FF2B5EF4-FFF2-40B4-BE49-F238E27FC236}">
+                <a16:creationId xmlns:a16="http://schemas.microsoft.com/office/drawing/2014/main" id="{92A2A546-7CD1-D64F-B3CB-CEAC3520D7FC}"/>
+              </a:ext>
+            </a:extLst>
+          </p:cNvPr>
+          <p:cNvPicPr>
+            <a:picLocks noChangeAspect="1"/>
+          </p:cNvPicPr>
+          <p:nvPr/>
+        </p:nvPicPr>
+        <p:blipFill rotWithShape="1">
+          <a:blip r:embed="rId2"/>
+          <a:srcRect r="330" b="2"/>
+          <a:stretch/>
+        </p:blipFill>
+        <p:spPr>
+          <a:xfrm>
+            <a:off x="20" y="10"/>
+            <a:ext cx="6992881" cy="6857990"/>
+          </a:xfrm>
+          <a:prstGeom prst="rect">
+            <a:avLst/>
+          </a:prstGeom>
+          <a:solidFill>
+            <a:srgbClr val="FFFFFF">
+              <a:shade val="85000"/>
+            </a:srgbClr>
+          </a:solidFill>
+        </p:spPr>
+      </p:pic>
       <p:sp>
         <p:nvSpPr>
           <p:cNvPr id="4" name="Slide Number Placeholder 3">
@@ -3950,13 +4079,30 @@
             <p:ph type="sldNum" sz="quarter" idx="12"/>
           </p:nvPr>
         </p:nvSpPr>
-        <p:spPr/>
-        <p:txBody>
-          <a:bodyPr/>
-          <a:lstStyle/>
-          <a:p>
+        <p:spPr>
+          <a:xfrm>
+            <a:off x="8610600" y="6356350"/>
+            <a:ext cx="2743200" cy="365125"/>
+          </a:xfrm>
+        </p:spPr>
+        <p:txBody>
+          <a:bodyPr>
+            <a:normAutofit/>
+          </a:bodyPr>
+          <a:lstStyle/>
+          <a:p>
+            <a:pPr>
+              <a:spcAft>
+                <a:spcPts val="600"/>
+              </a:spcAft>
+            </a:pPr>
             <a:fld id="{5AE0D498-42EE-5F49-9FFD-85B9B54DD666}" type="slidenum">
-              <a:rPr lang="en-DE" smtClean="0"/>
+              <a:rPr lang="en-DE"/>
+              <a:pPr>
+                <a:spcAft>
+                  <a:spcPts val="600"/>
+                </a:spcAft>
+              </a:pPr>
               <a:t>0</a:t>
             </a:fld>
             <a:endParaRPr lang="en-DE"/>
@@ -3998,7 +4144,7 @@
           <p:cNvPr id="2" name="Title 1">
             <a:extLst>
               <a:ext uri="{FF2B5EF4-FFF2-40B4-BE49-F238E27FC236}">
-                <a16:creationId xmlns:a16="http://schemas.microsoft.com/office/drawing/2014/main" id="{2A5BCCE2-C534-223A-3397-32D993F9BD1A}"/>
+                <a16:creationId xmlns:a16="http://schemas.microsoft.com/office/drawing/2014/main" id="{94596DCD-A933-FBC3-1F1E-715B93C4B48A}"/>
               </a:ext>
             </a:extLst>
           </p:cNvPr>
@@ -4009,30 +4155,53 @@
             <p:ph type="title"/>
           </p:nvPr>
         </p:nvSpPr>
-        <p:spPr>
-          <a:xfrm>
-            <a:off x="838200" y="2766218"/>
-            <a:ext cx="10515600" cy="1325563"/>
-          </a:xfrm>
-        </p:spPr>
+        <p:spPr/>
         <p:txBody>
           <a:bodyPr/>
           <a:lstStyle/>
           <a:p>
-            <a:pPr algn="ctr"/>
             <a:r>
               <a:rPr lang="en-DE" dirty="0"/>
-              <a:t>Backup</a:t>
-            </a:r>
-          </a:p>
-        </p:txBody>
-      </p:sp>
+              <a:t>Data-MC (cos zenith)</a:t>
+            </a:r>
+          </a:p>
+        </p:txBody>
+      </p:sp>
+      <p:pic>
+        <p:nvPicPr>
+          <p:cNvPr id="5" name="Content Placeholder 4">
+            <a:extLst>
+              <a:ext uri="{FF2B5EF4-FFF2-40B4-BE49-F238E27FC236}">
+                <a16:creationId xmlns:a16="http://schemas.microsoft.com/office/drawing/2014/main" id="{385677D6-3AE2-E7F7-96E7-4AA3FEE07AE1}"/>
+              </a:ext>
+            </a:extLst>
+          </p:cNvPr>
+          <p:cNvPicPr>
+            <a:picLocks noGrp="1" noChangeAspect="1"/>
+          </p:cNvPicPr>
+          <p:nvPr>
+            <p:ph idx="1"/>
+          </p:nvPr>
+        </p:nvPicPr>
+        <p:blipFill>
+          <a:blip r:embed="rId2"/>
+          <a:stretch>
+            <a:fillRect/>
+          </a:stretch>
+        </p:blipFill>
+        <p:spPr>
+          <a:xfrm>
+            <a:off x="838200" y="1935427"/>
+            <a:ext cx="5384800" cy="3759200"/>
+          </a:xfrm>
+        </p:spPr>
+      </p:pic>
       <p:sp>
         <p:nvSpPr>
           <p:cNvPr id="4" name="Slide Number Placeholder 3">
             <a:extLst>
               <a:ext uri="{FF2B5EF4-FFF2-40B4-BE49-F238E27FC236}">
-                <a16:creationId xmlns:a16="http://schemas.microsoft.com/office/drawing/2014/main" id="{FBAC0BEB-9B20-FD12-6B40-F1E0BCA7F0F6}"/>
+                <a16:creationId xmlns:a16="http://schemas.microsoft.com/office/drawing/2014/main" id="{0697A1B3-6E59-AE3D-2F04-1BB1304AFBC2}"/>
               </a:ext>
             </a:extLst>
           </p:cNvPr>
@@ -4056,10 +4225,247 @@
           </a:p>
         </p:txBody>
       </p:sp>
+      <p:pic>
+        <p:nvPicPr>
+          <p:cNvPr id="6" name="Picture 5">
+            <a:extLst>
+              <a:ext uri="{FF2B5EF4-FFF2-40B4-BE49-F238E27FC236}">
+                <a16:creationId xmlns:a16="http://schemas.microsoft.com/office/drawing/2014/main" id="{B675BCDB-B82A-81A6-BAD4-BC40E43CD780}"/>
+              </a:ext>
+            </a:extLst>
+          </p:cNvPr>
+          <p:cNvPicPr>
+            <a:picLocks noChangeAspect="1"/>
+          </p:cNvPicPr>
+          <p:nvPr/>
+        </p:nvPicPr>
+        <p:blipFill>
+          <a:blip r:embed="rId3"/>
+          <a:stretch>
+            <a:fillRect/>
+          </a:stretch>
+        </p:blipFill>
+        <p:spPr>
+          <a:xfrm>
+            <a:off x="6468533" y="1935427"/>
+            <a:ext cx="5384800" cy="3759200"/>
+          </a:xfrm>
+          <a:prstGeom prst="rect">
+            <a:avLst/>
+          </a:prstGeom>
+        </p:spPr>
+      </p:pic>
+      <p:sp>
+        <p:nvSpPr>
+          <p:cNvPr id="7" name="TextBox 6">
+            <a:extLst>
+              <a:ext uri="{FF2B5EF4-FFF2-40B4-BE49-F238E27FC236}">
+                <a16:creationId xmlns:a16="http://schemas.microsoft.com/office/drawing/2014/main" id="{792803B5-900B-DB6D-FF74-44661DCDD06F}"/>
+              </a:ext>
+            </a:extLst>
+          </p:cNvPr>
+          <p:cNvSpPr txBox="1"/>
+          <p:nvPr/>
+        </p:nvSpPr>
+        <p:spPr>
+          <a:xfrm>
+            <a:off x="2450592" y="1796927"/>
+            <a:ext cx="1481328" cy="276999"/>
+          </a:xfrm>
+          <a:prstGeom prst="rect">
+            <a:avLst/>
+          </a:prstGeom>
+          <a:noFill/>
+        </p:spPr>
+        <p:txBody>
+          <a:bodyPr wrap="square" rtlCol="0">
+            <a:spAutoFit/>
+          </a:bodyPr>
+          <a:lstStyle/>
+          <a:p>
+            <a:r>
+              <a:rPr lang="en-GB" sz="1200" dirty="0"/>
+              <a:t>N</a:t>
+            </a:r>
+            <a:r>
+              <a:rPr lang="en-DE" sz="1200" dirty="0"/>
+              <a:t>o cut </a:t>
+            </a:r>
+          </a:p>
+        </p:txBody>
+      </p:sp>
+      <p:sp>
+        <p:nvSpPr>
+          <p:cNvPr id="8" name="TextBox 7">
+            <a:extLst>
+              <a:ext uri="{FF2B5EF4-FFF2-40B4-BE49-F238E27FC236}">
+                <a16:creationId xmlns:a16="http://schemas.microsoft.com/office/drawing/2014/main" id="{7A3A1B79-088F-FAAA-7CFA-DA96304F8CFB}"/>
+              </a:ext>
+            </a:extLst>
+          </p:cNvPr>
+          <p:cNvSpPr txBox="1"/>
+          <p:nvPr/>
+        </p:nvSpPr>
+        <p:spPr>
+          <a:xfrm>
+            <a:off x="8043672" y="1796927"/>
+            <a:ext cx="1481328" cy="276999"/>
+          </a:xfrm>
+          <a:prstGeom prst="rect">
+            <a:avLst/>
+          </a:prstGeom>
+          <a:noFill/>
+        </p:spPr>
+        <p:txBody>
+          <a:bodyPr wrap="square" rtlCol="0">
+            <a:spAutoFit/>
+          </a:bodyPr>
+          <a:lstStyle/>
+          <a:p>
+            <a:r>
+              <a:rPr lang="en-GB" sz="1200" dirty="0"/>
+              <a:t>C</a:t>
+            </a:r>
+            <a:r>
+              <a:rPr lang="en-DE" sz="1200" dirty="0"/>
+              <a:t>ut E &gt; 1e4 GeV </a:t>
+            </a:r>
+          </a:p>
+        </p:txBody>
+      </p:sp>
+      <p:sp>
+        <p:nvSpPr>
+          <p:cNvPr id="9" name="Oval 8">
+            <a:extLst>
+              <a:ext uri="{FF2B5EF4-FFF2-40B4-BE49-F238E27FC236}">
+                <a16:creationId xmlns:a16="http://schemas.microsoft.com/office/drawing/2014/main" id="{46075E14-4578-A7E4-D7E3-2F283D36B7EC}"/>
+              </a:ext>
+            </a:extLst>
+          </p:cNvPr>
+          <p:cNvSpPr/>
+          <p:nvPr/>
+        </p:nvSpPr>
+        <p:spPr>
+          <a:xfrm>
+            <a:off x="6922008" y="3054096"/>
+            <a:ext cx="1435608" cy="2468880"/>
+          </a:xfrm>
+          <a:prstGeom prst="ellipse">
+            <a:avLst/>
+          </a:prstGeom>
+          <a:noFill/>
+          <a:ln w="15875">
+            <a:solidFill>
+              <a:srgbClr val="C00000"/>
+            </a:solidFill>
+          </a:ln>
+        </p:spPr>
+        <p:style>
+          <a:lnRef idx="2">
+            <a:schemeClr val="accent1">
+              <a:shade val="15000"/>
+            </a:schemeClr>
+          </a:lnRef>
+          <a:fillRef idx="1">
+            <a:schemeClr val="accent1"/>
+          </a:fillRef>
+          <a:effectRef idx="0">
+            <a:schemeClr val="accent1"/>
+          </a:effectRef>
+          <a:fontRef idx="minor">
+            <a:schemeClr val="lt1"/>
+          </a:fontRef>
+        </p:style>
+        <p:txBody>
+          <a:bodyPr rtlCol="0" anchor="ctr"/>
+          <a:lstStyle/>
+          <a:p>
+            <a:pPr algn="ctr"/>
+            <a:endParaRPr lang="en-DE"/>
+          </a:p>
+        </p:txBody>
+      </p:sp>
+      <p:sp>
+        <p:nvSpPr>
+          <p:cNvPr id="10" name="TextBox 9">
+            <a:extLst>
+              <a:ext uri="{FF2B5EF4-FFF2-40B4-BE49-F238E27FC236}">
+                <a16:creationId xmlns:a16="http://schemas.microsoft.com/office/drawing/2014/main" id="{4185E8CC-7B05-8E1F-BFC2-563D87365274}"/>
+              </a:ext>
+            </a:extLst>
+          </p:cNvPr>
+          <p:cNvSpPr txBox="1"/>
+          <p:nvPr/>
+        </p:nvSpPr>
+        <p:spPr>
+          <a:xfrm>
+            <a:off x="6708648" y="5470302"/>
+            <a:ext cx="3273552" cy="276999"/>
+          </a:xfrm>
+          <a:prstGeom prst="rect">
+            <a:avLst/>
+          </a:prstGeom>
+          <a:noFill/>
+        </p:spPr>
+        <p:txBody>
+          <a:bodyPr wrap="square" rtlCol="0">
+            <a:spAutoFit/>
+          </a:bodyPr>
+          <a:lstStyle/>
+          <a:p>
+            <a:r>
+              <a:rPr lang="en-GB" sz="1200" dirty="0">
+                <a:solidFill>
+                  <a:srgbClr val="C00000"/>
+                </a:solidFill>
+              </a:rPr>
+              <a:t>M</a:t>
+            </a:r>
+            <a:r>
+              <a:rPr lang="en-DE" sz="1200" dirty="0">
+                <a:solidFill>
+                  <a:srgbClr val="C00000"/>
+                </a:solidFill>
+              </a:rPr>
+              <a:t>ismatch, but low statistics!</a:t>
+            </a:r>
+          </a:p>
+        </p:txBody>
+      </p:sp>
+      <p:pic>
+        <p:nvPicPr>
+          <p:cNvPr id="12" name="Picture 11" descr="A graph of a number of tracks&#10;&#10;Description automatically generated with medium confidence">
+            <a:extLst>
+              <a:ext uri="{FF2B5EF4-FFF2-40B4-BE49-F238E27FC236}">
+                <a16:creationId xmlns:a16="http://schemas.microsoft.com/office/drawing/2014/main" id="{10F9B53A-1400-4F62-F9B0-BD280B5053B2}"/>
+              </a:ext>
+            </a:extLst>
+          </p:cNvPr>
+          <p:cNvPicPr>
+            <a:picLocks noChangeAspect="1"/>
+          </p:cNvPicPr>
+          <p:nvPr/>
+        </p:nvPicPr>
+        <p:blipFill>
+          <a:blip r:embed="rId4"/>
+          <a:stretch>
+            <a:fillRect/>
+          </a:stretch>
+        </p:blipFill>
+        <p:spPr>
+          <a:xfrm>
+            <a:off x="9533467" y="22563"/>
+            <a:ext cx="2450592" cy="2006066"/>
+          </a:xfrm>
+          <a:prstGeom prst="rect">
+            <a:avLst/>
+          </a:prstGeom>
+        </p:spPr>
+      </p:pic>
     </p:spTree>
     <p:extLst>
       <p:ext uri="{BB962C8B-B14F-4D97-AF65-F5344CB8AC3E}">
-        <p14:creationId xmlns:p14="http://schemas.microsoft.com/office/powerpoint/2010/main" val="3650219305"/>
+        <p14:creationId xmlns:p14="http://schemas.microsoft.com/office/powerpoint/2010/main" val="4240630107"/>
       </p:ext>
     </p:extLst>
   </p:cSld>
@@ -4091,7 +4497,7 @@
           <p:cNvPr id="2" name="Title 1">
             <a:extLst>
               <a:ext uri="{FF2B5EF4-FFF2-40B4-BE49-F238E27FC236}">
-                <a16:creationId xmlns:a16="http://schemas.microsoft.com/office/drawing/2014/main" id="{818AD616-4098-6177-1D0C-4D63D5230F4A}"/>
+                <a16:creationId xmlns:a16="http://schemas.microsoft.com/office/drawing/2014/main" id="{5218AA78-1928-6537-595C-30919EB2CE32}"/>
               </a:ext>
             </a:extLst>
           </p:cNvPr>
@@ -4109,17 +4515,17 @@
           <a:p>
             <a:r>
               <a:rPr lang="en-DE" dirty="0"/>
-              <a:t>Muon production – different weightings</a:t>
+              <a:t>Data-MC (zenith)</a:t>
             </a:r>
           </a:p>
         </p:txBody>
       </p:sp>
       <p:pic>
         <p:nvPicPr>
-          <p:cNvPr id="4" name="Content Placeholder 3">
-            <a:extLst>
-              <a:ext uri="{FF2B5EF4-FFF2-40B4-BE49-F238E27FC236}">
-                <a16:creationId xmlns:a16="http://schemas.microsoft.com/office/drawing/2014/main" id="{9373CD95-2600-590F-719C-6AD3BD38A1CB}"/>
+          <p:cNvPr id="5" name="Content Placeholder 4">
+            <a:extLst>
+              <a:ext uri="{FF2B5EF4-FFF2-40B4-BE49-F238E27FC236}">
+                <a16:creationId xmlns:a16="http://schemas.microsoft.com/office/drawing/2014/main" id="{C8C3ED27-96DC-109B-4707-497FED1F76EB}"/>
               </a:ext>
             </a:extLst>
           </p:cNvPr>
@@ -4138,90 +4544,17 @@
         </p:blipFill>
         <p:spPr>
           <a:xfrm>
-            <a:off x="3403600" y="2121694"/>
-            <a:ext cx="5384800" cy="3759200"/>
+            <a:off x="3852332" y="1690688"/>
+            <a:ext cx="7230533" cy="5047731"/>
           </a:xfrm>
         </p:spPr>
       </p:pic>
       <p:sp>
         <p:nvSpPr>
-          <p:cNvPr id="5" name="TextBox 4">
-            <a:extLst>
-              <a:ext uri="{FF2B5EF4-FFF2-40B4-BE49-F238E27FC236}">
-                <a16:creationId xmlns:a16="http://schemas.microsoft.com/office/drawing/2014/main" id="{846265BF-F2B9-F8A2-C4E4-A915A26B37BC}"/>
-              </a:ext>
-            </a:extLst>
-          </p:cNvPr>
-          <p:cNvSpPr txBox="1"/>
-          <p:nvPr/>
-        </p:nvSpPr>
-        <p:spPr>
-          <a:xfrm>
-            <a:off x="7010401" y="6311900"/>
-            <a:ext cx="3846630" cy="369332"/>
-          </a:xfrm>
-          <a:prstGeom prst="rect">
-            <a:avLst/>
-          </a:prstGeom>
-          <a:noFill/>
-        </p:spPr>
-        <p:txBody>
-          <a:bodyPr wrap="none" rtlCol="0">
-            <a:spAutoFit/>
-          </a:bodyPr>
-          <a:lstStyle/>
-          <a:p>
-            <a:r>
-              <a:rPr lang="en-GB" dirty="0" err="1">
-                <a:effectLst/>
-              </a:rPr>
-              <a:t>MCLabelsLeadingMuons_entry_energy</a:t>
-            </a:r>
-            <a:endParaRPr lang="en-DE" dirty="0"/>
-          </a:p>
-        </p:txBody>
-      </p:sp>
-      <p:sp>
-        <p:nvSpPr>
-          <p:cNvPr id="6" name="TextBox 5">
-            <a:extLst>
-              <a:ext uri="{FF2B5EF4-FFF2-40B4-BE49-F238E27FC236}">
-                <a16:creationId xmlns:a16="http://schemas.microsoft.com/office/drawing/2014/main" id="{3F78F890-93C6-A64F-76A4-2F8006D50D16}"/>
-              </a:ext>
-            </a:extLst>
-          </p:cNvPr>
-          <p:cNvSpPr txBox="1"/>
-          <p:nvPr/>
-        </p:nvSpPr>
-        <p:spPr>
-          <a:xfrm>
-            <a:off x="465666" y="2497667"/>
-            <a:ext cx="2709333" cy="369332"/>
-          </a:xfrm>
-          <a:prstGeom prst="rect">
-            <a:avLst/>
-          </a:prstGeom>
-          <a:noFill/>
-        </p:spPr>
-        <p:txBody>
-          <a:bodyPr wrap="square" rtlCol="0">
-            <a:spAutoFit/>
-          </a:bodyPr>
-          <a:lstStyle/>
-          <a:p>
-            <a:r>
-              <a:rPr lang="en-DE" dirty="0"/>
-              <a:t>GST predicts most prompt</a:t>
-            </a:r>
-          </a:p>
-        </p:txBody>
-      </p:sp>
-      <p:sp>
-        <p:nvSpPr>
-          <p:cNvPr id="7" name="Slide Number Placeholder 6">
-            <a:extLst>
-              <a:ext uri="{FF2B5EF4-FFF2-40B4-BE49-F238E27FC236}">
-                <a16:creationId xmlns:a16="http://schemas.microsoft.com/office/drawing/2014/main" id="{9F45AF48-92CA-AD9D-7D16-87AC5BFBE85C}"/>
+          <p:cNvPr id="4" name="Slide Number Placeholder 3">
+            <a:extLst>
+              <a:ext uri="{FF2B5EF4-FFF2-40B4-BE49-F238E27FC236}">
+                <a16:creationId xmlns:a16="http://schemas.microsoft.com/office/drawing/2014/main" id="{CDB529A3-6585-B638-6D94-E08A20FD11A7}"/>
               </a:ext>
             </a:extLst>
           </p:cNvPr>
@@ -4245,10 +4578,140 @@
           </a:p>
         </p:txBody>
       </p:sp>
+      <p:sp>
+        <p:nvSpPr>
+          <p:cNvPr id="6" name="Oval 5">
+            <a:extLst>
+              <a:ext uri="{FF2B5EF4-FFF2-40B4-BE49-F238E27FC236}">
+                <a16:creationId xmlns:a16="http://schemas.microsoft.com/office/drawing/2014/main" id="{162E6E39-F539-4F44-5A95-2B2671B8ED04}"/>
+              </a:ext>
+            </a:extLst>
+          </p:cNvPr>
+          <p:cNvSpPr/>
+          <p:nvPr/>
+        </p:nvSpPr>
+        <p:spPr>
+          <a:xfrm>
+            <a:off x="8432800" y="1794933"/>
+            <a:ext cx="1540933" cy="1921934"/>
+          </a:xfrm>
+          <a:prstGeom prst="ellipse">
+            <a:avLst/>
+          </a:prstGeom>
+          <a:noFill/>
+          <a:ln w="19050">
+            <a:solidFill>
+              <a:srgbClr val="FFC000"/>
+            </a:solidFill>
+          </a:ln>
+        </p:spPr>
+        <p:style>
+          <a:lnRef idx="2">
+            <a:schemeClr val="accent1">
+              <a:shade val="15000"/>
+            </a:schemeClr>
+          </a:lnRef>
+          <a:fillRef idx="1">
+            <a:schemeClr val="accent1"/>
+          </a:fillRef>
+          <a:effectRef idx="0">
+            <a:schemeClr val="accent1"/>
+          </a:effectRef>
+          <a:fontRef idx="minor">
+            <a:schemeClr val="lt1"/>
+          </a:fontRef>
+        </p:style>
+        <p:txBody>
+          <a:bodyPr rtlCol="0" anchor="ctr"/>
+          <a:lstStyle/>
+          <a:p>
+            <a:pPr algn="ctr"/>
+            <a:endParaRPr lang="en-DE"/>
+          </a:p>
+        </p:txBody>
+      </p:sp>
+      <p:sp>
+        <p:nvSpPr>
+          <p:cNvPr id="7" name="TextBox 6">
+            <a:extLst>
+              <a:ext uri="{FF2B5EF4-FFF2-40B4-BE49-F238E27FC236}">
+                <a16:creationId xmlns:a16="http://schemas.microsoft.com/office/drawing/2014/main" id="{F02E42B3-47C1-28C6-100D-6DEC433DDF83}"/>
+              </a:ext>
+            </a:extLst>
+          </p:cNvPr>
+          <p:cNvSpPr txBox="1"/>
+          <p:nvPr/>
+        </p:nvSpPr>
+        <p:spPr>
+          <a:xfrm>
+            <a:off x="8698938" y="1425601"/>
+            <a:ext cx="891206" cy="369332"/>
+          </a:xfrm>
+          <a:prstGeom prst="rect">
+            <a:avLst/>
+          </a:prstGeom>
+          <a:noFill/>
+        </p:spPr>
+        <p:txBody>
+          <a:bodyPr wrap="none" rtlCol="0">
+            <a:spAutoFit/>
+          </a:bodyPr>
+          <a:lstStyle/>
+          <a:p>
+            <a:r>
+              <a:rPr lang="en-DE" dirty="0">
+                <a:solidFill>
+                  <a:srgbClr val="FFC000"/>
+                </a:solidFill>
+              </a:rPr>
+              <a:t>Excess?</a:t>
+            </a:r>
+          </a:p>
+        </p:txBody>
+      </p:sp>
+      <p:sp>
+        <p:nvSpPr>
+          <p:cNvPr id="8" name="TextBox 7">
+            <a:extLst>
+              <a:ext uri="{FF2B5EF4-FFF2-40B4-BE49-F238E27FC236}">
+                <a16:creationId xmlns:a16="http://schemas.microsoft.com/office/drawing/2014/main" id="{AB86D5E4-459E-CCE3-DFEB-7B948F78916A}"/>
+              </a:ext>
+            </a:extLst>
+          </p:cNvPr>
+          <p:cNvSpPr txBox="1"/>
+          <p:nvPr/>
+        </p:nvSpPr>
+        <p:spPr>
+          <a:xfrm>
+            <a:off x="4855222" y="1955775"/>
+            <a:ext cx="2217210" cy="276999"/>
+          </a:xfrm>
+          <a:prstGeom prst="rect">
+            <a:avLst/>
+          </a:prstGeom>
+          <a:noFill/>
+        </p:spPr>
+        <p:txBody>
+          <a:bodyPr wrap="none" rtlCol="0">
+            <a:spAutoFit/>
+          </a:bodyPr>
+          <a:lstStyle/>
+          <a:p>
+            <a:r>
+              <a:rPr lang="en-GB" sz="1200" dirty="0"/>
+              <a:t>D</a:t>
+            </a:r>
+            <a:r>
+              <a:rPr lang="en-DE" sz="1200" dirty="0"/>
+              <a:t>NN uncertainty cut: &lt; 3.14/180</a:t>
+            </a:r>
+          </a:p>
+        </p:txBody>
+      </p:sp>
     </p:spTree>
     <p:extLst>
       <p:ext uri="{BB962C8B-B14F-4D97-AF65-F5344CB8AC3E}">
-        <p14:creationId xmlns:p14="http://schemas.microsoft.com/office/powerpoint/2010/main" val="2441767521"/>
+        <p14:creationId xmlns:p14="http://schemas.microsoft.com/office/powerpoint/2010/main" val="721784814"/>
       </p:ext>
     </p:extLst>
   </p:cSld>
@@ -4277,6 +4740,653 @@
       </p:grpSpPr>
       <p:sp>
         <p:nvSpPr>
+          <p:cNvPr id="2" name="Title 1">
+            <a:extLst>
+              <a:ext uri="{FF2B5EF4-FFF2-40B4-BE49-F238E27FC236}">
+                <a16:creationId xmlns:a16="http://schemas.microsoft.com/office/drawing/2014/main" id="{2A6117AD-5EDF-B2DD-F70F-BFCBAC5F6A85}"/>
+              </a:ext>
+            </a:extLst>
+          </p:cNvPr>
+          <p:cNvSpPr>
+            <a:spLocks noGrp="1"/>
+          </p:cNvSpPr>
+          <p:nvPr>
+            <p:ph type="title"/>
+          </p:nvPr>
+        </p:nvSpPr>
+        <p:spPr/>
+        <p:txBody>
+          <a:bodyPr/>
+          <a:lstStyle/>
+          <a:p>
+            <a:r>
+              <a:rPr lang="en-DE" dirty="0"/>
+              <a:t>Data-MC (energy spectrum)</a:t>
+            </a:r>
+          </a:p>
+        </p:txBody>
+      </p:sp>
+      <p:pic>
+        <p:nvPicPr>
+          <p:cNvPr id="5" name="Content Placeholder 4">
+            <a:extLst>
+              <a:ext uri="{FF2B5EF4-FFF2-40B4-BE49-F238E27FC236}">
+                <a16:creationId xmlns:a16="http://schemas.microsoft.com/office/drawing/2014/main" id="{6A44A60F-73EB-292B-1DD7-BBD8C3EC282C}"/>
+              </a:ext>
+            </a:extLst>
+          </p:cNvPr>
+          <p:cNvPicPr>
+            <a:picLocks noGrp="1" noChangeAspect="1"/>
+          </p:cNvPicPr>
+          <p:nvPr>
+            <p:ph idx="1"/>
+          </p:nvPr>
+        </p:nvPicPr>
+        <p:blipFill>
+          <a:blip r:embed="rId2"/>
+          <a:stretch>
+            <a:fillRect/>
+          </a:stretch>
+        </p:blipFill>
+        <p:spPr>
+          <a:xfrm>
+            <a:off x="584200" y="1690688"/>
+            <a:ext cx="5384800" cy="3759200"/>
+          </a:xfrm>
+        </p:spPr>
+      </p:pic>
+      <p:sp>
+        <p:nvSpPr>
+          <p:cNvPr id="4" name="Slide Number Placeholder 3">
+            <a:extLst>
+              <a:ext uri="{FF2B5EF4-FFF2-40B4-BE49-F238E27FC236}">
+                <a16:creationId xmlns:a16="http://schemas.microsoft.com/office/drawing/2014/main" id="{79FBF0C3-48D7-0663-F991-CB54E62A5E62}"/>
+              </a:ext>
+            </a:extLst>
+          </p:cNvPr>
+          <p:cNvSpPr>
+            <a:spLocks noGrp="1"/>
+          </p:cNvSpPr>
+          <p:nvPr>
+            <p:ph type="sldNum" sz="quarter" idx="12"/>
+          </p:nvPr>
+        </p:nvSpPr>
+        <p:spPr/>
+        <p:txBody>
+          <a:bodyPr/>
+          <a:lstStyle/>
+          <a:p>
+            <a:fld id="{5AE0D498-42EE-5F49-9FFD-85B9B54DD666}" type="slidenum">
+              <a:rPr lang="en-DE" smtClean="0"/>
+              <a:t>11</a:t>
+            </a:fld>
+            <a:endParaRPr lang="en-DE"/>
+          </a:p>
+        </p:txBody>
+      </p:sp>
+      <p:pic>
+        <p:nvPicPr>
+          <p:cNvPr id="6" name="Picture 5">
+            <a:extLst>
+              <a:ext uri="{FF2B5EF4-FFF2-40B4-BE49-F238E27FC236}">
+                <a16:creationId xmlns:a16="http://schemas.microsoft.com/office/drawing/2014/main" id="{671FB214-2D73-9B6E-A5E6-BDBBEF73EC51}"/>
+              </a:ext>
+            </a:extLst>
+          </p:cNvPr>
+          <p:cNvPicPr>
+            <a:picLocks noChangeAspect="1"/>
+          </p:cNvPicPr>
+          <p:nvPr/>
+        </p:nvPicPr>
+        <p:blipFill>
+          <a:blip r:embed="rId3"/>
+          <a:stretch>
+            <a:fillRect/>
+          </a:stretch>
+        </p:blipFill>
+        <p:spPr>
+          <a:xfrm>
+            <a:off x="6324599" y="1690688"/>
+            <a:ext cx="5384800" cy="3759200"/>
+          </a:xfrm>
+          <a:prstGeom prst="rect">
+            <a:avLst/>
+          </a:prstGeom>
+        </p:spPr>
+      </p:pic>
+      <p:sp>
+        <p:nvSpPr>
+          <p:cNvPr id="7" name="TextBox 6">
+            <a:extLst>
+              <a:ext uri="{FF2B5EF4-FFF2-40B4-BE49-F238E27FC236}">
+                <a16:creationId xmlns:a16="http://schemas.microsoft.com/office/drawing/2014/main" id="{6EA4D98E-7440-0E3F-4387-AF22B59F49D5}"/>
+              </a:ext>
+            </a:extLst>
+          </p:cNvPr>
+          <p:cNvSpPr txBox="1"/>
+          <p:nvPr/>
+        </p:nvSpPr>
+        <p:spPr>
+          <a:xfrm>
+            <a:off x="838200" y="5512998"/>
+            <a:ext cx="1955087" cy="276999"/>
+          </a:xfrm>
+          <a:prstGeom prst="rect">
+            <a:avLst/>
+          </a:prstGeom>
+          <a:noFill/>
+        </p:spPr>
+        <p:txBody>
+          <a:bodyPr wrap="none" rtlCol="0">
+            <a:spAutoFit/>
+          </a:bodyPr>
+          <a:lstStyle/>
+          <a:p>
+            <a:r>
+              <a:rPr lang="en-DE" sz="1200" dirty="0"/>
+              <a:t>Bundle: GSF better than GST</a:t>
+            </a:r>
+          </a:p>
+        </p:txBody>
+      </p:sp>
+    </p:spTree>
+    <p:extLst>
+      <p:ext uri="{BB962C8B-B14F-4D97-AF65-F5344CB8AC3E}">
+        <p14:creationId xmlns:p14="http://schemas.microsoft.com/office/powerpoint/2010/main" val="1060270467"/>
+      </p:ext>
+    </p:extLst>
+  </p:cSld>
+  <p:clrMapOvr>
+    <a:masterClrMapping/>
+  </p:clrMapOvr>
+</p:sld>
+</file>
+
+<file path=ppt/slides/slide13.xml><?xml version="1.0" encoding="utf-8"?>
+<p:sld xmlns:a="http://schemas.openxmlformats.org/drawingml/2006/main" xmlns:r="http://schemas.openxmlformats.org/officeDocument/2006/relationships" xmlns:p="http://schemas.openxmlformats.org/presentationml/2006/main">
+  <p:cSld>
+    <p:spTree>
+      <p:nvGrpSpPr>
+        <p:cNvPr id="1" name=""/>
+        <p:cNvGrpSpPr/>
+        <p:nvPr/>
+      </p:nvGrpSpPr>
+      <p:grpSpPr>
+        <a:xfrm>
+          <a:off x="0" y="0"/>
+          <a:ext cx="0" cy="0"/>
+          <a:chOff x="0" y="0"/>
+          <a:chExt cx="0" cy="0"/>
+        </a:xfrm>
+      </p:grpSpPr>
+      <p:sp>
+        <p:nvSpPr>
+          <p:cNvPr id="2" name="Title 1">
+            <a:extLst>
+              <a:ext uri="{FF2B5EF4-FFF2-40B4-BE49-F238E27FC236}">
+                <a16:creationId xmlns:a16="http://schemas.microsoft.com/office/drawing/2014/main" id="{75A4E8C3-05A1-ACDC-A19F-CAE0FF3937F2}"/>
+              </a:ext>
+            </a:extLst>
+          </p:cNvPr>
+          <p:cNvSpPr>
+            <a:spLocks noGrp="1"/>
+          </p:cNvSpPr>
+          <p:nvPr>
+            <p:ph type="title"/>
+          </p:nvPr>
+        </p:nvSpPr>
+        <p:spPr/>
+        <p:txBody>
+          <a:bodyPr/>
+          <a:lstStyle/>
+          <a:p>
+            <a:r>
+              <a:rPr lang="en-DE" dirty="0"/>
+              <a:t>Leading muon fraction</a:t>
+            </a:r>
+          </a:p>
+        </p:txBody>
+      </p:sp>
+      <p:pic>
+        <p:nvPicPr>
+          <p:cNvPr id="6" name="Content Placeholder 5">
+            <a:extLst>
+              <a:ext uri="{FF2B5EF4-FFF2-40B4-BE49-F238E27FC236}">
+                <a16:creationId xmlns:a16="http://schemas.microsoft.com/office/drawing/2014/main" id="{E11E61D3-E4FF-ED12-62A7-EE71A8DBEC14}"/>
+              </a:ext>
+            </a:extLst>
+          </p:cNvPr>
+          <p:cNvPicPr>
+            <a:picLocks noGrp="1" noChangeAspect="1"/>
+          </p:cNvPicPr>
+          <p:nvPr>
+            <p:ph idx="1"/>
+          </p:nvPr>
+        </p:nvPicPr>
+        <p:blipFill>
+          <a:blip r:embed="rId2"/>
+          <a:stretch>
+            <a:fillRect/>
+          </a:stretch>
+        </p:blipFill>
+        <p:spPr>
+          <a:xfrm>
+            <a:off x="4402666" y="1690688"/>
+            <a:ext cx="6815667" cy="4718539"/>
+          </a:xfrm>
+        </p:spPr>
+      </p:pic>
+      <p:sp>
+        <p:nvSpPr>
+          <p:cNvPr id="4" name="Slide Number Placeholder 3">
+            <a:extLst>
+              <a:ext uri="{FF2B5EF4-FFF2-40B4-BE49-F238E27FC236}">
+                <a16:creationId xmlns:a16="http://schemas.microsoft.com/office/drawing/2014/main" id="{972C638F-29F0-BA35-224E-9D857389212F}"/>
+              </a:ext>
+            </a:extLst>
+          </p:cNvPr>
+          <p:cNvSpPr>
+            <a:spLocks noGrp="1"/>
+          </p:cNvSpPr>
+          <p:nvPr>
+            <p:ph type="sldNum" sz="quarter" idx="12"/>
+          </p:nvPr>
+        </p:nvSpPr>
+        <p:spPr/>
+        <p:txBody>
+          <a:bodyPr/>
+          <a:lstStyle/>
+          <a:p>
+            <a:fld id="{5AE0D498-42EE-5F49-9FFD-85B9B54DD666}" type="slidenum">
+              <a:rPr lang="en-DE" smtClean="0"/>
+              <a:t>12</a:t>
+            </a:fld>
+            <a:endParaRPr lang="en-DE"/>
+          </a:p>
+        </p:txBody>
+      </p:sp>
+      <p:pic>
+        <p:nvPicPr>
+          <p:cNvPr id="8" name="Picture 7" descr="A graph with red lines and black dots&#10;&#10;Description automatically generated">
+            <a:extLst>
+              <a:ext uri="{FF2B5EF4-FFF2-40B4-BE49-F238E27FC236}">
+                <a16:creationId xmlns:a16="http://schemas.microsoft.com/office/drawing/2014/main" id="{A3A1A0F4-7497-5850-FC07-395632148395}"/>
+              </a:ext>
+            </a:extLst>
+          </p:cNvPr>
+          <p:cNvPicPr>
+            <a:picLocks noChangeAspect="1"/>
+          </p:cNvPicPr>
+          <p:nvPr/>
+        </p:nvPicPr>
+        <p:blipFill>
+          <a:blip r:embed="rId3"/>
+          <a:stretch>
+            <a:fillRect/>
+          </a:stretch>
+        </p:blipFill>
+        <p:spPr>
+          <a:xfrm>
+            <a:off x="397522" y="1690688"/>
+            <a:ext cx="3342627" cy="2887133"/>
+          </a:xfrm>
+          <a:prstGeom prst="rect">
+            <a:avLst/>
+          </a:prstGeom>
+        </p:spPr>
+      </p:pic>
+      <p:sp>
+        <p:nvSpPr>
+          <p:cNvPr id="9" name="TextBox 8">
+            <a:extLst>
+              <a:ext uri="{FF2B5EF4-FFF2-40B4-BE49-F238E27FC236}">
+                <a16:creationId xmlns:a16="http://schemas.microsoft.com/office/drawing/2014/main" id="{CDFFBED2-F304-EA20-1346-C6B54152E4BA}"/>
+              </a:ext>
+            </a:extLst>
+          </p:cNvPr>
+          <p:cNvSpPr txBox="1"/>
+          <p:nvPr/>
+        </p:nvSpPr>
+        <p:spPr>
+          <a:xfrm>
+            <a:off x="534290" y="5538983"/>
+            <a:ext cx="2494465" cy="461665"/>
+          </a:xfrm>
+          <a:prstGeom prst="rect">
+            <a:avLst/>
+          </a:prstGeom>
+          <a:noFill/>
+        </p:spPr>
+        <p:txBody>
+          <a:bodyPr wrap="none" rtlCol="0">
+            <a:spAutoFit/>
+          </a:bodyPr>
+          <a:lstStyle/>
+          <a:p>
+            <a:r>
+              <a:rPr lang="en-DE" sz="1200" dirty="0"/>
+              <a:t>What happens at energies &lt; 1e5 GeV</a:t>
+            </a:r>
+          </a:p>
+          <a:p>
+            <a:endParaRPr lang="en-DE" sz="1200" dirty="0"/>
+          </a:p>
+        </p:txBody>
+      </p:sp>
+    </p:spTree>
+    <p:extLst>
+      <p:ext uri="{BB962C8B-B14F-4D97-AF65-F5344CB8AC3E}">
+        <p14:creationId xmlns:p14="http://schemas.microsoft.com/office/powerpoint/2010/main" val="4119613317"/>
+      </p:ext>
+    </p:extLst>
+  </p:cSld>
+  <p:clrMapOvr>
+    <a:masterClrMapping/>
+  </p:clrMapOvr>
+</p:sld>
+</file>
+
+<file path=ppt/slides/slide14.xml><?xml version="1.0" encoding="utf-8"?>
+<p:sld xmlns:a="http://schemas.openxmlformats.org/drawingml/2006/main" xmlns:r="http://schemas.openxmlformats.org/officeDocument/2006/relationships" xmlns:p="http://schemas.openxmlformats.org/presentationml/2006/main">
+  <p:cSld>
+    <p:spTree>
+      <p:nvGrpSpPr>
+        <p:cNvPr id="1" name=""/>
+        <p:cNvGrpSpPr/>
+        <p:nvPr/>
+      </p:nvGrpSpPr>
+      <p:grpSpPr>
+        <a:xfrm>
+          <a:off x="0" y="0"/>
+          <a:ext cx="0" cy="0"/>
+          <a:chOff x="0" y="0"/>
+          <a:chExt cx="0" cy="0"/>
+        </a:xfrm>
+      </p:grpSpPr>
+      <p:sp>
+        <p:nvSpPr>
+          <p:cNvPr id="2" name="Title 1">
+            <a:extLst>
+              <a:ext uri="{FF2B5EF4-FFF2-40B4-BE49-F238E27FC236}">
+                <a16:creationId xmlns:a16="http://schemas.microsoft.com/office/drawing/2014/main" id="{2A5BCCE2-C534-223A-3397-32D993F9BD1A}"/>
+              </a:ext>
+            </a:extLst>
+          </p:cNvPr>
+          <p:cNvSpPr>
+            <a:spLocks noGrp="1"/>
+          </p:cNvSpPr>
+          <p:nvPr>
+            <p:ph type="title"/>
+          </p:nvPr>
+        </p:nvSpPr>
+        <p:spPr>
+          <a:xfrm>
+            <a:off x="838200" y="2766218"/>
+            <a:ext cx="10515600" cy="1325563"/>
+          </a:xfrm>
+        </p:spPr>
+        <p:txBody>
+          <a:bodyPr/>
+          <a:lstStyle/>
+          <a:p>
+            <a:pPr algn="ctr"/>
+            <a:r>
+              <a:rPr lang="en-DE" dirty="0"/>
+              <a:t>Backup</a:t>
+            </a:r>
+          </a:p>
+        </p:txBody>
+      </p:sp>
+      <p:sp>
+        <p:nvSpPr>
+          <p:cNvPr id="4" name="Slide Number Placeholder 3">
+            <a:extLst>
+              <a:ext uri="{FF2B5EF4-FFF2-40B4-BE49-F238E27FC236}">
+                <a16:creationId xmlns:a16="http://schemas.microsoft.com/office/drawing/2014/main" id="{FBAC0BEB-9B20-FD12-6B40-F1E0BCA7F0F6}"/>
+              </a:ext>
+            </a:extLst>
+          </p:cNvPr>
+          <p:cNvSpPr>
+            <a:spLocks noGrp="1"/>
+          </p:cNvSpPr>
+          <p:nvPr>
+            <p:ph type="sldNum" sz="quarter" idx="12"/>
+          </p:nvPr>
+        </p:nvSpPr>
+        <p:spPr/>
+        <p:txBody>
+          <a:bodyPr/>
+          <a:lstStyle/>
+          <a:p>
+            <a:fld id="{5AE0D498-42EE-5F49-9FFD-85B9B54DD666}" type="slidenum">
+              <a:rPr lang="en-DE" smtClean="0"/>
+              <a:t>13</a:t>
+            </a:fld>
+            <a:endParaRPr lang="en-DE"/>
+          </a:p>
+        </p:txBody>
+      </p:sp>
+    </p:spTree>
+    <p:extLst>
+      <p:ext uri="{BB962C8B-B14F-4D97-AF65-F5344CB8AC3E}">
+        <p14:creationId xmlns:p14="http://schemas.microsoft.com/office/powerpoint/2010/main" val="3650219305"/>
+      </p:ext>
+    </p:extLst>
+  </p:cSld>
+  <p:clrMapOvr>
+    <a:masterClrMapping/>
+  </p:clrMapOvr>
+</p:sld>
+</file>
+
+<file path=ppt/slides/slide15.xml><?xml version="1.0" encoding="utf-8"?>
+<p:sld xmlns:a="http://schemas.openxmlformats.org/drawingml/2006/main" xmlns:r="http://schemas.openxmlformats.org/officeDocument/2006/relationships" xmlns:p="http://schemas.openxmlformats.org/presentationml/2006/main">
+  <p:cSld>
+    <p:spTree>
+      <p:nvGrpSpPr>
+        <p:cNvPr id="1" name=""/>
+        <p:cNvGrpSpPr/>
+        <p:nvPr/>
+      </p:nvGrpSpPr>
+      <p:grpSpPr>
+        <a:xfrm>
+          <a:off x="0" y="0"/>
+          <a:ext cx="0" cy="0"/>
+          <a:chOff x="0" y="0"/>
+          <a:chExt cx="0" cy="0"/>
+        </a:xfrm>
+      </p:grpSpPr>
+      <p:sp>
+        <p:nvSpPr>
+          <p:cNvPr id="2" name="Title 1">
+            <a:extLst>
+              <a:ext uri="{FF2B5EF4-FFF2-40B4-BE49-F238E27FC236}">
+                <a16:creationId xmlns:a16="http://schemas.microsoft.com/office/drawing/2014/main" id="{818AD616-4098-6177-1D0C-4D63D5230F4A}"/>
+              </a:ext>
+            </a:extLst>
+          </p:cNvPr>
+          <p:cNvSpPr>
+            <a:spLocks noGrp="1"/>
+          </p:cNvSpPr>
+          <p:nvPr>
+            <p:ph type="title"/>
+          </p:nvPr>
+        </p:nvSpPr>
+        <p:spPr/>
+        <p:txBody>
+          <a:bodyPr/>
+          <a:lstStyle/>
+          <a:p>
+            <a:r>
+              <a:rPr lang="en-DE" dirty="0"/>
+              <a:t>Muon production – different weightings</a:t>
+            </a:r>
+          </a:p>
+        </p:txBody>
+      </p:sp>
+      <p:pic>
+        <p:nvPicPr>
+          <p:cNvPr id="4" name="Content Placeholder 3">
+            <a:extLst>
+              <a:ext uri="{FF2B5EF4-FFF2-40B4-BE49-F238E27FC236}">
+                <a16:creationId xmlns:a16="http://schemas.microsoft.com/office/drawing/2014/main" id="{9373CD95-2600-590F-719C-6AD3BD38A1CB}"/>
+              </a:ext>
+            </a:extLst>
+          </p:cNvPr>
+          <p:cNvPicPr>
+            <a:picLocks noGrp="1" noChangeAspect="1"/>
+          </p:cNvPicPr>
+          <p:nvPr>
+            <p:ph idx="1"/>
+          </p:nvPr>
+        </p:nvPicPr>
+        <p:blipFill>
+          <a:blip r:embed="rId2"/>
+          <a:stretch>
+            <a:fillRect/>
+          </a:stretch>
+        </p:blipFill>
+        <p:spPr>
+          <a:xfrm>
+            <a:off x="3403600" y="2121694"/>
+            <a:ext cx="5384800" cy="3759200"/>
+          </a:xfrm>
+        </p:spPr>
+      </p:pic>
+      <p:sp>
+        <p:nvSpPr>
+          <p:cNvPr id="5" name="TextBox 4">
+            <a:extLst>
+              <a:ext uri="{FF2B5EF4-FFF2-40B4-BE49-F238E27FC236}">
+                <a16:creationId xmlns:a16="http://schemas.microsoft.com/office/drawing/2014/main" id="{846265BF-F2B9-F8A2-C4E4-A915A26B37BC}"/>
+              </a:ext>
+            </a:extLst>
+          </p:cNvPr>
+          <p:cNvSpPr txBox="1"/>
+          <p:nvPr/>
+        </p:nvSpPr>
+        <p:spPr>
+          <a:xfrm>
+            <a:off x="7010401" y="6311900"/>
+            <a:ext cx="3846630" cy="369332"/>
+          </a:xfrm>
+          <a:prstGeom prst="rect">
+            <a:avLst/>
+          </a:prstGeom>
+          <a:noFill/>
+        </p:spPr>
+        <p:txBody>
+          <a:bodyPr wrap="none" rtlCol="0">
+            <a:spAutoFit/>
+          </a:bodyPr>
+          <a:lstStyle/>
+          <a:p>
+            <a:r>
+              <a:rPr lang="en-GB" dirty="0" err="1">
+                <a:effectLst/>
+              </a:rPr>
+              <a:t>MCLabelsLeadingMuons_entry_energy</a:t>
+            </a:r>
+            <a:endParaRPr lang="en-DE" dirty="0"/>
+          </a:p>
+        </p:txBody>
+      </p:sp>
+      <p:sp>
+        <p:nvSpPr>
+          <p:cNvPr id="6" name="TextBox 5">
+            <a:extLst>
+              <a:ext uri="{FF2B5EF4-FFF2-40B4-BE49-F238E27FC236}">
+                <a16:creationId xmlns:a16="http://schemas.microsoft.com/office/drawing/2014/main" id="{3F78F890-93C6-A64F-76A4-2F8006D50D16}"/>
+              </a:ext>
+            </a:extLst>
+          </p:cNvPr>
+          <p:cNvSpPr txBox="1"/>
+          <p:nvPr/>
+        </p:nvSpPr>
+        <p:spPr>
+          <a:xfrm>
+            <a:off x="465666" y="2497667"/>
+            <a:ext cx="2709333" cy="369332"/>
+          </a:xfrm>
+          <a:prstGeom prst="rect">
+            <a:avLst/>
+          </a:prstGeom>
+          <a:noFill/>
+        </p:spPr>
+        <p:txBody>
+          <a:bodyPr wrap="square" rtlCol="0">
+            <a:spAutoFit/>
+          </a:bodyPr>
+          <a:lstStyle/>
+          <a:p>
+            <a:r>
+              <a:rPr lang="en-DE" dirty="0"/>
+              <a:t>GST predicts most prompt</a:t>
+            </a:r>
+          </a:p>
+        </p:txBody>
+      </p:sp>
+      <p:sp>
+        <p:nvSpPr>
+          <p:cNvPr id="7" name="Slide Number Placeholder 6">
+            <a:extLst>
+              <a:ext uri="{FF2B5EF4-FFF2-40B4-BE49-F238E27FC236}">
+                <a16:creationId xmlns:a16="http://schemas.microsoft.com/office/drawing/2014/main" id="{9F45AF48-92CA-AD9D-7D16-87AC5BFBE85C}"/>
+              </a:ext>
+            </a:extLst>
+          </p:cNvPr>
+          <p:cNvSpPr>
+            <a:spLocks noGrp="1"/>
+          </p:cNvSpPr>
+          <p:nvPr>
+            <p:ph type="sldNum" sz="quarter" idx="12"/>
+          </p:nvPr>
+        </p:nvSpPr>
+        <p:spPr/>
+        <p:txBody>
+          <a:bodyPr/>
+          <a:lstStyle/>
+          <a:p>
+            <a:fld id="{5AE0D498-42EE-5F49-9FFD-85B9B54DD666}" type="slidenum">
+              <a:rPr lang="en-DE" smtClean="0"/>
+              <a:t>14</a:t>
+            </a:fld>
+            <a:endParaRPr lang="en-DE"/>
+          </a:p>
+        </p:txBody>
+      </p:sp>
+    </p:spTree>
+    <p:extLst>
+      <p:ext uri="{BB962C8B-B14F-4D97-AF65-F5344CB8AC3E}">
+        <p14:creationId xmlns:p14="http://schemas.microsoft.com/office/powerpoint/2010/main" val="2441767521"/>
+      </p:ext>
+    </p:extLst>
+  </p:cSld>
+  <p:clrMapOvr>
+    <a:masterClrMapping/>
+  </p:clrMapOvr>
+</p:sld>
+</file>
+
+<file path=ppt/slides/slide16.xml><?xml version="1.0" encoding="utf-8"?>
+<p:sld xmlns:a="http://schemas.openxmlformats.org/drawingml/2006/main" xmlns:r="http://schemas.openxmlformats.org/officeDocument/2006/relationships" xmlns:p="http://schemas.openxmlformats.org/presentationml/2006/main">
+  <p:cSld>
+    <p:spTree>
+      <p:nvGrpSpPr>
+        <p:cNvPr id="1" name=""/>
+        <p:cNvGrpSpPr/>
+        <p:nvPr/>
+      </p:nvGrpSpPr>
+      <p:grpSpPr>
+        <a:xfrm>
+          <a:off x="0" y="0"/>
+          <a:ext cx="0" cy="0"/>
+          <a:chOff x="0" y="0"/>
+          <a:chExt cx="0" cy="0"/>
+        </a:xfrm>
+      </p:grpSpPr>
+      <p:sp>
+        <p:nvSpPr>
           <p:cNvPr id="2" name="Titel 1">
             <a:extLst>
               <a:ext uri="{FF2B5EF4-FFF2-40B4-BE49-F238E27FC236}">
@@ -4303,8 +5413,8 @@
           </a:p>
         </p:txBody>
       </p:sp>
-      <mc:AlternateContent xmlns:mc="http://schemas.openxmlformats.org/markup-compatibility/2006">
-        <mc:Choice xmlns:a14="http://schemas.microsoft.com/office/drawing/2010/main" Requires="a14">
+      <mc:AlternateContent xmlns:mc="http://schemas.openxmlformats.org/markup-compatibility/2006" xmlns:a14="http://schemas.microsoft.com/office/drawing/2010/main">
+        <mc:Choice Requires="a14">
           <p:sp>
             <p:nvSpPr>
               <p:cNvPr id="3" name="Inhaltsplatzhalter 2">
@@ -4477,7 +5587,7 @@
             </p:txBody>
           </p:sp>
         </mc:Choice>
-        <mc:Fallback>
+        <mc:Fallback xmlns="">
           <p:sp>
             <p:nvSpPr>
               <p:cNvPr id="3" name="Inhaltsplatzhalter 2">
@@ -4544,7 +5654,7 @@
           <a:p>
             <a:fld id="{CD8304E6-5469-594D-85BC-E468E92D2243}" type="slidenum">
               <a:rPr lang="en-US" smtClean="0"/>
-              <a:t>11</a:t>
+              <a:t>15</a:t>
             </a:fld>
             <a:endParaRPr lang="en-US"/>
           </a:p>
@@ -4955,7 +6065,7 @@
 </p:sld>
 </file>
 
-<file path=ppt/slides/slide13.xml><?xml version="1.0" encoding="utf-8"?>
+<file path=ppt/slides/slide17.xml><?xml version="1.0" encoding="utf-8"?>
 <p:sld xmlns:a="http://schemas.openxmlformats.org/drawingml/2006/main" xmlns:r="http://schemas.openxmlformats.org/officeDocument/2006/relationships" xmlns:p="http://schemas.openxmlformats.org/presentationml/2006/main">
   <p:cSld>
     <p:bg>
@@ -5808,7 +6918,7 @@
           <a:p>
             <a:fld id="{5AE0D498-42EE-5F49-9FFD-85B9B54DD666}" type="slidenum">
               <a:rPr lang="en-DE" smtClean="0"/>
-              <a:t>12</a:t>
+              <a:t>16</a:t>
             </a:fld>
             <a:endParaRPr lang="en-DE"/>
           </a:p>
@@ -5827,7 +6937,7 @@
 </p:sld>
 </file>
 
-<file path=ppt/slides/slide14.xml><?xml version="1.0" encoding="utf-8"?>
+<file path=ppt/slides/slide18.xml><?xml version="1.0" encoding="utf-8"?>
 <p:sld xmlns:a="http://schemas.openxmlformats.org/drawingml/2006/main" xmlns:r="http://schemas.openxmlformats.org/officeDocument/2006/relationships" xmlns:p="http://schemas.openxmlformats.org/presentationml/2006/main">
   <p:cSld>
     <p:spTree>
@@ -6093,7 +7203,7 @@
           <a:p>
             <a:fld id="{5AE0D498-42EE-5F49-9FFD-85B9B54DD666}" type="slidenum">
               <a:rPr lang="en-DE" smtClean="0"/>
-              <a:t>13</a:t>
+              <a:t>17</a:t>
             </a:fld>
             <a:endParaRPr lang="en-DE"/>
           </a:p>
@@ -6112,7 +7222,7 @@
 </p:sld>
 </file>
 
-<file path=ppt/slides/slide15.xml><?xml version="1.0" encoding="utf-8"?>
+<file path=ppt/slides/slide19.xml><?xml version="1.0" encoding="utf-8"?>
 <p:sld xmlns:a="http://schemas.openxmlformats.org/drawingml/2006/main" xmlns:r="http://schemas.openxmlformats.org/officeDocument/2006/relationships" xmlns:p="http://schemas.openxmlformats.org/presentationml/2006/main">
   <p:cSld>
     <p:spTree>
@@ -6209,7 +7319,7 @@
           <a:p>
             <a:fld id="{5AE0D498-42EE-5F49-9FFD-85B9B54DD666}" type="slidenum">
               <a:rPr lang="en-DE" smtClean="0"/>
-              <a:t>14</a:t>
+              <a:t>18</a:t>
             </a:fld>
             <a:endParaRPr lang="en-DE"/>
           </a:p>
@@ -8858,7 +9968,7 @@
           <a:p>
             <a:r>
               <a:rPr lang="en-DE" dirty="0"/>
-              <a:t>Data-MC</a:t>
+              <a:t>Data-MC (charge)</a:t>
             </a:r>
           </a:p>
         </p:txBody>
@@ -9016,7 +10126,7 @@
           <a:p>
             <a:r>
               <a:rPr lang="en-DE" dirty="0"/>
-              <a:t>Data-MC</a:t>
+              <a:t>Data-MC (pulses)</a:t>
             </a:r>
           </a:p>
         </p:txBody>

--- a/cr_group/prompt_20230831.pptx
+++ b/cr_group/prompt_20230831.pptx
@@ -5,7 +5,7 @@
     <p:sldMasterId id="2147483648" r:id="rId1"/>
   </p:sldMasterIdLst>
   <p:notesMasterIdLst>
-    <p:notesMasterId r:id="rId21"/>
+    <p:notesMasterId r:id="rId29"/>
   </p:notesMasterIdLst>
   <p:sldIdLst>
     <p:sldId id="256" r:id="rId2"/>
@@ -13,20 +13,28 @@
     <p:sldId id="260" r:id="rId4"/>
     <p:sldId id="267" r:id="rId5"/>
     <p:sldId id="269" r:id="rId6"/>
-    <p:sldId id="270" r:id="rId7"/>
-    <p:sldId id="272" r:id="rId8"/>
-    <p:sldId id="273" r:id="rId9"/>
-    <p:sldId id="274" r:id="rId10"/>
-    <p:sldId id="275" r:id="rId11"/>
-    <p:sldId id="276" r:id="rId12"/>
-    <p:sldId id="277" r:id="rId13"/>
-    <p:sldId id="278" r:id="rId14"/>
-    <p:sldId id="258" r:id="rId15"/>
-    <p:sldId id="259" r:id="rId16"/>
-    <p:sldId id="265" r:id="rId17"/>
-    <p:sldId id="266" r:id="rId18"/>
-    <p:sldId id="268" r:id="rId19"/>
-    <p:sldId id="271" r:id="rId20"/>
+    <p:sldId id="278" r:id="rId7"/>
+    <p:sldId id="271" r:id="rId8"/>
+    <p:sldId id="270" r:id="rId9"/>
+    <p:sldId id="272" r:id="rId10"/>
+    <p:sldId id="273" r:id="rId11"/>
+    <p:sldId id="274" r:id="rId12"/>
+    <p:sldId id="275" r:id="rId13"/>
+    <p:sldId id="276" r:id="rId14"/>
+    <p:sldId id="277" r:id="rId15"/>
+    <p:sldId id="258" r:id="rId16"/>
+    <p:sldId id="280" r:id="rId17"/>
+    <p:sldId id="282" r:id="rId18"/>
+    <p:sldId id="283" r:id="rId19"/>
+    <p:sldId id="284" r:id="rId20"/>
+    <p:sldId id="281" r:id="rId21"/>
+    <p:sldId id="259" r:id="rId22"/>
+    <p:sldId id="265" r:id="rId23"/>
+    <p:sldId id="266" r:id="rId24"/>
+    <p:sldId id="268" r:id="rId25"/>
+    <p:sldId id="279" r:id="rId26"/>
+    <p:sldId id="285" r:id="rId27"/>
+    <p:sldId id="286" r:id="rId28"/>
   </p:sldIdLst>
   <p:sldSz cx="12192000" cy="6858000"/>
   <p:notesSz cx="6858000" cy="9144000"/>
@@ -215,7 +223,7 @@
           <a:p>
             <a:fld id="{8D351982-A158-344B-81F5-F65CADD486CD}" type="datetimeFigureOut">
               <a:rPr lang="en-DE" smtClean="0"/>
-              <a:t>01.09.23</a:t>
+              <a:t>04.09.23</a:t>
             </a:fld>
             <a:endParaRPr lang="en-DE"/>
           </a:p>
@@ -632,7 +640,7 @@
           <a:p>
             <a:fld id="{BB8074F8-2564-E445-BD51-0D21BCA28AE7}" type="slidenum">
               <a:rPr lang="en-DE" smtClean="0"/>
-              <a:t>5</a:t>
+              <a:t>7</a:t>
             </a:fld>
             <a:endParaRPr lang="en-DE"/>
           </a:p>
@@ -800,7 +808,7 @@
           <a:p>
             <a:fld id="{45B0F36B-26B1-A34A-9994-ED360CB13A12}" type="datetime1">
               <a:rPr lang="de-DE" smtClean="0"/>
-              <a:t>01.09.23</a:t>
+              <a:t>04.09.23</a:t>
             </a:fld>
             <a:endParaRPr lang="en-DE"/>
           </a:p>
@@ -1000,7 +1008,7 @@
           <a:p>
             <a:fld id="{A292565D-6C08-214B-BC5B-9AEB628BC5CC}" type="datetime1">
               <a:rPr lang="de-DE" smtClean="0"/>
-              <a:t>01.09.23</a:t>
+              <a:t>04.09.23</a:t>
             </a:fld>
             <a:endParaRPr lang="en-DE"/>
           </a:p>
@@ -1210,7 +1218,7 @@
           <a:p>
             <a:fld id="{BE622C59-2BAC-A44F-9147-C1F4178921D3}" type="datetime1">
               <a:rPr lang="de-DE" smtClean="0"/>
-              <a:t>01.09.23</a:t>
+              <a:t>04.09.23</a:t>
             </a:fld>
             <a:endParaRPr lang="en-DE"/>
           </a:p>
@@ -1410,7 +1418,7 @@
           <a:p>
             <a:fld id="{F54CEB42-7ED7-D448-8FD0-A818DF10C894}" type="datetime1">
               <a:rPr lang="de-DE" smtClean="0"/>
-              <a:t>01.09.23</a:t>
+              <a:t>04.09.23</a:t>
             </a:fld>
             <a:endParaRPr lang="en-DE"/>
           </a:p>
@@ -1686,7 +1694,7 @@
           <a:p>
             <a:fld id="{EDAF78DB-F797-3D41-86F3-0029DEBA6855}" type="datetime1">
               <a:rPr lang="de-DE" smtClean="0"/>
-              <a:t>01.09.23</a:t>
+              <a:t>04.09.23</a:t>
             </a:fld>
             <a:endParaRPr lang="en-DE"/>
           </a:p>
@@ -1954,7 +1962,7 @@
           <a:p>
             <a:fld id="{93655E21-339A-BD4B-95A3-A4A9A6AFD884}" type="datetime1">
               <a:rPr lang="de-DE" smtClean="0"/>
-              <a:t>01.09.23</a:t>
+              <a:t>04.09.23</a:t>
             </a:fld>
             <a:endParaRPr lang="en-DE"/>
           </a:p>
@@ -2369,7 +2377,7 @@
           <a:p>
             <a:fld id="{6F830063-72B8-DB4B-A029-978E1CBDF49A}" type="datetime1">
               <a:rPr lang="de-DE" smtClean="0"/>
-              <a:t>01.09.23</a:t>
+              <a:t>04.09.23</a:t>
             </a:fld>
             <a:endParaRPr lang="en-DE"/>
           </a:p>
@@ -2511,7 +2519,7 @@
           <a:p>
             <a:fld id="{1E4E3E4E-0302-F845-8E93-7F2AA32EB842}" type="datetime1">
               <a:rPr lang="de-DE" smtClean="0"/>
-              <a:t>01.09.23</a:t>
+              <a:t>04.09.23</a:t>
             </a:fld>
             <a:endParaRPr lang="en-DE"/>
           </a:p>
@@ -2624,7 +2632,7 @@
           <a:p>
             <a:fld id="{F15B2059-2F39-8245-A6B1-F6BC3832C40F}" type="datetime1">
               <a:rPr lang="de-DE" smtClean="0"/>
-              <a:t>01.09.23</a:t>
+              <a:t>04.09.23</a:t>
             </a:fld>
             <a:endParaRPr lang="en-DE"/>
           </a:p>
@@ -2937,7 +2945,7 @@
           <a:p>
             <a:fld id="{53AB0448-FD55-254E-B57E-9C5C722DC465}" type="datetime1">
               <a:rPr lang="de-DE" smtClean="0"/>
-              <a:t>01.09.23</a:t>
+              <a:t>04.09.23</a:t>
             </a:fld>
             <a:endParaRPr lang="en-DE"/>
           </a:p>
@@ -3226,7 +3234,7 @@
           <a:p>
             <a:fld id="{B75F4DC5-D126-BA4D-A93B-9087C10A4F05}" type="datetime1">
               <a:rPr lang="de-DE" smtClean="0"/>
-              <a:t>01.09.23</a:t>
+              <a:t>04.09.23</a:t>
             </a:fld>
             <a:endParaRPr lang="en-DE"/>
           </a:p>
@@ -3469,7 +3477,7 @@
           <a:p>
             <a:fld id="{40FC3DB6-508E-0149-90C1-9A9BC48D3617}" type="datetime1">
               <a:rPr lang="de-DE" smtClean="0"/>
-              <a:t>01.09.23</a:t>
+              <a:t>04.09.23</a:t>
             </a:fld>
             <a:endParaRPr lang="en-DE"/>
           </a:p>
@@ -4144,7 +4152,7 @@
           <p:cNvPr id="2" name="Title 1">
             <a:extLst>
               <a:ext uri="{FF2B5EF4-FFF2-40B4-BE49-F238E27FC236}">
-                <a16:creationId xmlns:a16="http://schemas.microsoft.com/office/drawing/2014/main" id="{94596DCD-A933-FBC3-1F1E-715B93C4B48A}"/>
+                <a16:creationId xmlns:a16="http://schemas.microsoft.com/office/drawing/2014/main" id="{EFB73269-7A73-D771-6B01-9AAC46B73674}"/>
               </a:ext>
             </a:extLst>
           </p:cNvPr>
@@ -4162,7 +4170,7 @@
           <a:p>
             <a:r>
               <a:rPr lang="en-DE" dirty="0"/>
-              <a:t>Data-MC (cos zenith)</a:t>
+              <a:t>Data-MC (charge)</a:t>
             </a:r>
           </a:p>
         </p:txBody>
@@ -4172,7 +4180,7 @@
           <p:cNvPr id="5" name="Content Placeholder 4">
             <a:extLst>
               <a:ext uri="{FF2B5EF4-FFF2-40B4-BE49-F238E27FC236}">
-                <a16:creationId xmlns:a16="http://schemas.microsoft.com/office/drawing/2014/main" id="{385677D6-3AE2-E7F7-96E7-4AA3FEE07AE1}"/>
+                <a16:creationId xmlns:a16="http://schemas.microsoft.com/office/drawing/2014/main" id="{03AE8BE2-A2DA-E369-F0E5-9E862466AB51}"/>
               </a:ext>
             </a:extLst>
           </p:cNvPr>
@@ -4191,8 +4199,8 @@
         </p:blipFill>
         <p:spPr>
           <a:xfrm>
-            <a:off x="838200" y="1935427"/>
-            <a:ext cx="5384800" cy="3759200"/>
+            <a:off x="4873206" y="233556"/>
+            <a:ext cx="6251994" cy="6487919"/>
           </a:xfrm>
         </p:spPr>
       </p:pic>
@@ -4201,7 +4209,7 @@
           <p:cNvPr id="4" name="Slide Number Placeholder 3">
             <a:extLst>
               <a:ext uri="{FF2B5EF4-FFF2-40B4-BE49-F238E27FC236}">
-                <a16:creationId xmlns:a16="http://schemas.microsoft.com/office/drawing/2014/main" id="{0697A1B3-6E59-AE3D-2F04-1BB1304AFBC2}"/>
+                <a16:creationId xmlns:a16="http://schemas.microsoft.com/office/drawing/2014/main" id="{331CFE06-AA1C-F4F0-5779-D3DA84E7F119}"/>
               </a:ext>
             </a:extLst>
           </p:cNvPr>
@@ -4225,42 +4233,12 @@
           </a:p>
         </p:txBody>
       </p:sp>
-      <p:pic>
-        <p:nvPicPr>
-          <p:cNvPr id="6" name="Picture 5">
-            <a:extLst>
-              <a:ext uri="{FF2B5EF4-FFF2-40B4-BE49-F238E27FC236}">
-                <a16:creationId xmlns:a16="http://schemas.microsoft.com/office/drawing/2014/main" id="{B675BCDB-B82A-81A6-BAD4-BC40E43CD780}"/>
-              </a:ext>
-            </a:extLst>
-          </p:cNvPr>
-          <p:cNvPicPr>
-            <a:picLocks noChangeAspect="1"/>
-          </p:cNvPicPr>
-          <p:nvPr/>
-        </p:nvPicPr>
-        <p:blipFill>
-          <a:blip r:embed="rId3"/>
-          <a:stretch>
-            <a:fillRect/>
-          </a:stretch>
-        </p:blipFill>
-        <p:spPr>
-          <a:xfrm>
-            <a:off x="6468533" y="1935427"/>
-            <a:ext cx="5384800" cy="3759200"/>
-          </a:xfrm>
-          <a:prstGeom prst="rect">
-            <a:avLst/>
-          </a:prstGeom>
-        </p:spPr>
-      </p:pic>
-      <p:sp>
-        <p:nvSpPr>
-          <p:cNvPr id="7" name="TextBox 6">
-            <a:extLst>
-              <a:ext uri="{FF2B5EF4-FFF2-40B4-BE49-F238E27FC236}">
-                <a16:creationId xmlns:a16="http://schemas.microsoft.com/office/drawing/2014/main" id="{792803B5-900B-DB6D-FF74-44661DCDD06F}"/>
+      <p:sp>
+        <p:nvSpPr>
+          <p:cNvPr id="6" name="TextBox 5">
+            <a:extLst>
+              <a:ext uri="{FF2B5EF4-FFF2-40B4-BE49-F238E27FC236}">
+                <a16:creationId xmlns:a16="http://schemas.microsoft.com/office/drawing/2014/main" id="{14FE583B-6071-4349-365F-5E397EDA7330}"/>
               </a:ext>
             </a:extLst>
           </p:cNvPr>
@@ -4269,8 +4247,8 @@
         </p:nvSpPr>
         <p:spPr>
           <a:xfrm>
-            <a:off x="2450592" y="1796927"/>
-            <a:ext cx="1481328" cy="276999"/>
+            <a:off x="96728" y="6356350"/>
+            <a:ext cx="6242606" cy="461665"/>
           </a:xfrm>
           <a:prstGeom prst="rect">
             <a:avLst/>
@@ -4278,194 +4256,29 @@
           <a:noFill/>
         </p:spPr>
         <p:txBody>
-          <a:bodyPr wrap="square" rtlCol="0">
+          <a:bodyPr wrap="none" rtlCol="0">
             <a:spAutoFit/>
           </a:bodyPr>
           <a:lstStyle/>
           <a:p>
             <a:r>
+              <a:rPr lang="en-DE" sz="1200" dirty="0"/>
+              <a:t>Cut:</a:t>
+            </a:r>
+            <a:br>
+              <a:rPr lang="en-DE" sz="1200" dirty="0"/>
+            </a:br>
+            <a:r>
               <a:rPr lang="en-GB" sz="1200" dirty="0"/>
-              <a:t>N</a:t>
-            </a:r>
-            <a:r>
-              <a:rPr lang="en-DE" sz="1200" dirty="0"/>
-              <a:t>o cut </a:t>
-            </a:r>
-          </a:p>
-        </p:txBody>
-      </p:sp>
-      <p:sp>
-        <p:nvSpPr>
-          <p:cNvPr id="8" name="TextBox 7">
-            <a:extLst>
-              <a:ext uri="{FF2B5EF4-FFF2-40B4-BE49-F238E27FC236}">
-                <a16:creationId xmlns:a16="http://schemas.microsoft.com/office/drawing/2014/main" id="{7A3A1B79-088F-FAAA-7CFA-DA96304F8CFB}"/>
-              </a:ext>
-            </a:extLst>
-          </p:cNvPr>
-          <p:cNvSpPr txBox="1"/>
-          <p:nvPr/>
-        </p:nvSpPr>
-        <p:spPr>
-          <a:xfrm>
-            <a:off x="8043672" y="1796927"/>
-            <a:ext cx="1481328" cy="276999"/>
-          </a:xfrm>
-          <a:prstGeom prst="rect">
-            <a:avLst/>
-          </a:prstGeom>
-          <a:noFill/>
-        </p:spPr>
-        <p:txBody>
-          <a:bodyPr wrap="square" rtlCol="0">
-            <a:spAutoFit/>
-          </a:bodyPr>
-          <a:lstStyle/>
-          <a:p>
-            <a:r>
-              <a:rPr lang="en-GB" sz="1200" dirty="0"/>
-              <a:t>C</a:t>
-            </a:r>
-            <a:r>
-              <a:rPr lang="en-DE" sz="1200" dirty="0"/>
-              <a:t>ut E &gt; 1e4 GeV </a:t>
-            </a:r>
-          </a:p>
-        </p:txBody>
-      </p:sp>
-      <p:sp>
-        <p:nvSpPr>
-          <p:cNvPr id="9" name="Oval 8">
-            <a:extLst>
-              <a:ext uri="{FF2B5EF4-FFF2-40B4-BE49-F238E27FC236}">
-                <a16:creationId xmlns:a16="http://schemas.microsoft.com/office/drawing/2014/main" id="{46075E14-4578-A7E4-D7E3-2F283D36B7EC}"/>
-              </a:ext>
-            </a:extLst>
-          </p:cNvPr>
-          <p:cNvSpPr/>
-          <p:nvPr/>
-        </p:nvSpPr>
-        <p:spPr>
-          <a:xfrm>
-            <a:off x="6922008" y="3054096"/>
-            <a:ext cx="1435608" cy="2468880"/>
-          </a:xfrm>
-          <a:prstGeom prst="ellipse">
-            <a:avLst/>
-          </a:prstGeom>
-          <a:noFill/>
-          <a:ln w="15875">
-            <a:solidFill>
-              <a:srgbClr val="C00000"/>
-            </a:solidFill>
-          </a:ln>
-        </p:spPr>
-        <p:style>
-          <a:lnRef idx="2">
-            <a:schemeClr val="accent1">
-              <a:shade val="15000"/>
-            </a:schemeClr>
-          </a:lnRef>
-          <a:fillRef idx="1">
-            <a:schemeClr val="accent1"/>
-          </a:fillRef>
-          <a:effectRef idx="0">
-            <a:schemeClr val="accent1"/>
-          </a:effectRef>
-          <a:fontRef idx="minor">
-            <a:schemeClr val="lt1"/>
-          </a:fontRef>
-        </p:style>
-        <p:txBody>
-          <a:bodyPr rtlCol="0" anchor="ctr"/>
-          <a:lstStyle/>
-          <a:p>
-            <a:pPr algn="ctr"/>
-            <a:endParaRPr lang="en-DE"/>
-          </a:p>
-        </p:txBody>
-      </p:sp>
-      <p:sp>
-        <p:nvSpPr>
-          <p:cNvPr id="10" name="TextBox 9">
-            <a:extLst>
-              <a:ext uri="{FF2B5EF4-FFF2-40B4-BE49-F238E27FC236}">
-                <a16:creationId xmlns:a16="http://schemas.microsoft.com/office/drawing/2014/main" id="{4185E8CC-7B05-8E1F-BFC2-563D87365274}"/>
-              </a:ext>
-            </a:extLst>
-          </p:cNvPr>
-          <p:cNvSpPr txBox="1"/>
-          <p:nvPr/>
-        </p:nvSpPr>
-        <p:spPr>
-          <a:xfrm>
-            <a:off x="6708648" y="5470302"/>
-            <a:ext cx="3273552" cy="276999"/>
-          </a:xfrm>
-          <a:prstGeom prst="rect">
-            <a:avLst/>
-          </a:prstGeom>
-          <a:noFill/>
-        </p:spPr>
-        <p:txBody>
-          <a:bodyPr wrap="square" rtlCol="0">
-            <a:spAutoFit/>
-          </a:bodyPr>
-          <a:lstStyle/>
-          <a:p>
-            <a:r>
-              <a:rPr lang="en-GB" sz="1200" dirty="0">
-                <a:solidFill>
-                  <a:srgbClr val="C00000"/>
-                </a:solidFill>
-              </a:rPr>
-              <a:t>M</a:t>
-            </a:r>
-            <a:r>
-              <a:rPr lang="en-DE" sz="1200" dirty="0">
-                <a:solidFill>
-                  <a:srgbClr val="C00000"/>
-                </a:solidFill>
-              </a:rPr>
-              <a:t>ismatch, but low statistics!</a:t>
-            </a:r>
-          </a:p>
-        </p:txBody>
-      </p:sp>
-      <p:pic>
-        <p:nvPicPr>
-          <p:cNvPr id="12" name="Picture 11" descr="A graph of a number of tracks&#10;&#10;Description automatically generated with medium confidence">
-            <a:extLst>
-              <a:ext uri="{FF2B5EF4-FFF2-40B4-BE49-F238E27FC236}">
-                <a16:creationId xmlns:a16="http://schemas.microsoft.com/office/drawing/2014/main" id="{10F9B53A-1400-4F62-F9B0-BD280B5053B2}"/>
-              </a:ext>
-            </a:extLst>
-          </p:cNvPr>
-          <p:cNvPicPr>
-            <a:picLocks noChangeAspect="1"/>
-          </p:cNvPicPr>
-          <p:nvPr/>
-        </p:nvPicPr>
-        <p:blipFill>
-          <a:blip r:embed="rId4"/>
-          <a:stretch>
-            <a:fillRect/>
-          </a:stretch>
-        </p:blipFill>
-        <p:spPr>
-          <a:xfrm>
-            <a:off x="9533467" y="22563"/>
-            <a:ext cx="2450592" cy="2006066"/>
-          </a:xfrm>
-          <a:prstGeom prst="rect">
-            <a:avLst/>
-          </a:prstGeom>
-        </p:spPr>
-      </p:pic>
+              <a:t>DeepLearningReco_exported_model_PromptMu_L2_energy_bundle_energy_at_entry &gt; 1e4 GeV</a:t>
+            </a:r>
+          </a:p>
+        </p:txBody>
+      </p:sp>
     </p:spTree>
     <p:extLst>
       <p:ext uri="{BB962C8B-B14F-4D97-AF65-F5344CB8AC3E}">
-        <p14:creationId xmlns:p14="http://schemas.microsoft.com/office/powerpoint/2010/main" val="4240630107"/>
+        <p14:creationId xmlns:p14="http://schemas.microsoft.com/office/powerpoint/2010/main" val="164347307"/>
       </p:ext>
     </p:extLst>
   </p:cSld>
@@ -4497,7 +4310,7 @@
           <p:cNvPr id="2" name="Title 1">
             <a:extLst>
               <a:ext uri="{FF2B5EF4-FFF2-40B4-BE49-F238E27FC236}">
-                <a16:creationId xmlns:a16="http://schemas.microsoft.com/office/drawing/2014/main" id="{5218AA78-1928-6537-595C-30919EB2CE32}"/>
+                <a16:creationId xmlns:a16="http://schemas.microsoft.com/office/drawing/2014/main" id="{A6A4C810-9F81-328D-0507-CC1406F2B332}"/>
               </a:ext>
             </a:extLst>
           </p:cNvPr>
@@ -4515,7 +4328,7 @@
           <a:p>
             <a:r>
               <a:rPr lang="en-DE" dirty="0"/>
-              <a:t>Data-MC (zenith)</a:t>
+              <a:t>Data-MC (pulses)</a:t>
             </a:r>
           </a:p>
         </p:txBody>
@@ -4525,7 +4338,7 @@
           <p:cNvPr id="5" name="Content Placeholder 4">
             <a:extLst>
               <a:ext uri="{FF2B5EF4-FFF2-40B4-BE49-F238E27FC236}">
-                <a16:creationId xmlns:a16="http://schemas.microsoft.com/office/drawing/2014/main" id="{C8C3ED27-96DC-109B-4707-497FED1F76EB}"/>
+                <a16:creationId xmlns:a16="http://schemas.microsoft.com/office/drawing/2014/main" id="{1EB08331-2E2D-DBCB-C8CC-BACF27070022}"/>
               </a:ext>
             </a:extLst>
           </p:cNvPr>
@@ -4544,8 +4357,8 @@
         </p:blipFill>
         <p:spPr>
           <a:xfrm>
-            <a:off x="3852332" y="1690688"/>
-            <a:ext cx="7230533" cy="5047731"/>
+            <a:off x="4919979" y="523073"/>
+            <a:ext cx="3025291" cy="2937176"/>
           </a:xfrm>
         </p:spPr>
       </p:pic>
@@ -4554,7 +4367,7 @@
           <p:cNvPr id="4" name="Slide Number Placeholder 3">
             <a:extLst>
               <a:ext uri="{FF2B5EF4-FFF2-40B4-BE49-F238E27FC236}">
-                <a16:creationId xmlns:a16="http://schemas.microsoft.com/office/drawing/2014/main" id="{CDB529A3-6585-B638-6D94-E08A20FD11A7}"/>
+                <a16:creationId xmlns:a16="http://schemas.microsoft.com/office/drawing/2014/main" id="{E9CE2D71-DD0B-181D-D321-2A453FA18169}"/>
               </a:ext>
             </a:extLst>
           </p:cNvPr>
@@ -4578,12 +4391,176 @@
           </a:p>
         </p:txBody>
       </p:sp>
-      <p:sp>
-        <p:nvSpPr>
-          <p:cNvPr id="6" name="Oval 5">
-            <a:extLst>
-              <a:ext uri="{FF2B5EF4-FFF2-40B4-BE49-F238E27FC236}">
-                <a16:creationId xmlns:a16="http://schemas.microsoft.com/office/drawing/2014/main" id="{162E6E39-F539-4F44-5A95-2B2671B8ED04}"/>
+      <p:pic>
+        <p:nvPicPr>
+          <p:cNvPr id="6" name="Picture 5">
+            <a:extLst>
+              <a:ext uri="{FF2B5EF4-FFF2-40B4-BE49-F238E27FC236}">
+                <a16:creationId xmlns:a16="http://schemas.microsoft.com/office/drawing/2014/main" id="{3D8C5CB9-1A70-E090-9630-F881A778D4C4}"/>
+              </a:ext>
+            </a:extLst>
+          </p:cNvPr>
+          <p:cNvPicPr>
+            <a:picLocks noChangeAspect="1"/>
+          </p:cNvPicPr>
+          <p:nvPr/>
+        </p:nvPicPr>
+        <p:blipFill>
+          <a:blip r:embed="rId3"/>
+          <a:stretch>
+            <a:fillRect/>
+          </a:stretch>
+        </p:blipFill>
+        <p:spPr>
+          <a:xfrm>
+            <a:off x="4919979" y="3419625"/>
+            <a:ext cx="3025291" cy="2937176"/>
+          </a:xfrm>
+          <a:prstGeom prst="rect">
+            <a:avLst/>
+          </a:prstGeom>
+        </p:spPr>
+      </p:pic>
+      <p:sp>
+        <p:nvSpPr>
+          <p:cNvPr id="7" name="TextBox 6">
+            <a:extLst>
+              <a:ext uri="{FF2B5EF4-FFF2-40B4-BE49-F238E27FC236}">
+                <a16:creationId xmlns:a16="http://schemas.microsoft.com/office/drawing/2014/main" id="{69B772D5-7403-1F81-3071-6A794A827599}"/>
+              </a:ext>
+            </a:extLst>
+          </p:cNvPr>
+          <p:cNvSpPr txBox="1"/>
+          <p:nvPr/>
+        </p:nvSpPr>
+        <p:spPr>
+          <a:xfrm>
+            <a:off x="6289040" y="223520"/>
+            <a:ext cx="805029" cy="369332"/>
+          </a:xfrm>
+          <a:prstGeom prst="rect">
+            <a:avLst/>
+          </a:prstGeom>
+          <a:noFill/>
+        </p:spPr>
+        <p:txBody>
+          <a:bodyPr wrap="none" rtlCol="0">
+            <a:spAutoFit/>
+          </a:bodyPr>
+          <a:lstStyle/>
+          <a:p>
+            <a:r>
+              <a:rPr lang="en-GB" dirty="0"/>
+              <a:t>N</a:t>
+            </a:r>
+            <a:r>
+              <a:rPr lang="en-DE" dirty="0"/>
+              <a:t>o cut</a:t>
+            </a:r>
+          </a:p>
+        </p:txBody>
+      </p:sp>
+      <p:pic>
+        <p:nvPicPr>
+          <p:cNvPr id="8" name="Picture 7">
+            <a:extLst>
+              <a:ext uri="{FF2B5EF4-FFF2-40B4-BE49-F238E27FC236}">
+                <a16:creationId xmlns:a16="http://schemas.microsoft.com/office/drawing/2014/main" id="{38E19AAF-A98E-0965-D721-B11C59C4113D}"/>
+              </a:ext>
+            </a:extLst>
+          </p:cNvPr>
+          <p:cNvPicPr>
+            <a:picLocks noChangeAspect="1"/>
+          </p:cNvPicPr>
+          <p:nvPr/>
+        </p:nvPicPr>
+        <p:blipFill>
+          <a:blip r:embed="rId4"/>
+          <a:stretch>
+            <a:fillRect/>
+          </a:stretch>
+        </p:blipFill>
+        <p:spPr>
+          <a:xfrm>
+            <a:off x="8079588" y="523073"/>
+            <a:ext cx="3025291" cy="2937176"/>
+          </a:xfrm>
+          <a:prstGeom prst="rect">
+            <a:avLst/>
+          </a:prstGeom>
+        </p:spPr>
+      </p:pic>
+      <p:pic>
+        <p:nvPicPr>
+          <p:cNvPr id="9" name="Picture 8">
+            <a:extLst>
+              <a:ext uri="{FF2B5EF4-FFF2-40B4-BE49-F238E27FC236}">
+                <a16:creationId xmlns:a16="http://schemas.microsoft.com/office/drawing/2014/main" id="{C3CA97D2-24EA-A8BE-A776-FEDAA1E5F89C}"/>
+              </a:ext>
+            </a:extLst>
+          </p:cNvPr>
+          <p:cNvPicPr>
+            <a:picLocks noChangeAspect="1"/>
+          </p:cNvPicPr>
+          <p:nvPr/>
+        </p:nvPicPr>
+        <p:blipFill>
+          <a:blip r:embed="rId5"/>
+          <a:stretch>
+            <a:fillRect/>
+          </a:stretch>
+        </p:blipFill>
+        <p:spPr>
+          <a:xfrm>
+            <a:off x="8079588" y="3419625"/>
+            <a:ext cx="3025291" cy="2937176"/>
+          </a:xfrm>
+          <a:prstGeom prst="rect">
+            <a:avLst/>
+          </a:prstGeom>
+        </p:spPr>
+      </p:pic>
+      <p:sp>
+        <p:nvSpPr>
+          <p:cNvPr id="10" name="TextBox 9">
+            <a:extLst>
+              <a:ext uri="{FF2B5EF4-FFF2-40B4-BE49-F238E27FC236}">
+                <a16:creationId xmlns:a16="http://schemas.microsoft.com/office/drawing/2014/main" id="{E3D5546E-5B67-2310-444B-041B08C7F9BB}"/>
+              </a:ext>
+            </a:extLst>
+          </p:cNvPr>
+          <p:cNvSpPr txBox="1"/>
+          <p:nvPr/>
+        </p:nvSpPr>
+        <p:spPr>
+          <a:xfrm>
+            <a:off x="9138058" y="259433"/>
+            <a:ext cx="1688283" cy="369332"/>
+          </a:xfrm>
+          <a:prstGeom prst="rect">
+            <a:avLst/>
+          </a:prstGeom>
+          <a:noFill/>
+        </p:spPr>
+        <p:txBody>
+          <a:bodyPr wrap="none" rtlCol="0">
+            <a:spAutoFit/>
+          </a:bodyPr>
+          <a:lstStyle/>
+          <a:p>
+            <a:r>
+              <a:rPr lang="en-DE" dirty="0"/>
+              <a:t>Cut E &gt; 1e4 GeV</a:t>
+            </a:r>
+          </a:p>
+        </p:txBody>
+      </p:sp>
+      <p:sp>
+        <p:nvSpPr>
+          <p:cNvPr id="11" name="Oval 10">
+            <a:extLst>
+              <a:ext uri="{FF2B5EF4-FFF2-40B4-BE49-F238E27FC236}">
+                <a16:creationId xmlns:a16="http://schemas.microsoft.com/office/drawing/2014/main" id="{7B9DF46C-35FC-63C2-751C-AD9C1B98C9F1}"/>
               </a:ext>
             </a:extLst>
           </p:cNvPr>
@@ -4592,16 +4569,16 @@
         </p:nvSpPr>
         <p:spPr>
           <a:xfrm>
-            <a:off x="8432800" y="1794933"/>
-            <a:ext cx="1540933" cy="1921934"/>
+            <a:off x="5831840" y="1027906"/>
+            <a:ext cx="528320" cy="662782"/>
           </a:xfrm>
           <a:prstGeom prst="ellipse">
             <a:avLst/>
           </a:prstGeom>
           <a:noFill/>
-          <a:ln w="19050">
+          <a:ln w="15875">
             <a:solidFill>
-              <a:srgbClr val="FFC000"/>
+              <a:srgbClr val="C00000"/>
             </a:solidFill>
           </a:ln>
         </p:spPr>
@@ -4632,10 +4609,62 @@
       </p:sp>
       <p:sp>
         <p:nvSpPr>
-          <p:cNvPr id="7" name="TextBox 6">
-            <a:extLst>
-              <a:ext uri="{FF2B5EF4-FFF2-40B4-BE49-F238E27FC236}">
-                <a16:creationId xmlns:a16="http://schemas.microsoft.com/office/drawing/2014/main" id="{F02E42B3-47C1-28C6-100D-6DEC433DDF83}"/>
+          <p:cNvPr id="12" name="Oval 11">
+            <a:extLst>
+              <a:ext uri="{FF2B5EF4-FFF2-40B4-BE49-F238E27FC236}">
+                <a16:creationId xmlns:a16="http://schemas.microsoft.com/office/drawing/2014/main" id="{17102106-3565-6C78-B798-15D30756ED66}"/>
+              </a:ext>
+            </a:extLst>
+          </p:cNvPr>
+          <p:cNvSpPr/>
+          <p:nvPr/>
+        </p:nvSpPr>
+        <p:spPr>
+          <a:xfrm rot="20843939">
+            <a:off x="6237804" y="1214180"/>
+            <a:ext cx="1137920" cy="633413"/>
+          </a:xfrm>
+          <a:prstGeom prst="ellipse">
+            <a:avLst/>
+          </a:prstGeom>
+          <a:noFill/>
+          <a:ln w="15875">
+            <a:solidFill>
+              <a:srgbClr val="C00000"/>
+            </a:solidFill>
+          </a:ln>
+        </p:spPr>
+        <p:style>
+          <a:lnRef idx="2">
+            <a:schemeClr val="accent1">
+              <a:shade val="15000"/>
+            </a:schemeClr>
+          </a:lnRef>
+          <a:fillRef idx="1">
+            <a:schemeClr val="accent1"/>
+          </a:fillRef>
+          <a:effectRef idx="0">
+            <a:schemeClr val="accent1"/>
+          </a:effectRef>
+          <a:fontRef idx="minor">
+            <a:schemeClr val="lt1"/>
+          </a:fontRef>
+        </p:style>
+        <p:txBody>
+          <a:bodyPr rtlCol="0" anchor="ctr"/>
+          <a:lstStyle/>
+          <a:p>
+            <a:pPr algn="ctr"/>
+            <a:endParaRPr lang="en-DE"/>
+          </a:p>
+        </p:txBody>
+      </p:sp>
+      <p:sp>
+        <p:nvSpPr>
+          <p:cNvPr id="13" name="TextBox 12">
+            <a:extLst>
+              <a:ext uri="{FF2B5EF4-FFF2-40B4-BE49-F238E27FC236}">
+                <a16:creationId xmlns:a16="http://schemas.microsoft.com/office/drawing/2014/main" id="{F074C23E-67B0-FABA-E575-009F802A716A}"/>
               </a:ext>
             </a:extLst>
           </p:cNvPr>
@@ -4644,8 +4673,8 @@
         </p:nvSpPr>
         <p:spPr>
           <a:xfrm>
-            <a:off x="8698938" y="1425601"/>
-            <a:ext cx="891206" cy="369332"/>
+            <a:off x="6432624" y="843240"/>
+            <a:ext cx="1402243" cy="369332"/>
           </a:xfrm>
           <a:prstGeom prst="rect">
             <a:avLst/>
@@ -4659,22 +4688,72 @@
           <a:lstStyle/>
           <a:p>
             <a:r>
+              <a:rPr lang="en-GB" dirty="0">
+                <a:solidFill>
+                  <a:srgbClr val="C00000"/>
+                </a:solidFill>
+              </a:rPr>
+              <a:t>O</a:t>
+            </a:r>
+            <a:r>
               <a:rPr lang="en-DE" dirty="0">
                 <a:solidFill>
-                  <a:srgbClr val="FFC000"/>
+                  <a:srgbClr val="C00000"/>
                 </a:solidFill>
               </a:rPr>
-              <a:t>Excess?</a:t>
-            </a:r>
-          </a:p>
-        </p:txBody>
-      </p:sp>
-      <p:sp>
-        <p:nvSpPr>
-          <p:cNvPr id="8" name="TextBox 7">
-            <a:extLst>
-              <a:ext uri="{FF2B5EF4-FFF2-40B4-BE49-F238E27FC236}">
-                <a16:creationId xmlns:a16="http://schemas.microsoft.com/office/drawing/2014/main" id="{AB86D5E4-459E-CCE3-DFEB-7B948F78916A}"/>
+              <a:t>ther events</a:t>
+            </a:r>
+          </a:p>
+        </p:txBody>
+      </p:sp>
+      <p:cxnSp>
+        <p:nvCxnSpPr>
+          <p:cNvPr id="15" name="Straight Arrow Connector 14">
+            <a:extLst>
+              <a:ext uri="{FF2B5EF4-FFF2-40B4-BE49-F238E27FC236}">
+                <a16:creationId xmlns:a16="http://schemas.microsoft.com/office/drawing/2014/main" id="{332845B8-ED97-2DF9-5E92-68FA91EEED0A}"/>
+              </a:ext>
+            </a:extLst>
+          </p:cNvPr>
+          <p:cNvCxnSpPr/>
+          <p:nvPr/>
+        </p:nvCxnSpPr>
+        <p:spPr>
+          <a:xfrm flipV="1">
+            <a:off x="4561840" y="1615440"/>
+            <a:ext cx="1270000" cy="1016000"/>
+          </a:xfrm>
+          <a:prstGeom prst="straightConnector1">
+            <a:avLst/>
+          </a:prstGeom>
+          <a:ln w="19050">
+            <a:solidFill>
+              <a:srgbClr val="C00000"/>
+            </a:solidFill>
+            <a:tailEnd type="triangle"/>
+          </a:ln>
+        </p:spPr>
+        <p:style>
+          <a:lnRef idx="1">
+            <a:schemeClr val="accent1"/>
+          </a:lnRef>
+          <a:fillRef idx="0">
+            <a:schemeClr val="accent1"/>
+          </a:fillRef>
+          <a:effectRef idx="0">
+            <a:schemeClr val="accent1"/>
+          </a:effectRef>
+          <a:fontRef idx="minor">
+            <a:schemeClr val="tx1"/>
+          </a:fontRef>
+        </p:style>
+      </p:cxnSp>
+      <p:sp>
+        <p:nvSpPr>
+          <p:cNvPr id="16" name="TextBox 15">
+            <a:extLst>
+              <a:ext uri="{FF2B5EF4-FFF2-40B4-BE49-F238E27FC236}">
+                <a16:creationId xmlns:a16="http://schemas.microsoft.com/office/drawing/2014/main" id="{3DD7AE79-DD87-62DD-8941-62BD23CC4AD2}"/>
               </a:ext>
             </a:extLst>
           </p:cNvPr>
@@ -4683,8 +4762,8 @@
         </p:nvSpPr>
         <p:spPr>
           <a:xfrm>
-            <a:off x="4855222" y="1955775"/>
-            <a:ext cx="2217210" cy="276999"/>
+            <a:off x="2913843" y="2584966"/>
+            <a:ext cx="2282997" cy="369332"/>
           </a:xfrm>
           <a:prstGeom prst="rect">
             <a:avLst/>
@@ -4698,20 +4777,127 @@
           <a:lstStyle/>
           <a:p>
             <a:r>
-              <a:rPr lang="en-GB" sz="1200" dirty="0"/>
-              <a:t>D</a:t>
-            </a:r>
-            <a:r>
-              <a:rPr lang="en-DE" sz="1200" dirty="0"/>
-              <a:t>NN uncertainty cut: &lt; 3.14/180</a:t>
-            </a:r>
-          </a:p>
-        </p:txBody>
-      </p:sp>
+              <a:rPr lang="en-GB" dirty="0">
+                <a:solidFill>
+                  <a:srgbClr val="C00000"/>
+                </a:solidFill>
+              </a:rPr>
+              <a:t>P</a:t>
+            </a:r>
+            <a:r>
+              <a:rPr lang="en-DE" dirty="0">
+                <a:solidFill>
+                  <a:srgbClr val="C00000"/>
+                </a:solidFill>
+              </a:rPr>
+              <a:t>ulse cleaning needed</a:t>
+            </a:r>
+          </a:p>
+        </p:txBody>
+      </p:sp>
+      <p:sp>
+        <p:nvSpPr>
+          <p:cNvPr id="17" name="TextBox 16">
+            <a:extLst>
+              <a:ext uri="{FF2B5EF4-FFF2-40B4-BE49-F238E27FC236}">
+                <a16:creationId xmlns:a16="http://schemas.microsoft.com/office/drawing/2014/main" id="{BEBBB06D-B838-B323-435B-032502F9421A}"/>
+              </a:ext>
+            </a:extLst>
+          </p:cNvPr>
+          <p:cNvSpPr txBox="1"/>
+          <p:nvPr/>
+        </p:nvSpPr>
+        <p:spPr>
+          <a:xfrm>
+            <a:off x="375920" y="3749040"/>
+            <a:ext cx="2419252" cy="369332"/>
+          </a:xfrm>
+          <a:prstGeom prst="rect">
+            <a:avLst/>
+          </a:prstGeom>
+          <a:noFill/>
+        </p:spPr>
+        <p:txBody>
+          <a:bodyPr wrap="none" rtlCol="0">
+            <a:spAutoFit/>
+          </a:bodyPr>
+          <a:lstStyle/>
+          <a:p>
+            <a:r>
+              <a:rPr lang="en-GB" dirty="0"/>
+              <a:t>P</a:t>
+            </a:r>
+            <a:r>
+              <a:rPr lang="en-DE" dirty="0"/>
+              <a:t>ulse cleaning: 6000 ns </a:t>
+            </a:r>
+          </a:p>
+        </p:txBody>
+      </p:sp>
+      <p:pic>
+        <p:nvPicPr>
+          <p:cNvPr id="3" name="Picture 2">
+            <a:extLst>
+              <a:ext uri="{FF2B5EF4-FFF2-40B4-BE49-F238E27FC236}">
+                <a16:creationId xmlns:a16="http://schemas.microsoft.com/office/drawing/2014/main" id="{6E7718D4-FE6E-E42D-E6DA-1F05AECD7D60}"/>
+              </a:ext>
+            </a:extLst>
+          </p:cNvPr>
+          <p:cNvPicPr>
+            <a:picLocks noChangeAspect="1"/>
+          </p:cNvPicPr>
+          <p:nvPr/>
+        </p:nvPicPr>
+        <p:blipFill>
+          <a:blip r:embed="rId6"/>
+          <a:stretch>
+            <a:fillRect/>
+          </a:stretch>
+        </p:blipFill>
+        <p:spPr>
+          <a:xfrm>
+            <a:off x="216885" y="4506211"/>
+            <a:ext cx="2282996" cy="2215264"/>
+          </a:xfrm>
+          <a:prstGeom prst="rect">
+            <a:avLst/>
+          </a:prstGeom>
+        </p:spPr>
+      </p:pic>
+      <p:pic>
+        <p:nvPicPr>
+          <p:cNvPr id="14" name="Picture 13">
+            <a:extLst>
+              <a:ext uri="{FF2B5EF4-FFF2-40B4-BE49-F238E27FC236}">
+                <a16:creationId xmlns:a16="http://schemas.microsoft.com/office/drawing/2014/main" id="{95D911E4-8B29-8C8B-ABB5-7DA90CFDE178}"/>
+              </a:ext>
+            </a:extLst>
+          </p:cNvPr>
+          <p:cNvPicPr>
+            <a:picLocks noChangeAspect="1"/>
+          </p:cNvPicPr>
+          <p:nvPr/>
+        </p:nvPicPr>
+        <p:blipFill>
+          <a:blip r:embed="rId7"/>
+          <a:stretch>
+            <a:fillRect/>
+          </a:stretch>
+        </p:blipFill>
+        <p:spPr>
+          <a:xfrm>
+            <a:off x="2586468" y="4506210"/>
+            <a:ext cx="2282998" cy="2215265"/>
+          </a:xfrm>
+          <a:prstGeom prst="rect">
+            <a:avLst/>
+          </a:prstGeom>
+        </p:spPr>
+      </p:pic>
     </p:spTree>
     <p:extLst>
       <p:ext uri="{BB962C8B-B14F-4D97-AF65-F5344CB8AC3E}">
-        <p14:creationId xmlns:p14="http://schemas.microsoft.com/office/powerpoint/2010/main" val="721784814"/>
+        <p14:creationId xmlns:p14="http://schemas.microsoft.com/office/powerpoint/2010/main" val="4098782043"/>
       </p:ext>
     </p:extLst>
   </p:cSld>
@@ -4743,7 +4929,7 @@
           <p:cNvPr id="2" name="Title 1">
             <a:extLst>
               <a:ext uri="{FF2B5EF4-FFF2-40B4-BE49-F238E27FC236}">
-                <a16:creationId xmlns:a16="http://schemas.microsoft.com/office/drawing/2014/main" id="{2A6117AD-5EDF-B2DD-F70F-BFCBAC5F6A85}"/>
+                <a16:creationId xmlns:a16="http://schemas.microsoft.com/office/drawing/2014/main" id="{94596DCD-A933-FBC3-1F1E-715B93C4B48A}"/>
               </a:ext>
             </a:extLst>
           </p:cNvPr>
@@ -4761,7 +4947,7 @@
           <a:p>
             <a:r>
               <a:rPr lang="en-DE" dirty="0"/>
-              <a:t>Data-MC (energy spectrum)</a:t>
+              <a:t>Data-MC (cos zenith)</a:t>
             </a:r>
           </a:p>
         </p:txBody>
@@ -4771,7 +4957,7 @@
           <p:cNvPr id="5" name="Content Placeholder 4">
             <a:extLst>
               <a:ext uri="{FF2B5EF4-FFF2-40B4-BE49-F238E27FC236}">
-                <a16:creationId xmlns:a16="http://schemas.microsoft.com/office/drawing/2014/main" id="{6A44A60F-73EB-292B-1DD7-BBD8C3EC282C}"/>
+                <a16:creationId xmlns:a16="http://schemas.microsoft.com/office/drawing/2014/main" id="{385677D6-3AE2-E7F7-96E7-4AA3FEE07AE1}"/>
               </a:ext>
             </a:extLst>
           </p:cNvPr>
@@ -4790,7 +4976,7 @@
         </p:blipFill>
         <p:spPr>
           <a:xfrm>
-            <a:off x="584200" y="1690688"/>
+            <a:off x="838200" y="1935427"/>
             <a:ext cx="5384800" cy="3759200"/>
           </a:xfrm>
         </p:spPr>
@@ -4800,7 +4986,7 @@
           <p:cNvPr id="4" name="Slide Number Placeholder 3">
             <a:extLst>
               <a:ext uri="{FF2B5EF4-FFF2-40B4-BE49-F238E27FC236}">
-                <a16:creationId xmlns:a16="http://schemas.microsoft.com/office/drawing/2014/main" id="{79FBF0C3-48D7-0663-F991-CB54E62A5E62}"/>
+                <a16:creationId xmlns:a16="http://schemas.microsoft.com/office/drawing/2014/main" id="{0697A1B3-6E59-AE3D-2F04-1BB1304AFBC2}"/>
               </a:ext>
             </a:extLst>
           </p:cNvPr>
@@ -4829,7 +5015,7 @@
           <p:cNvPr id="6" name="Picture 5">
             <a:extLst>
               <a:ext uri="{FF2B5EF4-FFF2-40B4-BE49-F238E27FC236}">
-                <a16:creationId xmlns:a16="http://schemas.microsoft.com/office/drawing/2014/main" id="{671FB214-2D73-9B6E-A5E6-BDBBEF73EC51}"/>
+                <a16:creationId xmlns:a16="http://schemas.microsoft.com/office/drawing/2014/main" id="{B675BCDB-B82A-81A6-BAD4-BC40E43CD780}"/>
               </a:ext>
             </a:extLst>
           </p:cNvPr>
@@ -4846,7 +5032,7 @@
         </p:blipFill>
         <p:spPr>
           <a:xfrm>
-            <a:off x="6324599" y="1690688"/>
+            <a:off x="6468533" y="1935427"/>
             <a:ext cx="5384800" cy="3759200"/>
           </a:xfrm>
           <a:prstGeom prst="rect">
@@ -4859,7 +5045,7 @@
           <p:cNvPr id="7" name="TextBox 6">
             <a:extLst>
               <a:ext uri="{FF2B5EF4-FFF2-40B4-BE49-F238E27FC236}">
-                <a16:creationId xmlns:a16="http://schemas.microsoft.com/office/drawing/2014/main" id="{6EA4D98E-7440-0E3F-4387-AF22B59F49D5}"/>
+                <a16:creationId xmlns:a16="http://schemas.microsoft.com/office/drawing/2014/main" id="{792803B5-900B-DB6D-FF74-44661DCDD06F}"/>
               </a:ext>
             </a:extLst>
           </p:cNvPr>
@@ -4868,8 +5054,8 @@
         </p:nvSpPr>
         <p:spPr>
           <a:xfrm>
-            <a:off x="838200" y="5512998"/>
-            <a:ext cx="1955087" cy="276999"/>
+            <a:off x="2450592" y="1796927"/>
+            <a:ext cx="1481328" cy="276999"/>
           </a:xfrm>
           <a:prstGeom prst="rect">
             <a:avLst/>
@@ -4877,22 +5063,194 @@
           <a:noFill/>
         </p:spPr>
         <p:txBody>
-          <a:bodyPr wrap="none" rtlCol="0">
+          <a:bodyPr wrap="square" rtlCol="0">
             <a:spAutoFit/>
           </a:bodyPr>
           <a:lstStyle/>
           <a:p>
             <a:r>
+              <a:rPr lang="en-GB" sz="1200" dirty="0"/>
+              <a:t>N</a:t>
+            </a:r>
+            <a:r>
               <a:rPr lang="en-DE" sz="1200" dirty="0"/>
-              <a:t>Bundle: GSF better than GST</a:t>
-            </a:r>
-          </a:p>
-        </p:txBody>
-      </p:sp>
+              <a:t>o cut </a:t>
+            </a:r>
+          </a:p>
+        </p:txBody>
+      </p:sp>
+      <p:sp>
+        <p:nvSpPr>
+          <p:cNvPr id="8" name="TextBox 7">
+            <a:extLst>
+              <a:ext uri="{FF2B5EF4-FFF2-40B4-BE49-F238E27FC236}">
+                <a16:creationId xmlns:a16="http://schemas.microsoft.com/office/drawing/2014/main" id="{7A3A1B79-088F-FAAA-7CFA-DA96304F8CFB}"/>
+              </a:ext>
+            </a:extLst>
+          </p:cNvPr>
+          <p:cNvSpPr txBox="1"/>
+          <p:nvPr/>
+        </p:nvSpPr>
+        <p:spPr>
+          <a:xfrm>
+            <a:off x="8043672" y="1796927"/>
+            <a:ext cx="1481328" cy="276999"/>
+          </a:xfrm>
+          <a:prstGeom prst="rect">
+            <a:avLst/>
+          </a:prstGeom>
+          <a:noFill/>
+        </p:spPr>
+        <p:txBody>
+          <a:bodyPr wrap="square" rtlCol="0">
+            <a:spAutoFit/>
+          </a:bodyPr>
+          <a:lstStyle/>
+          <a:p>
+            <a:r>
+              <a:rPr lang="en-GB" sz="1200" dirty="0"/>
+              <a:t>C</a:t>
+            </a:r>
+            <a:r>
+              <a:rPr lang="en-DE" sz="1200" dirty="0"/>
+              <a:t>ut E &gt; 1e4 GeV </a:t>
+            </a:r>
+          </a:p>
+        </p:txBody>
+      </p:sp>
+      <p:sp>
+        <p:nvSpPr>
+          <p:cNvPr id="9" name="Oval 8">
+            <a:extLst>
+              <a:ext uri="{FF2B5EF4-FFF2-40B4-BE49-F238E27FC236}">
+                <a16:creationId xmlns:a16="http://schemas.microsoft.com/office/drawing/2014/main" id="{46075E14-4578-A7E4-D7E3-2F283D36B7EC}"/>
+              </a:ext>
+            </a:extLst>
+          </p:cNvPr>
+          <p:cNvSpPr/>
+          <p:nvPr/>
+        </p:nvSpPr>
+        <p:spPr>
+          <a:xfrm>
+            <a:off x="6922008" y="3054096"/>
+            <a:ext cx="1435608" cy="2468880"/>
+          </a:xfrm>
+          <a:prstGeom prst="ellipse">
+            <a:avLst/>
+          </a:prstGeom>
+          <a:noFill/>
+          <a:ln w="15875">
+            <a:solidFill>
+              <a:srgbClr val="C00000"/>
+            </a:solidFill>
+          </a:ln>
+        </p:spPr>
+        <p:style>
+          <a:lnRef idx="2">
+            <a:schemeClr val="accent1">
+              <a:shade val="15000"/>
+            </a:schemeClr>
+          </a:lnRef>
+          <a:fillRef idx="1">
+            <a:schemeClr val="accent1"/>
+          </a:fillRef>
+          <a:effectRef idx="0">
+            <a:schemeClr val="accent1"/>
+          </a:effectRef>
+          <a:fontRef idx="minor">
+            <a:schemeClr val="lt1"/>
+          </a:fontRef>
+        </p:style>
+        <p:txBody>
+          <a:bodyPr rtlCol="0" anchor="ctr"/>
+          <a:lstStyle/>
+          <a:p>
+            <a:pPr algn="ctr"/>
+            <a:endParaRPr lang="en-DE"/>
+          </a:p>
+        </p:txBody>
+      </p:sp>
+      <p:sp>
+        <p:nvSpPr>
+          <p:cNvPr id="10" name="TextBox 9">
+            <a:extLst>
+              <a:ext uri="{FF2B5EF4-FFF2-40B4-BE49-F238E27FC236}">
+                <a16:creationId xmlns:a16="http://schemas.microsoft.com/office/drawing/2014/main" id="{4185E8CC-7B05-8E1F-BFC2-563D87365274}"/>
+              </a:ext>
+            </a:extLst>
+          </p:cNvPr>
+          <p:cNvSpPr txBox="1"/>
+          <p:nvPr/>
+        </p:nvSpPr>
+        <p:spPr>
+          <a:xfrm>
+            <a:off x="6708648" y="5470302"/>
+            <a:ext cx="3273552" cy="276999"/>
+          </a:xfrm>
+          <a:prstGeom prst="rect">
+            <a:avLst/>
+          </a:prstGeom>
+          <a:noFill/>
+        </p:spPr>
+        <p:txBody>
+          <a:bodyPr wrap="square" rtlCol="0">
+            <a:spAutoFit/>
+          </a:bodyPr>
+          <a:lstStyle/>
+          <a:p>
+            <a:r>
+              <a:rPr lang="en-GB" sz="1200" dirty="0">
+                <a:solidFill>
+                  <a:srgbClr val="C00000"/>
+                </a:solidFill>
+              </a:rPr>
+              <a:t>M</a:t>
+            </a:r>
+            <a:r>
+              <a:rPr lang="en-DE" sz="1200" dirty="0">
+                <a:solidFill>
+                  <a:srgbClr val="C00000"/>
+                </a:solidFill>
+              </a:rPr>
+              <a:t>ismatch, but low statistics!</a:t>
+            </a:r>
+          </a:p>
+        </p:txBody>
+      </p:sp>
+      <p:pic>
+        <p:nvPicPr>
+          <p:cNvPr id="12" name="Picture 11" descr="A graph of a number of tracks&#10;&#10;Description automatically generated with medium confidence">
+            <a:extLst>
+              <a:ext uri="{FF2B5EF4-FFF2-40B4-BE49-F238E27FC236}">
+                <a16:creationId xmlns:a16="http://schemas.microsoft.com/office/drawing/2014/main" id="{10F9B53A-1400-4F62-F9B0-BD280B5053B2}"/>
+              </a:ext>
+            </a:extLst>
+          </p:cNvPr>
+          <p:cNvPicPr>
+            <a:picLocks noChangeAspect="1"/>
+          </p:cNvPicPr>
+          <p:nvPr/>
+        </p:nvPicPr>
+        <p:blipFill>
+          <a:blip r:embed="rId4"/>
+          <a:stretch>
+            <a:fillRect/>
+          </a:stretch>
+        </p:blipFill>
+        <p:spPr>
+          <a:xfrm>
+            <a:off x="9533467" y="22563"/>
+            <a:ext cx="2450592" cy="2006066"/>
+          </a:xfrm>
+          <a:prstGeom prst="rect">
+            <a:avLst/>
+          </a:prstGeom>
+        </p:spPr>
+      </p:pic>
     </p:spTree>
     <p:extLst>
       <p:ext uri="{BB962C8B-B14F-4D97-AF65-F5344CB8AC3E}">
-        <p14:creationId xmlns:p14="http://schemas.microsoft.com/office/powerpoint/2010/main" val="1060270467"/>
+        <p14:creationId xmlns:p14="http://schemas.microsoft.com/office/powerpoint/2010/main" val="4240630107"/>
       </p:ext>
     </p:extLst>
   </p:cSld>
@@ -4924,7 +5282,7 @@
           <p:cNvPr id="2" name="Title 1">
             <a:extLst>
               <a:ext uri="{FF2B5EF4-FFF2-40B4-BE49-F238E27FC236}">
-                <a16:creationId xmlns:a16="http://schemas.microsoft.com/office/drawing/2014/main" id="{75A4E8C3-05A1-ACDC-A19F-CAE0FF3937F2}"/>
+                <a16:creationId xmlns:a16="http://schemas.microsoft.com/office/drawing/2014/main" id="{5218AA78-1928-6537-595C-30919EB2CE32}"/>
               </a:ext>
             </a:extLst>
           </p:cNvPr>
@@ -4942,17 +5300,17 @@
           <a:p>
             <a:r>
               <a:rPr lang="en-DE" dirty="0"/>
-              <a:t>Leading muon fraction</a:t>
+              <a:t>Data-MC (zenith)</a:t>
             </a:r>
           </a:p>
         </p:txBody>
       </p:sp>
       <p:pic>
         <p:nvPicPr>
-          <p:cNvPr id="6" name="Content Placeholder 5">
-            <a:extLst>
-              <a:ext uri="{FF2B5EF4-FFF2-40B4-BE49-F238E27FC236}">
-                <a16:creationId xmlns:a16="http://schemas.microsoft.com/office/drawing/2014/main" id="{E11E61D3-E4FF-ED12-62A7-EE71A8DBEC14}"/>
+          <p:cNvPr id="5" name="Content Placeholder 4">
+            <a:extLst>
+              <a:ext uri="{FF2B5EF4-FFF2-40B4-BE49-F238E27FC236}">
+                <a16:creationId xmlns:a16="http://schemas.microsoft.com/office/drawing/2014/main" id="{C8C3ED27-96DC-109B-4707-497FED1F76EB}"/>
               </a:ext>
             </a:extLst>
           </p:cNvPr>
@@ -4971,8 +5329,8 @@
         </p:blipFill>
         <p:spPr>
           <a:xfrm>
-            <a:off x="4402666" y="1690688"/>
-            <a:ext cx="6815667" cy="4718539"/>
+            <a:off x="3852332" y="1690688"/>
+            <a:ext cx="7230533" cy="5047731"/>
           </a:xfrm>
         </p:spPr>
       </p:pic>
@@ -4981,7 +5339,7 @@
           <p:cNvPr id="4" name="Slide Number Placeholder 3">
             <a:extLst>
               <a:ext uri="{FF2B5EF4-FFF2-40B4-BE49-F238E27FC236}">
-                <a16:creationId xmlns:a16="http://schemas.microsoft.com/office/drawing/2014/main" id="{972C638F-29F0-BA35-224E-9D857389212F}"/>
+                <a16:creationId xmlns:a16="http://schemas.microsoft.com/office/drawing/2014/main" id="{CDB529A3-6585-B638-6D94-E08A20FD11A7}"/>
               </a:ext>
             </a:extLst>
           </p:cNvPr>
@@ -5005,42 +5363,64 @@
           </a:p>
         </p:txBody>
       </p:sp>
-      <p:pic>
-        <p:nvPicPr>
-          <p:cNvPr id="8" name="Picture 7" descr="A graph with red lines and black dots&#10;&#10;Description automatically generated">
-            <a:extLst>
-              <a:ext uri="{FF2B5EF4-FFF2-40B4-BE49-F238E27FC236}">
-                <a16:creationId xmlns:a16="http://schemas.microsoft.com/office/drawing/2014/main" id="{A3A1A0F4-7497-5850-FC07-395632148395}"/>
-              </a:ext>
-            </a:extLst>
-          </p:cNvPr>
-          <p:cNvPicPr>
-            <a:picLocks noChangeAspect="1"/>
-          </p:cNvPicPr>
+      <p:sp>
+        <p:nvSpPr>
+          <p:cNvPr id="6" name="Oval 5">
+            <a:extLst>
+              <a:ext uri="{FF2B5EF4-FFF2-40B4-BE49-F238E27FC236}">
+                <a16:creationId xmlns:a16="http://schemas.microsoft.com/office/drawing/2014/main" id="{162E6E39-F539-4F44-5A95-2B2671B8ED04}"/>
+              </a:ext>
+            </a:extLst>
+          </p:cNvPr>
+          <p:cNvSpPr/>
           <p:nvPr/>
-        </p:nvPicPr>
-        <p:blipFill>
-          <a:blip r:embed="rId3"/>
-          <a:stretch>
-            <a:fillRect/>
-          </a:stretch>
-        </p:blipFill>
-        <p:spPr>
-          <a:xfrm>
-            <a:off x="397522" y="1690688"/>
-            <a:ext cx="3342627" cy="2887133"/>
-          </a:xfrm>
-          <a:prstGeom prst="rect">
-            <a:avLst/>
-          </a:prstGeom>
-        </p:spPr>
-      </p:pic>
-      <p:sp>
-        <p:nvSpPr>
-          <p:cNvPr id="9" name="TextBox 8">
-            <a:extLst>
-              <a:ext uri="{FF2B5EF4-FFF2-40B4-BE49-F238E27FC236}">
-                <a16:creationId xmlns:a16="http://schemas.microsoft.com/office/drawing/2014/main" id="{CDFFBED2-F304-EA20-1346-C6B54152E4BA}"/>
+        </p:nvSpPr>
+        <p:spPr>
+          <a:xfrm>
+            <a:off x="8432800" y="1794933"/>
+            <a:ext cx="1540933" cy="1921934"/>
+          </a:xfrm>
+          <a:prstGeom prst="ellipse">
+            <a:avLst/>
+          </a:prstGeom>
+          <a:noFill/>
+          <a:ln w="19050">
+            <a:solidFill>
+              <a:srgbClr val="FFC000"/>
+            </a:solidFill>
+          </a:ln>
+        </p:spPr>
+        <p:style>
+          <a:lnRef idx="2">
+            <a:schemeClr val="accent1">
+              <a:shade val="15000"/>
+            </a:schemeClr>
+          </a:lnRef>
+          <a:fillRef idx="1">
+            <a:schemeClr val="accent1"/>
+          </a:fillRef>
+          <a:effectRef idx="0">
+            <a:schemeClr val="accent1"/>
+          </a:effectRef>
+          <a:fontRef idx="minor">
+            <a:schemeClr val="lt1"/>
+          </a:fontRef>
+        </p:style>
+        <p:txBody>
+          <a:bodyPr rtlCol="0" anchor="ctr"/>
+          <a:lstStyle/>
+          <a:p>
+            <a:pPr algn="ctr"/>
+            <a:endParaRPr lang="en-DE"/>
+          </a:p>
+        </p:txBody>
+      </p:sp>
+      <p:sp>
+        <p:nvSpPr>
+          <p:cNvPr id="7" name="TextBox 6">
+            <a:extLst>
+              <a:ext uri="{FF2B5EF4-FFF2-40B4-BE49-F238E27FC236}">
+                <a16:creationId xmlns:a16="http://schemas.microsoft.com/office/drawing/2014/main" id="{F02E42B3-47C1-28C6-100D-6DEC433DDF83}"/>
               </a:ext>
             </a:extLst>
           </p:cNvPr>
@@ -5049,8 +5429,8 @@
         </p:nvSpPr>
         <p:spPr>
           <a:xfrm>
-            <a:off x="534290" y="5538983"/>
-            <a:ext cx="2494465" cy="461665"/>
+            <a:off x="8698938" y="1425601"/>
+            <a:ext cx="891206" cy="369332"/>
           </a:xfrm>
           <a:prstGeom prst="rect">
             <a:avLst/>
@@ -5064,19 +5444,136 @@
           <a:lstStyle/>
           <a:p>
             <a:r>
+              <a:rPr lang="en-DE" dirty="0">
+                <a:solidFill>
+                  <a:srgbClr val="FFC000"/>
+                </a:solidFill>
+              </a:rPr>
+              <a:t>Excess?</a:t>
+            </a:r>
+          </a:p>
+        </p:txBody>
+      </p:sp>
+      <p:sp>
+        <p:nvSpPr>
+          <p:cNvPr id="8" name="TextBox 7">
+            <a:extLst>
+              <a:ext uri="{FF2B5EF4-FFF2-40B4-BE49-F238E27FC236}">
+                <a16:creationId xmlns:a16="http://schemas.microsoft.com/office/drawing/2014/main" id="{AB86D5E4-459E-CCE3-DFEB-7B948F78916A}"/>
+              </a:ext>
+            </a:extLst>
+          </p:cNvPr>
+          <p:cNvSpPr txBox="1"/>
+          <p:nvPr/>
+        </p:nvSpPr>
+        <p:spPr>
+          <a:xfrm>
+            <a:off x="4855222" y="1955775"/>
+            <a:ext cx="2217210" cy="276999"/>
+          </a:xfrm>
+          <a:prstGeom prst="rect">
+            <a:avLst/>
+          </a:prstGeom>
+          <a:noFill/>
+        </p:spPr>
+        <p:txBody>
+          <a:bodyPr wrap="none" rtlCol="0">
+            <a:spAutoFit/>
+          </a:bodyPr>
+          <a:lstStyle/>
+          <a:p>
+            <a:r>
+              <a:rPr lang="en-GB" sz="1200" dirty="0"/>
+              <a:t>D</a:t>
+            </a:r>
+            <a:r>
               <a:rPr lang="en-DE" sz="1200" dirty="0"/>
-              <a:t>What happens at energies &lt; 1e5 GeV</a:t>
-            </a:r>
-          </a:p>
-          <a:p>
+              <a:t>NN uncertainty cut: &lt; 3.14/180</a:t>
+            </a:r>
+          </a:p>
+        </p:txBody>
+      </p:sp>
+      <p:sp>
+        <p:nvSpPr>
+          <p:cNvPr id="3" name="TextBox 2">
+            <a:extLst>
+              <a:ext uri="{FF2B5EF4-FFF2-40B4-BE49-F238E27FC236}">
+                <a16:creationId xmlns:a16="http://schemas.microsoft.com/office/drawing/2014/main" id="{4965C82E-271C-79A7-624D-24DBFB04A024}"/>
+              </a:ext>
+            </a:extLst>
+          </p:cNvPr>
+          <p:cNvSpPr txBox="1"/>
+          <p:nvPr/>
+        </p:nvSpPr>
+        <p:spPr>
+          <a:xfrm>
+            <a:off x="4257617" y="6581001"/>
+            <a:ext cx="3209981" cy="276999"/>
+          </a:xfrm>
+          <a:prstGeom prst="rect">
+            <a:avLst/>
+          </a:prstGeom>
+          <a:noFill/>
+        </p:spPr>
+        <p:txBody>
+          <a:bodyPr wrap="none" rtlCol="0">
+            <a:spAutoFit/>
+          </a:bodyPr>
+          <a:lstStyle/>
+          <a:p>
+            <a:r>
+              <a:rPr lang="en-GB" sz="1200" dirty="0" err="1">
+                <a:effectLst/>
+              </a:rPr>
+              <a:t>DeepLearningReco_direction_big_PrimaryZenith</a:t>
+            </a:r>
             <a:endParaRPr lang="en-DE" sz="1200" dirty="0"/>
+          </a:p>
+        </p:txBody>
+      </p:sp>
+      <p:sp>
+        <p:nvSpPr>
+          <p:cNvPr id="9" name="TextBox 8">
+            <a:extLst>
+              <a:ext uri="{FF2B5EF4-FFF2-40B4-BE49-F238E27FC236}">
+                <a16:creationId xmlns:a16="http://schemas.microsoft.com/office/drawing/2014/main" id="{44FB9223-9B45-C0AA-FDD8-8F9FC7DB3017}"/>
+              </a:ext>
+            </a:extLst>
+          </p:cNvPr>
+          <p:cNvSpPr txBox="1"/>
+          <p:nvPr/>
+        </p:nvSpPr>
+        <p:spPr>
+          <a:xfrm>
+            <a:off x="7035800" y="1058333"/>
+            <a:ext cx="1388585" cy="369332"/>
+          </a:xfrm>
+          <a:prstGeom prst="rect">
+            <a:avLst/>
+          </a:prstGeom>
+          <a:noFill/>
+        </p:spPr>
+        <p:txBody>
+          <a:bodyPr wrap="none" rtlCol="0">
+            <a:spAutoFit/>
+          </a:bodyPr>
+          <a:lstStyle/>
+          <a:p>
+            <a:r>
+              <a:rPr lang="en-GB" dirty="0"/>
+              <a:t>E</a:t>
+            </a:r>
+            <a:r>
+              <a:rPr lang="en-DE" dirty="0"/>
+              <a:t>nergy cut??</a:t>
+            </a:r>
           </a:p>
         </p:txBody>
       </p:sp>
     </p:spTree>
     <p:extLst>
       <p:ext uri="{BB962C8B-B14F-4D97-AF65-F5344CB8AC3E}">
-        <p14:creationId xmlns:p14="http://schemas.microsoft.com/office/powerpoint/2010/main" val="4119613317"/>
+        <p14:creationId xmlns:p14="http://schemas.microsoft.com/office/powerpoint/2010/main" val="721784814"/>
       </p:ext>
     </p:extLst>
   </p:cSld>
@@ -5108,7 +5605,7 @@
           <p:cNvPr id="2" name="Title 1">
             <a:extLst>
               <a:ext uri="{FF2B5EF4-FFF2-40B4-BE49-F238E27FC236}">
-                <a16:creationId xmlns:a16="http://schemas.microsoft.com/office/drawing/2014/main" id="{2A5BCCE2-C534-223A-3397-32D993F9BD1A}"/>
+                <a16:creationId xmlns:a16="http://schemas.microsoft.com/office/drawing/2014/main" id="{2A6117AD-5EDF-B2DD-F70F-BFCBAC5F6A85}"/>
               </a:ext>
             </a:extLst>
           </p:cNvPr>
@@ -5119,30 +5616,53 @@
             <p:ph type="title"/>
           </p:nvPr>
         </p:nvSpPr>
-        <p:spPr>
-          <a:xfrm>
-            <a:off x="838200" y="2766218"/>
-            <a:ext cx="10515600" cy="1325563"/>
-          </a:xfrm>
-        </p:spPr>
+        <p:spPr/>
         <p:txBody>
           <a:bodyPr/>
           <a:lstStyle/>
           <a:p>
-            <a:pPr algn="ctr"/>
             <a:r>
               <a:rPr lang="en-DE" dirty="0"/>
-              <a:t>Backup</a:t>
-            </a:r>
-          </a:p>
-        </p:txBody>
-      </p:sp>
+              <a:t>Data-MC (energy spectrum)</a:t>
+            </a:r>
+          </a:p>
+        </p:txBody>
+      </p:sp>
+      <p:pic>
+        <p:nvPicPr>
+          <p:cNvPr id="5" name="Content Placeholder 4">
+            <a:extLst>
+              <a:ext uri="{FF2B5EF4-FFF2-40B4-BE49-F238E27FC236}">
+                <a16:creationId xmlns:a16="http://schemas.microsoft.com/office/drawing/2014/main" id="{6A44A60F-73EB-292B-1DD7-BBD8C3EC282C}"/>
+              </a:ext>
+            </a:extLst>
+          </p:cNvPr>
+          <p:cNvPicPr>
+            <a:picLocks noGrp="1" noChangeAspect="1"/>
+          </p:cNvPicPr>
+          <p:nvPr>
+            <p:ph idx="1"/>
+          </p:nvPr>
+        </p:nvPicPr>
+        <p:blipFill>
+          <a:blip r:embed="rId2"/>
+          <a:stretch>
+            <a:fillRect/>
+          </a:stretch>
+        </p:blipFill>
+        <p:spPr>
+          <a:xfrm>
+            <a:off x="584200" y="1690688"/>
+            <a:ext cx="5384800" cy="3759200"/>
+          </a:xfrm>
+        </p:spPr>
+      </p:pic>
       <p:sp>
         <p:nvSpPr>
           <p:cNvPr id="4" name="Slide Number Placeholder 3">
             <a:extLst>
               <a:ext uri="{FF2B5EF4-FFF2-40B4-BE49-F238E27FC236}">
-                <a16:creationId xmlns:a16="http://schemas.microsoft.com/office/drawing/2014/main" id="{FBAC0BEB-9B20-FD12-6B40-F1E0BCA7F0F6}"/>
+                <a16:creationId xmlns:a16="http://schemas.microsoft.com/office/drawing/2014/main" id="{79FBF0C3-48D7-0663-F991-CB54E62A5E62}"/>
               </a:ext>
             </a:extLst>
           </p:cNvPr>
@@ -5166,10 +5686,174 @@
           </a:p>
         </p:txBody>
       </p:sp>
+      <p:pic>
+        <p:nvPicPr>
+          <p:cNvPr id="6" name="Picture 5">
+            <a:extLst>
+              <a:ext uri="{FF2B5EF4-FFF2-40B4-BE49-F238E27FC236}">
+                <a16:creationId xmlns:a16="http://schemas.microsoft.com/office/drawing/2014/main" id="{671FB214-2D73-9B6E-A5E6-BDBBEF73EC51}"/>
+              </a:ext>
+            </a:extLst>
+          </p:cNvPr>
+          <p:cNvPicPr>
+            <a:picLocks noChangeAspect="1"/>
+          </p:cNvPicPr>
+          <p:nvPr/>
+        </p:nvPicPr>
+        <p:blipFill>
+          <a:blip r:embed="rId3"/>
+          <a:stretch>
+            <a:fillRect/>
+          </a:stretch>
+        </p:blipFill>
+        <p:spPr>
+          <a:xfrm>
+            <a:off x="6324599" y="1690688"/>
+            <a:ext cx="5384800" cy="3759200"/>
+          </a:xfrm>
+          <a:prstGeom prst="rect">
+            <a:avLst/>
+          </a:prstGeom>
+        </p:spPr>
+      </p:pic>
+      <p:sp>
+        <p:nvSpPr>
+          <p:cNvPr id="7" name="TextBox 6">
+            <a:extLst>
+              <a:ext uri="{FF2B5EF4-FFF2-40B4-BE49-F238E27FC236}">
+                <a16:creationId xmlns:a16="http://schemas.microsoft.com/office/drawing/2014/main" id="{6EA4D98E-7440-0E3F-4387-AF22B59F49D5}"/>
+              </a:ext>
+            </a:extLst>
+          </p:cNvPr>
+          <p:cNvSpPr txBox="1"/>
+          <p:nvPr/>
+        </p:nvSpPr>
+        <p:spPr>
+          <a:xfrm>
+            <a:off x="838200" y="5512998"/>
+            <a:ext cx="1955087" cy="276999"/>
+          </a:xfrm>
+          <a:prstGeom prst="rect">
+            <a:avLst/>
+          </a:prstGeom>
+          <a:noFill/>
+        </p:spPr>
+        <p:txBody>
+          <a:bodyPr wrap="none" rtlCol="0">
+            <a:spAutoFit/>
+          </a:bodyPr>
+          <a:lstStyle/>
+          <a:p>
+            <a:r>
+              <a:rPr lang="en-DE" sz="1200" dirty="0"/>
+              <a:t>Bundle: GSF better than GST</a:t>
+            </a:r>
+          </a:p>
+        </p:txBody>
+      </p:sp>
+      <p:sp>
+        <p:nvSpPr>
+          <p:cNvPr id="3" name="Oval 2">
+            <a:extLst>
+              <a:ext uri="{FF2B5EF4-FFF2-40B4-BE49-F238E27FC236}">
+                <a16:creationId xmlns:a16="http://schemas.microsoft.com/office/drawing/2014/main" id="{FB61575A-E0A0-F36A-53F4-C4F26CE1B6FF}"/>
+              </a:ext>
+            </a:extLst>
+          </p:cNvPr>
+          <p:cNvSpPr/>
+          <p:nvPr/>
+        </p:nvSpPr>
+        <p:spPr>
+          <a:xfrm rot="1558427">
+            <a:off x="9519031" y="2989241"/>
+            <a:ext cx="1537487" cy="477380"/>
+          </a:xfrm>
+          <a:prstGeom prst="ellipse">
+            <a:avLst/>
+          </a:prstGeom>
+          <a:noFill/>
+          <a:ln w="19050">
+            <a:solidFill>
+              <a:schemeClr val="accent2"/>
+            </a:solidFill>
+          </a:ln>
+        </p:spPr>
+        <p:style>
+          <a:lnRef idx="2">
+            <a:schemeClr val="accent1">
+              <a:shade val="15000"/>
+            </a:schemeClr>
+          </a:lnRef>
+          <a:fillRef idx="1">
+            <a:schemeClr val="accent1"/>
+          </a:fillRef>
+          <a:effectRef idx="0">
+            <a:schemeClr val="accent1"/>
+          </a:effectRef>
+          <a:fontRef idx="minor">
+            <a:schemeClr val="lt1"/>
+          </a:fontRef>
+        </p:style>
+        <p:txBody>
+          <a:bodyPr rtlCol="0" anchor="ctr"/>
+          <a:lstStyle/>
+          <a:p>
+            <a:pPr algn="ctr"/>
+            <a:endParaRPr lang="en-DE"/>
+          </a:p>
+        </p:txBody>
+      </p:sp>
+      <p:sp>
+        <p:nvSpPr>
+          <p:cNvPr id="8" name="TextBox 7">
+            <a:extLst>
+              <a:ext uri="{FF2B5EF4-FFF2-40B4-BE49-F238E27FC236}">
+                <a16:creationId xmlns:a16="http://schemas.microsoft.com/office/drawing/2014/main" id="{CD972E65-3B40-4503-F582-5F87E87FE0A6}"/>
+              </a:ext>
+            </a:extLst>
+          </p:cNvPr>
+          <p:cNvSpPr txBox="1"/>
+          <p:nvPr/>
+        </p:nvSpPr>
+        <p:spPr>
+          <a:xfrm>
+            <a:off x="10110099" y="2676671"/>
+            <a:ext cx="1497701" cy="276999"/>
+          </a:xfrm>
+          <a:prstGeom prst="rect">
+            <a:avLst/>
+          </a:prstGeom>
+          <a:noFill/>
+        </p:spPr>
+        <p:txBody>
+          <a:bodyPr wrap="square" rtlCol="0">
+            <a:spAutoFit/>
+          </a:bodyPr>
+          <a:lstStyle/>
+          <a:p>
+            <a:r>
+              <a:rPr lang="en-GB" sz="1200" dirty="0">
+                <a:solidFill>
+                  <a:schemeClr val="accent2"/>
+                </a:solidFill>
+              </a:rPr>
+              <a:t>O</a:t>
+            </a:r>
+            <a:r>
+              <a:rPr lang="en-DE" sz="1200" dirty="0">
+                <a:solidFill>
+                  <a:schemeClr val="accent2"/>
+                </a:solidFill>
+              </a:rPr>
+              <a:t>nly low statistics?</a:t>
+            </a:r>
+          </a:p>
+        </p:txBody>
+      </p:sp>
     </p:spTree>
     <p:extLst>
       <p:ext uri="{BB962C8B-B14F-4D97-AF65-F5344CB8AC3E}">
-        <p14:creationId xmlns:p14="http://schemas.microsoft.com/office/powerpoint/2010/main" val="3650219305"/>
+        <p14:creationId xmlns:p14="http://schemas.microsoft.com/office/powerpoint/2010/main" val="1060270467"/>
       </p:ext>
     </p:extLst>
   </p:cSld>
@@ -5201,7 +5885,7 @@
           <p:cNvPr id="2" name="Title 1">
             <a:extLst>
               <a:ext uri="{FF2B5EF4-FFF2-40B4-BE49-F238E27FC236}">
-                <a16:creationId xmlns:a16="http://schemas.microsoft.com/office/drawing/2014/main" id="{818AD616-4098-6177-1D0C-4D63D5230F4A}"/>
+                <a16:creationId xmlns:a16="http://schemas.microsoft.com/office/drawing/2014/main" id="{2A5BCCE2-C534-223A-3397-32D993F9BD1A}"/>
               </a:ext>
             </a:extLst>
           </p:cNvPr>
@@ -5212,24 +5896,118 @@
             <p:ph type="title"/>
           </p:nvPr>
         </p:nvSpPr>
+        <p:spPr>
+          <a:xfrm>
+            <a:off x="838200" y="2766218"/>
+            <a:ext cx="10515600" cy="1325563"/>
+          </a:xfrm>
+        </p:spPr>
+        <p:txBody>
+          <a:bodyPr/>
+          <a:lstStyle/>
+          <a:p>
+            <a:pPr algn="ctr"/>
+            <a:r>
+              <a:rPr lang="en-DE" dirty="0"/>
+              <a:t>First analysis chain</a:t>
+            </a:r>
+          </a:p>
+        </p:txBody>
+      </p:sp>
+      <p:sp>
+        <p:nvSpPr>
+          <p:cNvPr id="4" name="Slide Number Placeholder 3">
+            <a:extLst>
+              <a:ext uri="{FF2B5EF4-FFF2-40B4-BE49-F238E27FC236}">
+                <a16:creationId xmlns:a16="http://schemas.microsoft.com/office/drawing/2014/main" id="{FBAC0BEB-9B20-FD12-6B40-F1E0BCA7F0F6}"/>
+              </a:ext>
+            </a:extLst>
+          </p:cNvPr>
+          <p:cNvSpPr>
+            <a:spLocks noGrp="1"/>
+          </p:cNvSpPr>
+          <p:nvPr>
+            <p:ph type="sldNum" sz="quarter" idx="12"/>
+          </p:nvPr>
+        </p:nvSpPr>
         <p:spPr/>
         <p:txBody>
           <a:bodyPr/>
           <a:lstStyle/>
           <a:p>
-            <a:r>
-              <a:rPr lang="en-DE" dirty="0"/>
-              <a:t>Muon production – different weightings</a:t>
-            </a:r>
+            <a:fld id="{5AE0D498-42EE-5F49-9FFD-85B9B54DD666}" type="slidenum">
+              <a:rPr lang="en-DE" smtClean="0"/>
+              <a:t>14</a:t>
+            </a:fld>
+            <a:endParaRPr lang="en-DE"/>
+          </a:p>
+        </p:txBody>
+      </p:sp>
+    </p:spTree>
+    <p:extLst>
+      <p:ext uri="{BB962C8B-B14F-4D97-AF65-F5344CB8AC3E}">
+        <p14:creationId xmlns:p14="http://schemas.microsoft.com/office/powerpoint/2010/main" val="3650219305"/>
+      </p:ext>
+    </p:extLst>
+  </p:cSld>
+  <p:clrMapOvr>
+    <a:masterClrMapping/>
+  </p:clrMapOvr>
+</p:sld>
+</file>
+
+<file path=ppt/slides/slide16.xml><?xml version="1.0" encoding="utf-8"?>
+<p:sld xmlns:a="http://schemas.openxmlformats.org/drawingml/2006/main" xmlns:r="http://schemas.openxmlformats.org/officeDocument/2006/relationships" xmlns:p="http://schemas.openxmlformats.org/presentationml/2006/main">
+  <p:cSld>
+    <p:spTree>
+      <p:nvGrpSpPr>
+        <p:cNvPr id="1" name=""/>
+        <p:cNvGrpSpPr/>
+        <p:nvPr/>
+      </p:nvGrpSpPr>
+      <p:grpSpPr>
+        <a:xfrm>
+          <a:off x="0" y="0"/>
+          <a:ext cx="0" cy="0"/>
+          <a:chOff x="0" y="0"/>
+          <a:chExt cx="0" cy="0"/>
+        </a:xfrm>
+      </p:grpSpPr>
+      <p:sp>
+        <p:nvSpPr>
+          <p:cNvPr id="2" name="Title 1">
+            <a:extLst>
+              <a:ext uri="{FF2B5EF4-FFF2-40B4-BE49-F238E27FC236}">
+                <a16:creationId xmlns:a16="http://schemas.microsoft.com/office/drawing/2014/main" id="{DC58A61B-B760-4B10-4716-955A97627B92}"/>
+              </a:ext>
+            </a:extLst>
+          </p:cNvPr>
+          <p:cNvSpPr>
+            <a:spLocks noGrp="1"/>
+          </p:cNvSpPr>
+          <p:nvPr>
+            <p:ph type="title"/>
+          </p:nvPr>
+        </p:nvSpPr>
+        <p:spPr/>
+        <p:txBody>
+          <a:bodyPr/>
+          <a:lstStyle/>
+          <a:p>
+            <a:r>
+              <a:rPr lang="en-DE"/>
+              <a:t>Pseudo data sampling</a:t>
+            </a:r>
+            <a:endParaRPr lang="en-DE" dirty="0"/>
           </a:p>
         </p:txBody>
       </p:sp>
       <p:pic>
         <p:nvPicPr>
-          <p:cNvPr id="4" name="Content Placeholder 3">
-            <a:extLst>
-              <a:ext uri="{FF2B5EF4-FFF2-40B4-BE49-F238E27FC236}">
-                <a16:creationId xmlns:a16="http://schemas.microsoft.com/office/drawing/2014/main" id="{9373CD95-2600-590F-719C-6AD3BD38A1CB}"/>
+          <p:cNvPr id="5" name="Content Placeholder 4">
+            <a:extLst>
+              <a:ext uri="{FF2B5EF4-FFF2-40B4-BE49-F238E27FC236}">
+                <a16:creationId xmlns:a16="http://schemas.microsoft.com/office/drawing/2014/main" id="{34533BA4-9541-B95A-D7BC-436BC2CDAD71}"/>
               </a:ext>
             </a:extLst>
           </p:cNvPr>
@@ -5248,6 +6026,941 @@
         </p:blipFill>
         <p:spPr>
           <a:xfrm>
+            <a:off x="592666" y="1901561"/>
+            <a:ext cx="5384800" cy="3759200"/>
+          </a:xfrm>
+        </p:spPr>
+      </p:pic>
+      <p:sp>
+        <p:nvSpPr>
+          <p:cNvPr id="4" name="Slide Number Placeholder 3">
+            <a:extLst>
+              <a:ext uri="{FF2B5EF4-FFF2-40B4-BE49-F238E27FC236}">
+                <a16:creationId xmlns:a16="http://schemas.microsoft.com/office/drawing/2014/main" id="{EDB09C97-13F9-5AA1-4EA4-F16757194BF8}"/>
+              </a:ext>
+            </a:extLst>
+          </p:cNvPr>
+          <p:cNvSpPr>
+            <a:spLocks noGrp="1"/>
+          </p:cNvSpPr>
+          <p:nvPr>
+            <p:ph type="sldNum" sz="quarter" idx="12"/>
+          </p:nvPr>
+        </p:nvSpPr>
+        <p:spPr/>
+        <p:txBody>
+          <a:bodyPr/>
+          <a:lstStyle/>
+          <a:p>
+            <a:fld id="{5AE0D498-42EE-5F49-9FFD-85B9B54DD666}" type="slidenum">
+              <a:rPr lang="en-DE" smtClean="0"/>
+              <a:t>15</a:t>
+            </a:fld>
+            <a:endParaRPr lang="en-DE"/>
+          </a:p>
+        </p:txBody>
+      </p:sp>
+      <p:pic>
+        <p:nvPicPr>
+          <p:cNvPr id="6" name="Picture 5">
+            <a:extLst>
+              <a:ext uri="{FF2B5EF4-FFF2-40B4-BE49-F238E27FC236}">
+                <a16:creationId xmlns:a16="http://schemas.microsoft.com/office/drawing/2014/main" id="{B910C64F-0F2F-65BF-4EC2-4F138FED0DD2}"/>
+              </a:ext>
+            </a:extLst>
+          </p:cNvPr>
+          <p:cNvPicPr>
+            <a:picLocks noChangeAspect="1"/>
+          </p:cNvPicPr>
+          <p:nvPr/>
+        </p:nvPicPr>
+        <p:blipFill>
+          <a:blip r:embed="rId3"/>
+          <a:stretch>
+            <a:fillRect/>
+          </a:stretch>
+        </p:blipFill>
+        <p:spPr>
+          <a:xfrm>
+            <a:off x="6155267" y="1901561"/>
+            <a:ext cx="5384800" cy="3759200"/>
+          </a:xfrm>
+          <a:prstGeom prst="rect">
+            <a:avLst/>
+          </a:prstGeom>
+        </p:spPr>
+      </p:pic>
+      <p:sp>
+        <p:nvSpPr>
+          <p:cNvPr id="7" name="TextBox 6">
+            <a:extLst>
+              <a:ext uri="{FF2B5EF4-FFF2-40B4-BE49-F238E27FC236}">
+                <a16:creationId xmlns:a16="http://schemas.microsoft.com/office/drawing/2014/main" id="{597550A4-18CB-5B61-C150-4BB043527E08}"/>
+              </a:ext>
+            </a:extLst>
+          </p:cNvPr>
+          <p:cNvSpPr txBox="1"/>
+          <p:nvPr/>
+        </p:nvSpPr>
+        <p:spPr>
+          <a:xfrm>
+            <a:off x="2311400" y="1763061"/>
+            <a:ext cx="1684244" cy="276999"/>
+          </a:xfrm>
+          <a:prstGeom prst="rect">
+            <a:avLst/>
+          </a:prstGeom>
+          <a:noFill/>
+        </p:spPr>
+        <p:txBody>
+          <a:bodyPr wrap="none" rtlCol="0">
+            <a:spAutoFit/>
+          </a:bodyPr>
+          <a:lstStyle/>
+          <a:p>
+            <a:r>
+              <a:rPr lang="en-DE" sz="1200" dirty="0"/>
+              <a:t>Check sampling method</a:t>
+            </a:r>
+          </a:p>
+        </p:txBody>
+      </p:sp>
+    </p:spTree>
+    <p:extLst>
+      <p:ext uri="{BB962C8B-B14F-4D97-AF65-F5344CB8AC3E}">
+        <p14:creationId xmlns:p14="http://schemas.microsoft.com/office/powerpoint/2010/main" val="3930622609"/>
+      </p:ext>
+    </p:extLst>
+  </p:cSld>
+  <p:clrMapOvr>
+    <a:masterClrMapping/>
+  </p:clrMapOvr>
+</p:sld>
+</file>
+
+<file path=ppt/slides/slide17.xml><?xml version="1.0" encoding="utf-8"?>
+<p:sld xmlns:a="http://schemas.openxmlformats.org/drawingml/2006/main" xmlns:r="http://schemas.openxmlformats.org/officeDocument/2006/relationships" xmlns:p="http://schemas.openxmlformats.org/presentationml/2006/main">
+  <p:cSld>
+    <p:spTree>
+      <p:nvGrpSpPr>
+        <p:cNvPr id="1" name=""/>
+        <p:cNvGrpSpPr/>
+        <p:nvPr/>
+      </p:nvGrpSpPr>
+      <p:grpSpPr>
+        <a:xfrm>
+          <a:off x="0" y="0"/>
+          <a:ext cx="0" cy="0"/>
+          <a:chOff x="0" y="0"/>
+          <a:chExt cx="0" cy="0"/>
+        </a:xfrm>
+      </p:grpSpPr>
+      <p:sp>
+        <p:nvSpPr>
+          <p:cNvPr id="2" name="Title 1">
+            <a:extLst>
+              <a:ext uri="{FF2B5EF4-FFF2-40B4-BE49-F238E27FC236}">
+                <a16:creationId xmlns:a16="http://schemas.microsoft.com/office/drawing/2014/main" id="{A1419FB4-9F8A-33E0-4EEF-B4DC3A53CC02}"/>
+              </a:ext>
+            </a:extLst>
+          </p:cNvPr>
+          <p:cNvSpPr>
+            <a:spLocks noGrp="1"/>
+          </p:cNvSpPr>
+          <p:nvPr>
+            <p:ph type="title"/>
+          </p:nvPr>
+        </p:nvSpPr>
+        <p:spPr/>
+        <p:txBody>
+          <a:bodyPr/>
+          <a:lstStyle/>
+          <a:p>
+            <a:r>
+              <a:rPr lang="en-DE" dirty="0"/>
+              <a:t>Test bias</a:t>
+            </a:r>
+          </a:p>
+        </p:txBody>
+      </p:sp>
+      <p:sp>
+        <p:nvSpPr>
+          <p:cNvPr id="4" name="Slide Number Placeholder 3">
+            <a:extLst>
+              <a:ext uri="{FF2B5EF4-FFF2-40B4-BE49-F238E27FC236}">
+                <a16:creationId xmlns:a16="http://schemas.microsoft.com/office/drawing/2014/main" id="{96C37AC2-79AD-4F46-E295-F5560B446196}"/>
+              </a:ext>
+            </a:extLst>
+          </p:cNvPr>
+          <p:cNvSpPr>
+            <a:spLocks noGrp="1"/>
+          </p:cNvSpPr>
+          <p:nvPr>
+            <p:ph type="sldNum" sz="quarter" idx="12"/>
+          </p:nvPr>
+        </p:nvSpPr>
+        <p:spPr/>
+        <p:txBody>
+          <a:bodyPr/>
+          <a:lstStyle/>
+          <a:p>
+            <a:fld id="{5AE0D498-42EE-5F49-9FFD-85B9B54DD666}" type="slidenum">
+              <a:rPr lang="en-DE" smtClean="0"/>
+              <a:t>16</a:t>
+            </a:fld>
+            <a:endParaRPr lang="en-DE"/>
+          </a:p>
+        </p:txBody>
+      </p:sp>
+      <p:pic>
+        <p:nvPicPr>
+          <p:cNvPr id="11" name="Content Placeholder 10">
+            <a:extLst>
+              <a:ext uri="{FF2B5EF4-FFF2-40B4-BE49-F238E27FC236}">
+                <a16:creationId xmlns:a16="http://schemas.microsoft.com/office/drawing/2014/main" id="{371E6B61-00CF-0500-D762-8C9E70594A3E}"/>
+              </a:ext>
+            </a:extLst>
+          </p:cNvPr>
+          <p:cNvPicPr>
+            <a:picLocks noGrp="1" noChangeAspect="1"/>
+          </p:cNvPicPr>
+          <p:nvPr>
+            <p:ph idx="1"/>
+          </p:nvPr>
+        </p:nvPicPr>
+        <p:blipFill>
+          <a:blip r:embed="rId2"/>
+          <a:stretch>
+            <a:fillRect/>
+          </a:stretch>
+        </p:blipFill>
+        <p:spPr>
+          <a:xfrm>
+            <a:off x="3783090" y="1825625"/>
+            <a:ext cx="4625819" cy="4351338"/>
+          </a:xfrm>
+          <a:prstGeom prst="rect">
+            <a:avLst/>
+          </a:prstGeom>
+        </p:spPr>
+      </p:pic>
+    </p:spTree>
+    <p:extLst>
+      <p:ext uri="{BB962C8B-B14F-4D97-AF65-F5344CB8AC3E}">
+        <p14:creationId xmlns:p14="http://schemas.microsoft.com/office/powerpoint/2010/main" val="3065199586"/>
+      </p:ext>
+    </p:extLst>
+  </p:cSld>
+  <p:clrMapOvr>
+    <a:masterClrMapping/>
+  </p:clrMapOvr>
+</p:sld>
+</file>
+
+<file path=ppt/slides/slide18.xml><?xml version="1.0" encoding="utf-8"?>
+<p:sld xmlns:a="http://schemas.openxmlformats.org/drawingml/2006/main" xmlns:r="http://schemas.openxmlformats.org/officeDocument/2006/relationships" xmlns:p="http://schemas.openxmlformats.org/presentationml/2006/main">
+  <p:cSld>
+    <p:spTree>
+      <p:nvGrpSpPr>
+        <p:cNvPr id="1" name=""/>
+        <p:cNvGrpSpPr/>
+        <p:nvPr/>
+      </p:nvGrpSpPr>
+      <p:grpSpPr>
+        <a:xfrm>
+          <a:off x="0" y="0"/>
+          <a:ext cx="0" cy="0"/>
+          <a:chOff x="0" y="0"/>
+          <a:chExt cx="0" cy="0"/>
+        </a:xfrm>
+      </p:grpSpPr>
+      <p:sp>
+        <p:nvSpPr>
+          <p:cNvPr id="2" name="Title 1">
+            <a:extLst>
+              <a:ext uri="{FF2B5EF4-FFF2-40B4-BE49-F238E27FC236}">
+                <a16:creationId xmlns:a16="http://schemas.microsoft.com/office/drawing/2014/main" id="{A12A0857-9AB5-752A-E071-1F47D9CE6ADD}"/>
+              </a:ext>
+            </a:extLst>
+          </p:cNvPr>
+          <p:cNvSpPr>
+            <a:spLocks noGrp="1"/>
+          </p:cNvSpPr>
+          <p:nvPr>
+            <p:ph type="title"/>
+          </p:nvPr>
+        </p:nvSpPr>
+        <p:spPr/>
+        <p:txBody>
+          <a:bodyPr/>
+          <a:lstStyle/>
+          <a:p>
+            <a:r>
+              <a:rPr lang="en-DE" dirty="0"/>
+              <a:t>Test background statistics</a:t>
+            </a:r>
+          </a:p>
+        </p:txBody>
+      </p:sp>
+      <p:pic>
+        <p:nvPicPr>
+          <p:cNvPr id="5" name="Content Placeholder 4">
+            <a:extLst>
+              <a:ext uri="{FF2B5EF4-FFF2-40B4-BE49-F238E27FC236}">
+                <a16:creationId xmlns:a16="http://schemas.microsoft.com/office/drawing/2014/main" id="{CAF38DB8-1CE3-231A-5B26-74CE99BE6B65}"/>
+              </a:ext>
+            </a:extLst>
+          </p:cNvPr>
+          <p:cNvPicPr>
+            <a:picLocks noGrp="1" noChangeAspect="1"/>
+          </p:cNvPicPr>
+          <p:nvPr>
+            <p:ph idx="1"/>
+          </p:nvPr>
+        </p:nvPicPr>
+        <p:blipFill>
+          <a:blip r:embed="rId2"/>
+          <a:stretch>
+            <a:fillRect/>
+          </a:stretch>
+        </p:blipFill>
+        <p:spPr>
+          <a:xfrm>
+            <a:off x="5883628" y="2040465"/>
+            <a:ext cx="5282740" cy="3554943"/>
+          </a:xfrm>
+          <a:prstGeom prst="rect">
+            <a:avLst/>
+          </a:prstGeom>
+        </p:spPr>
+      </p:pic>
+      <p:sp>
+        <p:nvSpPr>
+          <p:cNvPr id="4" name="Slide Number Placeholder 3">
+            <a:extLst>
+              <a:ext uri="{FF2B5EF4-FFF2-40B4-BE49-F238E27FC236}">
+                <a16:creationId xmlns:a16="http://schemas.microsoft.com/office/drawing/2014/main" id="{B2630080-7580-5E98-80C6-19344A39A586}"/>
+              </a:ext>
+            </a:extLst>
+          </p:cNvPr>
+          <p:cNvSpPr>
+            <a:spLocks noGrp="1"/>
+          </p:cNvSpPr>
+          <p:nvPr>
+            <p:ph type="sldNum" sz="quarter" idx="12"/>
+          </p:nvPr>
+        </p:nvSpPr>
+        <p:spPr/>
+        <p:txBody>
+          <a:bodyPr/>
+          <a:lstStyle/>
+          <a:p>
+            <a:fld id="{5AE0D498-42EE-5F49-9FFD-85B9B54DD666}" type="slidenum">
+              <a:rPr lang="en-DE" smtClean="0"/>
+              <a:t>17</a:t>
+            </a:fld>
+            <a:endParaRPr lang="en-DE"/>
+          </a:p>
+        </p:txBody>
+      </p:sp>
+      <p:pic>
+        <p:nvPicPr>
+          <p:cNvPr id="6" name="Picture 5">
+            <a:extLst>
+              <a:ext uri="{FF2B5EF4-FFF2-40B4-BE49-F238E27FC236}">
+                <a16:creationId xmlns:a16="http://schemas.microsoft.com/office/drawing/2014/main" id="{0E0BC93C-53A0-47BD-D525-F0AF026F8386}"/>
+              </a:ext>
+            </a:extLst>
+          </p:cNvPr>
+          <p:cNvPicPr>
+            <a:picLocks noChangeAspect="1"/>
+          </p:cNvPicPr>
+          <p:nvPr/>
+        </p:nvPicPr>
+        <p:blipFill>
+          <a:blip r:embed="rId3"/>
+          <a:stretch>
+            <a:fillRect/>
+          </a:stretch>
+        </p:blipFill>
+        <p:spPr>
+          <a:xfrm>
+            <a:off x="419118" y="2040465"/>
+            <a:ext cx="5092682" cy="3554942"/>
+          </a:xfrm>
+          <a:prstGeom prst="rect">
+            <a:avLst/>
+          </a:prstGeom>
+        </p:spPr>
+      </p:pic>
+    </p:spTree>
+    <p:extLst>
+      <p:ext uri="{BB962C8B-B14F-4D97-AF65-F5344CB8AC3E}">
+        <p14:creationId xmlns:p14="http://schemas.microsoft.com/office/powerpoint/2010/main" val="1758972148"/>
+      </p:ext>
+    </p:extLst>
+  </p:cSld>
+  <p:clrMapOvr>
+    <a:masterClrMapping/>
+  </p:clrMapOvr>
+</p:sld>
+</file>
+
+<file path=ppt/slides/slide19.xml><?xml version="1.0" encoding="utf-8"?>
+<p:sld xmlns:a="http://schemas.openxmlformats.org/drawingml/2006/main" xmlns:r="http://schemas.openxmlformats.org/officeDocument/2006/relationships" xmlns:p="http://schemas.openxmlformats.org/presentationml/2006/main">
+  <p:cSld>
+    <p:spTree>
+      <p:nvGrpSpPr>
+        <p:cNvPr id="1" name=""/>
+        <p:cNvGrpSpPr/>
+        <p:nvPr/>
+      </p:nvGrpSpPr>
+      <p:grpSpPr>
+        <a:xfrm>
+          <a:off x="0" y="0"/>
+          <a:ext cx="0" cy="0"/>
+          <a:chOff x="0" y="0"/>
+          <a:chExt cx="0" cy="0"/>
+        </a:xfrm>
+      </p:grpSpPr>
+      <p:sp>
+        <p:nvSpPr>
+          <p:cNvPr id="2" name="Title 1">
+            <a:extLst>
+              <a:ext uri="{FF2B5EF4-FFF2-40B4-BE49-F238E27FC236}">
+                <a16:creationId xmlns:a16="http://schemas.microsoft.com/office/drawing/2014/main" id="{E82B8278-17F0-37FF-F0C4-A0DC269EBD25}"/>
+              </a:ext>
+            </a:extLst>
+          </p:cNvPr>
+          <p:cNvSpPr>
+            <a:spLocks noGrp="1"/>
+          </p:cNvSpPr>
+          <p:nvPr>
+            <p:ph type="title"/>
+          </p:nvPr>
+        </p:nvSpPr>
+        <p:spPr/>
+        <p:txBody>
+          <a:bodyPr/>
+          <a:lstStyle/>
+          <a:p>
+            <a:r>
+              <a:rPr lang="en-DE" dirty="0"/>
+              <a:t>Discovery potential and sensitivity</a:t>
+            </a:r>
+          </a:p>
+        </p:txBody>
+      </p:sp>
+      <p:pic>
+        <p:nvPicPr>
+          <p:cNvPr id="5" name="Content Placeholder 4">
+            <a:extLst>
+              <a:ext uri="{FF2B5EF4-FFF2-40B4-BE49-F238E27FC236}">
+                <a16:creationId xmlns:a16="http://schemas.microsoft.com/office/drawing/2014/main" id="{1F3F7F9A-978A-FBC1-8A2E-0B0150F8B65F}"/>
+              </a:ext>
+            </a:extLst>
+          </p:cNvPr>
+          <p:cNvPicPr>
+            <a:picLocks noGrp="1" noChangeAspect="1"/>
+          </p:cNvPicPr>
+          <p:nvPr>
+            <p:ph idx="1"/>
+          </p:nvPr>
+        </p:nvPicPr>
+        <p:blipFill>
+          <a:blip r:embed="rId2"/>
+          <a:stretch>
+            <a:fillRect/>
+          </a:stretch>
+        </p:blipFill>
+        <p:spPr>
+          <a:xfrm>
+            <a:off x="5282148" y="1774825"/>
+            <a:ext cx="6233569" cy="4351338"/>
+          </a:xfrm>
+          <a:prstGeom prst="rect">
+            <a:avLst/>
+          </a:prstGeom>
+        </p:spPr>
+      </p:pic>
+      <p:sp>
+        <p:nvSpPr>
+          <p:cNvPr id="4" name="Slide Number Placeholder 3">
+            <a:extLst>
+              <a:ext uri="{FF2B5EF4-FFF2-40B4-BE49-F238E27FC236}">
+                <a16:creationId xmlns:a16="http://schemas.microsoft.com/office/drawing/2014/main" id="{32C5D6C5-505E-5DEA-C87F-D84196713C39}"/>
+              </a:ext>
+            </a:extLst>
+          </p:cNvPr>
+          <p:cNvSpPr>
+            <a:spLocks noGrp="1"/>
+          </p:cNvSpPr>
+          <p:nvPr>
+            <p:ph type="sldNum" sz="quarter" idx="12"/>
+          </p:nvPr>
+        </p:nvSpPr>
+        <p:spPr/>
+        <p:txBody>
+          <a:bodyPr/>
+          <a:lstStyle/>
+          <a:p>
+            <a:fld id="{5AE0D498-42EE-5F49-9FFD-85B9B54DD666}" type="slidenum">
+              <a:rPr lang="en-DE" smtClean="0"/>
+              <a:t>18</a:t>
+            </a:fld>
+            <a:endParaRPr lang="en-DE"/>
+          </a:p>
+        </p:txBody>
+      </p:sp>
+      <p:sp>
+        <p:nvSpPr>
+          <p:cNvPr id="6" name="TextBox 5">
+            <a:extLst>
+              <a:ext uri="{FF2B5EF4-FFF2-40B4-BE49-F238E27FC236}">
+                <a16:creationId xmlns:a16="http://schemas.microsoft.com/office/drawing/2014/main" id="{EBE0C0B7-5CB5-3AD9-C906-743EB4802D96}"/>
+              </a:ext>
+            </a:extLst>
+          </p:cNvPr>
+          <p:cNvSpPr txBox="1"/>
+          <p:nvPr/>
+        </p:nvSpPr>
+        <p:spPr>
+          <a:xfrm>
+            <a:off x="592666" y="2404533"/>
+            <a:ext cx="4508478" cy="1200329"/>
+          </a:xfrm>
+          <a:prstGeom prst="rect">
+            <a:avLst/>
+          </a:prstGeom>
+          <a:noFill/>
+        </p:spPr>
+        <p:txBody>
+          <a:bodyPr wrap="none" rtlCol="0">
+            <a:spAutoFit/>
+          </a:bodyPr>
+          <a:lstStyle/>
+          <a:p>
+            <a:r>
+              <a:rPr lang="en-DE" sz="1200" dirty="0"/>
+              <a:t>Discovery potential: </a:t>
+            </a:r>
+            <a:r>
+              <a:rPr lang="en-GB" sz="1200" dirty="0"/>
+              <a:t>0.102 +- 0.004</a:t>
+            </a:r>
+          </a:p>
+          <a:p>
+            <a:r>
+              <a:rPr lang="en-GB" sz="1200" dirty="0"/>
+              <a:t>(50% of all trials result in a significance &gt; 5 sigma)</a:t>
+            </a:r>
+          </a:p>
+          <a:p>
+            <a:endParaRPr lang="en-GB" sz="1200" dirty="0"/>
+          </a:p>
+          <a:p>
+            <a:r>
+              <a:rPr lang="en-GB" sz="1200" dirty="0"/>
+              <a:t>Sensitivity: 0.024 +- 0.001</a:t>
+            </a:r>
+          </a:p>
+          <a:p>
+            <a:r>
+              <a:rPr lang="en-GB" sz="1200" dirty="0"/>
+              <a:t>(90% of all trials result in a test statistic that is as least as large as the </a:t>
+            </a:r>
+          </a:p>
+          <a:p>
+            <a:r>
+              <a:rPr lang="en-GB" sz="1200" dirty="0"/>
+              <a:t>median of the background test statistic value for the null hypothesis)</a:t>
+            </a:r>
+            <a:endParaRPr lang="en-DE" sz="1200" dirty="0"/>
+          </a:p>
+        </p:txBody>
+      </p:sp>
+      <p:sp>
+        <p:nvSpPr>
+          <p:cNvPr id="7" name="TextBox 6">
+            <a:extLst>
+              <a:ext uri="{FF2B5EF4-FFF2-40B4-BE49-F238E27FC236}">
+                <a16:creationId xmlns:a16="http://schemas.microsoft.com/office/drawing/2014/main" id="{60C85DC9-4D35-0E64-7A4D-DF7BF1536901}"/>
+              </a:ext>
+            </a:extLst>
+          </p:cNvPr>
+          <p:cNvSpPr txBox="1"/>
+          <p:nvPr/>
+        </p:nvSpPr>
+        <p:spPr>
+          <a:xfrm>
+            <a:off x="5071533" y="6434667"/>
+            <a:ext cx="4854214" cy="276999"/>
+          </a:xfrm>
+          <a:prstGeom prst="rect">
+            <a:avLst/>
+          </a:prstGeom>
+          <a:noFill/>
+        </p:spPr>
+        <p:txBody>
+          <a:bodyPr wrap="none" rtlCol="0">
+            <a:spAutoFit/>
+          </a:bodyPr>
+          <a:lstStyle/>
+          <a:p>
+            <a:r>
+              <a:rPr lang="en-GB" sz="1200" dirty="0"/>
+              <a:t>DeepLearningReco_exported_model_PromptMu_L2_energy_entry_energy</a:t>
+            </a:r>
+            <a:endParaRPr lang="en-DE" sz="1200" dirty="0"/>
+          </a:p>
+        </p:txBody>
+      </p:sp>
+      <p:sp>
+        <p:nvSpPr>
+          <p:cNvPr id="8" name="TextBox 7">
+            <a:extLst>
+              <a:ext uri="{FF2B5EF4-FFF2-40B4-BE49-F238E27FC236}">
+                <a16:creationId xmlns:a16="http://schemas.microsoft.com/office/drawing/2014/main" id="{1FEB20B2-5969-80E8-B212-87834D91615A}"/>
+              </a:ext>
+            </a:extLst>
+          </p:cNvPr>
+          <p:cNvSpPr txBox="1"/>
+          <p:nvPr/>
+        </p:nvSpPr>
+        <p:spPr>
+          <a:xfrm>
+            <a:off x="592666" y="4881265"/>
+            <a:ext cx="3803477" cy="276999"/>
+          </a:xfrm>
+          <a:prstGeom prst="rect">
+            <a:avLst/>
+          </a:prstGeom>
+          <a:noFill/>
+        </p:spPr>
+        <p:txBody>
+          <a:bodyPr wrap="none" rtlCol="0">
+            <a:spAutoFit/>
+          </a:bodyPr>
+          <a:lstStyle/>
+          <a:p>
+            <a:r>
+              <a:rPr lang="en-GB" sz="1200" dirty="0"/>
+              <a:t>A</a:t>
+            </a:r>
+            <a:r>
+              <a:rPr lang="en-DE" sz="1200" dirty="0"/>
+              <a:t>nalysis performed only in energy bins -&gt; extend to zenith</a:t>
+            </a:r>
+          </a:p>
+        </p:txBody>
+      </p:sp>
+    </p:spTree>
+    <p:extLst>
+      <p:ext uri="{BB962C8B-B14F-4D97-AF65-F5344CB8AC3E}">
+        <p14:creationId xmlns:p14="http://schemas.microsoft.com/office/powerpoint/2010/main" val="689385648"/>
+      </p:ext>
+    </p:extLst>
+  </p:cSld>
+  <p:clrMapOvr>
+    <a:masterClrMapping/>
+  </p:clrMapOvr>
+</p:sld>
+</file>
+
+<file path=ppt/slides/slide2.xml><?xml version="1.0" encoding="utf-8"?>
+<p:sld xmlns:a="http://schemas.openxmlformats.org/drawingml/2006/main" xmlns:r="http://schemas.openxmlformats.org/officeDocument/2006/relationships" xmlns:p="http://schemas.openxmlformats.org/presentationml/2006/main">
+  <p:cSld>
+    <p:spTree>
+      <p:nvGrpSpPr>
+        <p:cNvPr id="1" name=""/>
+        <p:cNvGrpSpPr/>
+        <p:nvPr/>
+      </p:nvGrpSpPr>
+      <p:grpSpPr>
+        <a:xfrm>
+          <a:off x="0" y="0"/>
+          <a:ext cx="0" cy="0"/>
+          <a:chOff x="0" y="0"/>
+          <a:chExt cx="0" cy="0"/>
+        </a:xfrm>
+      </p:grpSpPr>
+      <p:sp>
+        <p:nvSpPr>
+          <p:cNvPr id="2" name="Title 1">
+            <a:extLst>
+              <a:ext uri="{FF2B5EF4-FFF2-40B4-BE49-F238E27FC236}">
+                <a16:creationId xmlns:a16="http://schemas.microsoft.com/office/drawing/2014/main" id="{CC907C86-375B-AE75-9CBF-4333576CC82C}"/>
+              </a:ext>
+            </a:extLst>
+          </p:cNvPr>
+          <p:cNvSpPr>
+            <a:spLocks noGrp="1"/>
+          </p:cNvSpPr>
+          <p:nvPr>
+            <p:ph type="title"/>
+          </p:nvPr>
+        </p:nvSpPr>
+        <p:spPr/>
+        <p:txBody>
+          <a:bodyPr/>
+          <a:lstStyle/>
+          <a:p>
+            <a:r>
+              <a:rPr lang="en-DE" dirty="0"/>
+              <a:t>Outline</a:t>
+            </a:r>
+          </a:p>
+        </p:txBody>
+      </p:sp>
+      <p:sp>
+        <p:nvSpPr>
+          <p:cNvPr id="3" name="Content Placeholder 2">
+            <a:extLst>
+              <a:ext uri="{FF2B5EF4-FFF2-40B4-BE49-F238E27FC236}">
+                <a16:creationId xmlns:a16="http://schemas.microsoft.com/office/drawing/2014/main" id="{8F4A04AE-D4F5-C1D2-0705-DE3A0E9462D3}"/>
+              </a:ext>
+            </a:extLst>
+          </p:cNvPr>
+          <p:cNvSpPr>
+            <a:spLocks noGrp="1"/>
+          </p:cNvSpPr>
+          <p:nvPr>
+            <p:ph idx="1"/>
+          </p:nvPr>
+        </p:nvSpPr>
+        <p:spPr/>
+        <p:txBody>
+          <a:bodyPr/>
+          <a:lstStyle/>
+          <a:p>
+            <a:r>
+              <a:rPr lang="en-DE" dirty="0"/>
+              <a:t>How many events do we expect? –&gt; Which label shall we use for this? </a:t>
+            </a:r>
+          </a:p>
+          <a:p>
+            <a:pPr lvl="1"/>
+            <a:r>
+              <a:rPr lang="en-GB" dirty="0"/>
+              <a:t>S</a:t>
+            </a:r>
+            <a:r>
+              <a:rPr lang="en-DE" dirty="0"/>
+              <a:t>how effect of filters</a:t>
+            </a:r>
+          </a:p>
+          <a:p>
+            <a:r>
+              <a:rPr lang="en-DE" dirty="0"/>
+              <a:t>What is our prompt definition? –&gt; Why?</a:t>
+            </a:r>
+          </a:p>
+        </p:txBody>
+      </p:sp>
+      <p:sp>
+        <p:nvSpPr>
+          <p:cNvPr id="4" name="Slide Number Placeholder 3">
+            <a:extLst>
+              <a:ext uri="{FF2B5EF4-FFF2-40B4-BE49-F238E27FC236}">
+                <a16:creationId xmlns:a16="http://schemas.microsoft.com/office/drawing/2014/main" id="{AB562296-2CB3-D1DA-0A28-5458F0B26540}"/>
+              </a:ext>
+            </a:extLst>
+          </p:cNvPr>
+          <p:cNvSpPr>
+            <a:spLocks noGrp="1"/>
+          </p:cNvSpPr>
+          <p:nvPr>
+            <p:ph type="sldNum" sz="quarter" idx="12"/>
+          </p:nvPr>
+        </p:nvSpPr>
+        <p:spPr/>
+        <p:txBody>
+          <a:bodyPr/>
+          <a:lstStyle/>
+          <a:p>
+            <a:fld id="{5AE0D498-42EE-5F49-9FFD-85B9B54DD666}" type="slidenum">
+              <a:rPr lang="en-DE" smtClean="0"/>
+              <a:t>1</a:t>
+            </a:fld>
+            <a:endParaRPr lang="en-DE"/>
+          </a:p>
+        </p:txBody>
+      </p:sp>
+    </p:spTree>
+    <p:extLst>
+      <p:ext uri="{BB962C8B-B14F-4D97-AF65-F5344CB8AC3E}">
+        <p14:creationId xmlns:p14="http://schemas.microsoft.com/office/powerpoint/2010/main" val="1644632516"/>
+      </p:ext>
+    </p:extLst>
+  </p:cSld>
+  <p:clrMapOvr>
+    <a:masterClrMapping/>
+  </p:clrMapOvr>
+</p:sld>
+</file>
+
+<file path=ppt/slides/slide20.xml><?xml version="1.0" encoding="utf-8"?>
+<p:sld xmlns:a="http://schemas.openxmlformats.org/drawingml/2006/main" xmlns:r="http://schemas.openxmlformats.org/officeDocument/2006/relationships" xmlns:p="http://schemas.openxmlformats.org/presentationml/2006/main">
+  <p:cSld>
+    <p:spTree>
+      <p:nvGrpSpPr>
+        <p:cNvPr id="1" name=""/>
+        <p:cNvGrpSpPr/>
+        <p:nvPr/>
+      </p:nvGrpSpPr>
+      <p:grpSpPr>
+        <a:xfrm>
+          <a:off x="0" y="0"/>
+          <a:ext cx="0" cy="0"/>
+          <a:chOff x="0" y="0"/>
+          <a:chExt cx="0" cy="0"/>
+        </a:xfrm>
+      </p:grpSpPr>
+      <p:sp>
+        <p:nvSpPr>
+          <p:cNvPr id="2" name="Title 1">
+            <a:extLst>
+              <a:ext uri="{FF2B5EF4-FFF2-40B4-BE49-F238E27FC236}">
+                <a16:creationId xmlns:a16="http://schemas.microsoft.com/office/drawing/2014/main" id="{2A5BCCE2-C534-223A-3397-32D993F9BD1A}"/>
+              </a:ext>
+            </a:extLst>
+          </p:cNvPr>
+          <p:cNvSpPr>
+            <a:spLocks noGrp="1"/>
+          </p:cNvSpPr>
+          <p:nvPr>
+            <p:ph type="title"/>
+          </p:nvPr>
+        </p:nvSpPr>
+        <p:spPr>
+          <a:xfrm>
+            <a:off x="838200" y="2766218"/>
+            <a:ext cx="10515600" cy="1325563"/>
+          </a:xfrm>
+        </p:spPr>
+        <p:txBody>
+          <a:bodyPr/>
+          <a:lstStyle/>
+          <a:p>
+            <a:pPr algn="ctr"/>
+            <a:r>
+              <a:rPr lang="en-DE" dirty="0"/>
+              <a:t>Backup</a:t>
+            </a:r>
+          </a:p>
+        </p:txBody>
+      </p:sp>
+      <p:sp>
+        <p:nvSpPr>
+          <p:cNvPr id="4" name="Slide Number Placeholder 3">
+            <a:extLst>
+              <a:ext uri="{FF2B5EF4-FFF2-40B4-BE49-F238E27FC236}">
+                <a16:creationId xmlns:a16="http://schemas.microsoft.com/office/drawing/2014/main" id="{FBAC0BEB-9B20-FD12-6B40-F1E0BCA7F0F6}"/>
+              </a:ext>
+            </a:extLst>
+          </p:cNvPr>
+          <p:cNvSpPr>
+            <a:spLocks noGrp="1"/>
+          </p:cNvSpPr>
+          <p:nvPr>
+            <p:ph type="sldNum" sz="quarter" idx="12"/>
+          </p:nvPr>
+        </p:nvSpPr>
+        <p:spPr/>
+        <p:txBody>
+          <a:bodyPr/>
+          <a:lstStyle/>
+          <a:p>
+            <a:fld id="{5AE0D498-42EE-5F49-9FFD-85B9B54DD666}" type="slidenum">
+              <a:rPr lang="en-DE" smtClean="0"/>
+              <a:t>19</a:t>
+            </a:fld>
+            <a:endParaRPr lang="en-DE"/>
+          </a:p>
+        </p:txBody>
+      </p:sp>
+    </p:spTree>
+    <p:extLst>
+      <p:ext uri="{BB962C8B-B14F-4D97-AF65-F5344CB8AC3E}">
+        <p14:creationId xmlns:p14="http://schemas.microsoft.com/office/powerpoint/2010/main" val="390181711"/>
+      </p:ext>
+    </p:extLst>
+  </p:cSld>
+  <p:clrMapOvr>
+    <a:masterClrMapping/>
+  </p:clrMapOvr>
+</p:sld>
+</file>
+
+<file path=ppt/slides/slide21.xml><?xml version="1.0" encoding="utf-8"?>
+<p:sld xmlns:a="http://schemas.openxmlformats.org/drawingml/2006/main" xmlns:r="http://schemas.openxmlformats.org/officeDocument/2006/relationships" xmlns:p="http://schemas.openxmlformats.org/presentationml/2006/main">
+  <p:cSld>
+    <p:spTree>
+      <p:nvGrpSpPr>
+        <p:cNvPr id="1" name=""/>
+        <p:cNvGrpSpPr/>
+        <p:nvPr/>
+      </p:nvGrpSpPr>
+      <p:grpSpPr>
+        <a:xfrm>
+          <a:off x="0" y="0"/>
+          <a:ext cx="0" cy="0"/>
+          <a:chOff x="0" y="0"/>
+          <a:chExt cx="0" cy="0"/>
+        </a:xfrm>
+      </p:grpSpPr>
+      <p:sp>
+        <p:nvSpPr>
+          <p:cNvPr id="2" name="Title 1">
+            <a:extLst>
+              <a:ext uri="{FF2B5EF4-FFF2-40B4-BE49-F238E27FC236}">
+                <a16:creationId xmlns:a16="http://schemas.microsoft.com/office/drawing/2014/main" id="{818AD616-4098-6177-1D0C-4D63D5230F4A}"/>
+              </a:ext>
+            </a:extLst>
+          </p:cNvPr>
+          <p:cNvSpPr>
+            <a:spLocks noGrp="1"/>
+          </p:cNvSpPr>
+          <p:nvPr>
+            <p:ph type="title"/>
+          </p:nvPr>
+        </p:nvSpPr>
+        <p:spPr/>
+        <p:txBody>
+          <a:bodyPr/>
+          <a:lstStyle/>
+          <a:p>
+            <a:r>
+              <a:rPr lang="en-DE" dirty="0"/>
+              <a:t>Muon production – different weightings</a:t>
+            </a:r>
+          </a:p>
+        </p:txBody>
+      </p:sp>
+      <p:pic>
+        <p:nvPicPr>
+          <p:cNvPr id="4" name="Content Placeholder 3">
+            <a:extLst>
+              <a:ext uri="{FF2B5EF4-FFF2-40B4-BE49-F238E27FC236}">
+                <a16:creationId xmlns:a16="http://schemas.microsoft.com/office/drawing/2014/main" id="{9373CD95-2600-590F-719C-6AD3BD38A1CB}"/>
+              </a:ext>
+            </a:extLst>
+          </p:cNvPr>
+          <p:cNvPicPr>
+            <a:picLocks noGrp="1" noChangeAspect="1"/>
+          </p:cNvPicPr>
+          <p:nvPr>
+            <p:ph idx="1"/>
+          </p:nvPr>
+        </p:nvPicPr>
+        <p:blipFill>
+          <a:blip r:embed="rId2"/>
+          <a:stretch>
+            <a:fillRect/>
+          </a:stretch>
+        </p:blipFill>
+        <p:spPr>
+          <a:xfrm>
             <a:off x="3403600" y="2121694"/>
             <a:ext cx="5384800" cy="3759200"/>
           </a:xfrm>
@@ -5349,7 +7062,7 @@
           <a:p>
             <a:fld id="{5AE0D498-42EE-5F49-9FFD-85B9B54DD666}" type="slidenum">
               <a:rPr lang="en-DE" smtClean="0"/>
-              <a:t>14</a:t>
+              <a:t>20</a:t>
             </a:fld>
             <a:endParaRPr lang="en-DE"/>
           </a:p>
@@ -5368,7 +7081,7 @@
 </p:sld>
 </file>
 
-<file path=ppt/slides/slide16.xml><?xml version="1.0" encoding="utf-8"?>
+<file path=ppt/slides/slide22.xml><?xml version="1.0" encoding="utf-8"?>
 <p:sld xmlns:a="http://schemas.openxmlformats.org/drawingml/2006/main" xmlns:r="http://schemas.openxmlformats.org/officeDocument/2006/relationships" xmlns:p="http://schemas.openxmlformats.org/presentationml/2006/main">
   <p:cSld>
     <p:spTree>
@@ -5654,7 +7367,7 @@
           <a:p>
             <a:fld id="{CD8304E6-5469-594D-85BC-E468E92D2243}" type="slidenum">
               <a:rPr lang="en-US" smtClean="0"/>
-              <a:t>15</a:t>
+              <a:t>21</a:t>
             </a:fld>
             <a:endParaRPr lang="en-US"/>
           </a:p>
@@ -6065,7 +7778,7 @@
 </p:sld>
 </file>
 
-<file path=ppt/slides/slide17.xml><?xml version="1.0" encoding="utf-8"?>
+<file path=ppt/slides/slide23.xml><?xml version="1.0" encoding="utf-8"?>
 <p:sld xmlns:a="http://schemas.openxmlformats.org/drawingml/2006/main" xmlns:r="http://schemas.openxmlformats.org/officeDocument/2006/relationships" xmlns:p="http://schemas.openxmlformats.org/presentationml/2006/main">
   <p:cSld>
     <p:bg>
@@ -6918,7 +8631,7 @@
           <a:p>
             <a:fld id="{5AE0D498-42EE-5F49-9FFD-85B9B54DD666}" type="slidenum">
               <a:rPr lang="en-DE" smtClean="0"/>
-              <a:t>16</a:t>
+              <a:t>22</a:t>
             </a:fld>
             <a:endParaRPr lang="en-DE"/>
           </a:p>
@@ -6937,7 +8650,7 @@
 </p:sld>
 </file>
 
-<file path=ppt/slides/slide18.xml><?xml version="1.0" encoding="utf-8"?>
+<file path=ppt/slides/slide24.xml><?xml version="1.0" encoding="utf-8"?>
 <p:sld xmlns:a="http://schemas.openxmlformats.org/drawingml/2006/main" xmlns:r="http://schemas.openxmlformats.org/officeDocument/2006/relationships" xmlns:p="http://schemas.openxmlformats.org/presentationml/2006/main">
   <p:cSld>
     <p:spTree>
@@ -7203,7 +8916,7 @@
           <a:p>
             <a:fld id="{5AE0D498-42EE-5F49-9FFD-85B9B54DD666}" type="slidenum">
               <a:rPr lang="en-DE" smtClean="0"/>
-              <a:t>17</a:t>
+              <a:t>23</a:t>
             </a:fld>
             <a:endParaRPr lang="en-DE"/>
           </a:p>
@@ -7222,7 +8935,7 @@
 </p:sld>
 </file>
 
-<file path=ppt/slides/slide19.xml><?xml version="1.0" encoding="utf-8"?>
+<file path=ppt/slides/slide25.xml><?xml version="1.0" encoding="utf-8"?>
 <p:sld xmlns:a="http://schemas.openxmlformats.org/drawingml/2006/main" xmlns:r="http://schemas.openxmlformats.org/officeDocument/2006/relationships" xmlns:p="http://schemas.openxmlformats.org/presentationml/2006/main">
   <p:cSld>
     <p:spTree>
@@ -7244,7 +8957,7 @@
           <p:cNvPr id="2" name="Title 1">
             <a:extLst>
               <a:ext uri="{FF2B5EF4-FFF2-40B4-BE49-F238E27FC236}">
-                <a16:creationId xmlns:a16="http://schemas.microsoft.com/office/drawing/2014/main" id="{CA94A3C2-60B1-38FB-50B9-4F47A6192F8B}"/>
+                <a16:creationId xmlns:a16="http://schemas.microsoft.com/office/drawing/2014/main" id="{82A10D30-8B8C-8D3F-F6B3-F72541012AA9}"/>
               </a:ext>
             </a:extLst>
           </p:cNvPr>
@@ -7262,7 +8975,7 @@
           <a:p>
             <a:r>
               <a:rPr lang="en-DE" dirty="0"/>
-              <a:t>Filter – total flux</a:t>
+              <a:t>CORSIKA tagging roundtrip</a:t>
             </a:r>
           </a:p>
         </p:txBody>
@@ -7272,7 +8985,7 @@
           <p:cNvPr id="5" name="Content Placeholder 4">
             <a:extLst>
               <a:ext uri="{FF2B5EF4-FFF2-40B4-BE49-F238E27FC236}">
-                <a16:creationId xmlns:a16="http://schemas.microsoft.com/office/drawing/2014/main" id="{30612184-00FB-4A4E-4C02-7B1077F39C03}"/>
+                <a16:creationId xmlns:a16="http://schemas.microsoft.com/office/drawing/2014/main" id="{7683ACDD-E97C-85B4-5BEA-1B125573C801}"/>
               </a:ext>
             </a:extLst>
           </p:cNvPr>
@@ -7291,9 +9004,12 @@
         </p:blipFill>
         <p:spPr>
           <a:xfrm>
-            <a:off x="2659888" y="1690688"/>
-            <a:ext cx="6350000" cy="4433019"/>
-          </a:xfrm>
+            <a:off x="4968882" y="1847850"/>
+            <a:ext cx="6233569" cy="4351338"/>
+          </a:xfrm>
+          <a:prstGeom prst="rect">
+            <a:avLst/>
+          </a:prstGeom>
         </p:spPr>
       </p:pic>
       <p:sp>
@@ -7301,7 +9017,7 @@
           <p:cNvPr id="4" name="Slide Number Placeholder 3">
             <a:extLst>
               <a:ext uri="{FF2B5EF4-FFF2-40B4-BE49-F238E27FC236}">
-                <a16:creationId xmlns:a16="http://schemas.microsoft.com/office/drawing/2014/main" id="{BBFED6A0-F0E0-509C-36AC-10200B8E8352}"/>
+                <a16:creationId xmlns:a16="http://schemas.microsoft.com/office/drawing/2014/main" id="{A9B5BBB7-2939-5B41-E264-DA7C76945A2C}"/>
               </a:ext>
             </a:extLst>
           </p:cNvPr>
@@ -7319,7 +9035,7 @@
           <a:p>
             <a:fld id="{5AE0D498-42EE-5F49-9FFD-85B9B54DD666}" type="slidenum">
               <a:rPr lang="en-DE" smtClean="0"/>
-              <a:t>18</a:t>
+              <a:t>24</a:t>
             </a:fld>
             <a:endParaRPr lang="en-DE"/>
           </a:p>
@@ -7330,7 +9046,7 @@
           <p:cNvPr id="6" name="TextBox 5">
             <a:extLst>
               <a:ext uri="{FF2B5EF4-FFF2-40B4-BE49-F238E27FC236}">
-                <a16:creationId xmlns:a16="http://schemas.microsoft.com/office/drawing/2014/main" id="{7FE43D0E-8B19-3507-58C0-E21E766F87D1}"/>
+                <a16:creationId xmlns:a16="http://schemas.microsoft.com/office/drawing/2014/main" id="{65DB7AEE-73C7-9F1A-5B34-CF033C9DBB9B}"/>
               </a:ext>
             </a:extLst>
           </p:cNvPr>
@@ -7339,8 +9055,8 @@
         </p:nvSpPr>
         <p:spPr>
           <a:xfrm>
-            <a:off x="7156704" y="6461760"/>
-            <a:ext cx="2615268" cy="276999"/>
+            <a:off x="152400" y="2184400"/>
+            <a:ext cx="3541932" cy="276999"/>
           </a:xfrm>
           <a:prstGeom prst="rect">
             <a:avLst/>
@@ -7354,19 +9070,20 @@
           <a:lstStyle/>
           <a:p>
             <a:r>
-              <a:rPr lang="en-GB" sz="1200" dirty="0" err="1">
-                <a:effectLst/>
-              </a:rPr>
-              <a:t>MCLabelsLeadingMuons_entry_energy</a:t>
-            </a:r>
-            <a:endParaRPr lang="en-DE" sz="1200" dirty="0"/>
+              <a:rPr lang="en-GB" sz="1200" dirty="0"/>
+              <a:t>C</a:t>
+            </a:r>
+            <a:r>
+              <a:rPr lang="en-DE" sz="1200" dirty="0"/>
+              <a:t>ompare MCEq vs. tagging of IceCube CORSIKA step 0</a:t>
+            </a:r>
           </a:p>
         </p:txBody>
       </p:sp>
     </p:spTree>
     <p:extLst>
       <p:ext uri="{BB962C8B-B14F-4D97-AF65-F5344CB8AC3E}">
-        <p14:creationId xmlns:p14="http://schemas.microsoft.com/office/powerpoint/2010/main" val="2629374058"/>
+        <p14:creationId xmlns:p14="http://schemas.microsoft.com/office/powerpoint/2010/main" val="2160092774"/>
       </p:ext>
     </p:extLst>
   </p:cSld>
@@ -7376,7 +9093,7 @@
 </p:sld>
 </file>
 
-<file path=ppt/slides/slide2.xml><?xml version="1.0" encoding="utf-8"?>
+<file path=ppt/slides/slide26.xml><?xml version="1.0" encoding="utf-8"?>
 <p:sld xmlns:a="http://schemas.openxmlformats.org/drawingml/2006/main" xmlns:r="http://schemas.openxmlformats.org/officeDocument/2006/relationships" xmlns:p="http://schemas.openxmlformats.org/presentationml/2006/main">
   <p:cSld>
     <p:spTree>
@@ -7398,7 +9115,7 @@
           <p:cNvPr id="2" name="Title 1">
             <a:extLst>
               <a:ext uri="{FF2B5EF4-FFF2-40B4-BE49-F238E27FC236}">
-                <a16:creationId xmlns:a16="http://schemas.microsoft.com/office/drawing/2014/main" id="{CC907C86-375B-AE75-9CBF-4333576CC82C}"/>
+                <a16:creationId xmlns:a16="http://schemas.microsoft.com/office/drawing/2014/main" id="{41615A8A-3947-D538-C7E7-58A0843577D3}"/>
               </a:ext>
             </a:extLst>
           </p:cNvPr>
@@ -7416,62 +9133,46 @@
           <a:p>
             <a:r>
               <a:rPr lang="en-DE" dirty="0"/>
-              <a:t>Outline</a:t>
-            </a:r>
-          </a:p>
-        </p:txBody>
-      </p:sp>
-      <p:sp>
-        <p:nvSpPr>
-          <p:cNvPr id="3" name="Content Placeholder 2">
-            <a:extLst>
-              <a:ext uri="{FF2B5EF4-FFF2-40B4-BE49-F238E27FC236}">
-                <a16:creationId xmlns:a16="http://schemas.microsoft.com/office/drawing/2014/main" id="{8F4A04AE-D4F5-C1D2-0705-DE3A0E9462D3}"/>
-              </a:ext>
-            </a:extLst>
-          </p:cNvPr>
-          <p:cNvSpPr>
-            <a:spLocks noGrp="1"/>
-          </p:cNvSpPr>
+              <a:t>Angular reconstruction - DNN</a:t>
+            </a:r>
+          </a:p>
+        </p:txBody>
+      </p:sp>
+      <p:pic>
+        <p:nvPicPr>
+          <p:cNvPr id="6" name="Content Placeholder 5" descr="A graph of a graph with different colored lines&#10;&#10;Description automatically generated with medium confidence">
+            <a:extLst>
+              <a:ext uri="{FF2B5EF4-FFF2-40B4-BE49-F238E27FC236}">
+                <a16:creationId xmlns:a16="http://schemas.microsoft.com/office/drawing/2014/main" id="{D69DFB94-6041-6A8B-9C6C-6914D9463478}"/>
+              </a:ext>
+            </a:extLst>
+          </p:cNvPr>
+          <p:cNvPicPr>
+            <a:picLocks noGrp="1" noChangeAspect="1"/>
+          </p:cNvPicPr>
           <p:nvPr>
             <p:ph idx="1"/>
           </p:nvPr>
-        </p:nvSpPr>
-        <p:spPr/>
-        <p:txBody>
-          <a:bodyPr/>
-          <a:lstStyle/>
-          <a:p>
-            <a:r>
-              <a:rPr lang="en-DE" dirty="0"/>
-              <a:t>How many events do we expect? –&gt; Which label shall we use for this? </a:t>
-            </a:r>
-          </a:p>
-          <a:p>
-            <a:pPr lvl="1"/>
-            <a:r>
-              <a:rPr lang="en-GB" dirty="0"/>
-              <a:t>S</a:t>
-            </a:r>
-            <a:r>
-              <a:rPr lang="en-DE" dirty="0"/>
-              <a:t>how effect of filters</a:t>
-            </a:r>
-          </a:p>
-          <a:p>
-            <a:r>
-              <a:rPr lang="en-DE" dirty="0"/>
-              <a:t>What is our prompt definition? –&gt; Why?</a:t>
-            </a:r>
-          </a:p>
-        </p:txBody>
-      </p:sp>
+        </p:nvPicPr>
+        <p:blipFill>
+          <a:blip r:embed="rId2"/>
+          <a:stretch>
+            <a:fillRect/>
+          </a:stretch>
+        </p:blipFill>
+        <p:spPr>
+          <a:xfrm>
+            <a:off x="4490053" y="3871604"/>
+            <a:ext cx="3465005" cy="2484746"/>
+          </a:xfrm>
+        </p:spPr>
+      </p:pic>
       <p:sp>
         <p:nvSpPr>
           <p:cNvPr id="4" name="Slide Number Placeholder 3">
             <a:extLst>
               <a:ext uri="{FF2B5EF4-FFF2-40B4-BE49-F238E27FC236}">
-                <a16:creationId xmlns:a16="http://schemas.microsoft.com/office/drawing/2014/main" id="{AB562296-2CB3-D1DA-0A28-5458F0B26540}"/>
+                <a16:creationId xmlns:a16="http://schemas.microsoft.com/office/drawing/2014/main" id="{D51CC9F2-F496-03D4-8F3A-4AB098C71534}"/>
               </a:ext>
             </a:extLst>
           </p:cNvPr>
@@ -7489,16 +9190,547 @@
           <a:p>
             <a:fld id="{5AE0D498-42EE-5F49-9FFD-85B9B54DD666}" type="slidenum">
               <a:rPr lang="en-DE" smtClean="0"/>
-              <a:t>1</a:t>
+              <a:t>25</a:t>
             </a:fld>
             <a:endParaRPr lang="en-DE"/>
+          </a:p>
+        </p:txBody>
+      </p:sp>
+      <p:pic>
+        <p:nvPicPr>
+          <p:cNvPr id="8" name="Picture 7" descr="A diagram of a graph&#10;&#10;Description automatically generated with medium confidence">
+            <a:extLst>
+              <a:ext uri="{FF2B5EF4-FFF2-40B4-BE49-F238E27FC236}">
+                <a16:creationId xmlns:a16="http://schemas.microsoft.com/office/drawing/2014/main" id="{8219CAEB-DF56-7D49-9B8D-18D61CBB9144}"/>
+              </a:ext>
+            </a:extLst>
+          </p:cNvPr>
+          <p:cNvPicPr>
+            <a:picLocks noChangeAspect="1"/>
+          </p:cNvPicPr>
+          <p:nvPr/>
+        </p:nvPicPr>
+        <p:blipFill>
+          <a:blip r:embed="rId3"/>
+          <a:stretch>
+            <a:fillRect/>
+          </a:stretch>
+        </p:blipFill>
+        <p:spPr>
+          <a:xfrm>
+            <a:off x="4684361" y="1312333"/>
+            <a:ext cx="3458475" cy="2559271"/>
+          </a:xfrm>
+          <a:prstGeom prst="rect">
+            <a:avLst/>
+          </a:prstGeom>
+        </p:spPr>
+      </p:pic>
+      <p:pic>
+        <p:nvPicPr>
+          <p:cNvPr id="10" name="Picture 9" descr="A comparison of different angles&#10;&#10;Description automatically generated">
+            <a:extLst>
+              <a:ext uri="{FF2B5EF4-FFF2-40B4-BE49-F238E27FC236}">
+                <a16:creationId xmlns:a16="http://schemas.microsoft.com/office/drawing/2014/main" id="{B278D64E-3820-2EED-DE52-646C7F4C829F}"/>
+              </a:ext>
+            </a:extLst>
+          </p:cNvPr>
+          <p:cNvPicPr>
+            <a:picLocks noChangeAspect="1"/>
+          </p:cNvPicPr>
+          <p:nvPr/>
+        </p:nvPicPr>
+        <p:blipFill>
+          <a:blip r:embed="rId4"/>
+          <a:stretch>
+            <a:fillRect/>
+          </a:stretch>
+        </p:blipFill>
+        <p:spPr>
+          <a:xfrm>
+            <a:off x="8075103" y="1235148"/>
+            <a:ext cx="3331008" cy="5121202"/>
+          </a:xfrm>
+          <a:prstGeom prst="rect">
+            <a:avLst/>
+          </a:prstGeom>
+        </p:spPr>
+      </p:pic>
+      <p:sp>
+        <p:nvSpPr>
+          <p:cNvPr id="11" name="TextBox 10">
+            <a:extLst>
+              <a:ext uri="{FF2B5EF4-FFF2-40B4-BE49-F238E27FC236}">
+                <a16:creationId xmlns:a16="http://schemas.microsoft.com/office/drawing/2014/main" id="{E80513BB-58DF-D8F1-CEE1-D5A21B84F3AB}"/>
+              </a:ext>
+            </a:extLst>
+          </p:cNvPr>
+          <p:cNvSpPr txBox="1"/>
+          <p:nvPr/>
+        </p:nvSpPr>
+        <p:spPr>
+          <a:xfrm>
+            <a:off x="9933218" y="958149"/>
+            <a:ext cx="1420582" cy="276999"/>
+          </a:xfrm>
+          <a:prstGeom prst="rect">
+            <a:avLst/>
+          </a:prstGeom>
+          <a:noFill/>
+        </p:spPr>
+        <p:txBody>
+          <a:bodyPr wrap="square" rtlCol="0">
+            <a:spAutoFit/>
+          </a:bodyPr>
+          <a:lstStyle/>
+          <a:p>
+            <a:r>
+              <a:rPr lang="en-GB" sz="1200" dirty="0"/>
+              <a:t>C</a:t>
+            </a:r>
+            <a:r>
+              <a:rPr lang="en-DE" sz="1200" dirty="0"/>
+              <a:t>leaned pulses: 6µs</a:t>
+            </a:r>
           </a:p>
         </p:txBody>
       </p:sp>
     </p:spTree>
     <p:extLst>
       <p:ext uri="{BB962C8B-B14F-4D97-AF65-F5344CB8AC3E}">
-        <p14:creationId xmlns:p14="http://schemas.microsoft.com/office/powerpoint/2010/main" val="1644632516"/>
+        <p14:creationId xmlns:p14="http://schemas.microsoft.com/office/powerpoint/2010/main" val="3179979379"/>
+      </p:ext>
+    </p:extLst>
+  </p:cSld>
+  <p:clrMapOvr>
+    <a:masterClrMapping/>
+  </p:clrMapOvr>
+</p:sld>
+</file>
+
+<file path=ppt/slides/slide27.xml><?xml version="1.0" encoding="utf-8"?>
+<p:sld xmlns:a="http://schemas.openxmlformats.org/drawingml/2006/main" xmlns:r="http://schemas.openxmlformats.org/officeDocument/2006/relationships" xmlns:p="http://schemas.openxmlformats.org/presentationml/2006/main">
+  <p:cSld>
+    <p:spTree>
+      <p:nvGrpSpPr>
+        <p:cNvPr id="1" name=""/>
+        <p:cNvGrpSpPr/>
+        <p:nvPr/>
+      </p:nvGrpSpPr>
+      <p:grpSpPr>
+        <a:xfrm>
+          <a:off x="0" y="0"/>
+          <a:ext cx="0" cy="0"/>
+          <a:chOff x="0" y="0"/>
+          <a:chExt cx="0" cy="0"/>
+        </a:xfrm>
+      </p:grpSpPr>
+      <p:sp>
+        <p:nvSpPr>
+          <p:cNvPr id="2" name="Title 1">
+            <a:extLst>
+              <a:ext uri="{FF2B5EF4-FFF2-40B4-BE49-F238E27FC236}">
+                <a16:creationId xmlns:a16="http://schemas.microsoft.com/office/drawing/2014/main" id="{148F1454-CA65-914F-65EF-5FA6E799F899}"/>
+              </a:ext>
+            </a:extLst>
+          </p:cNvPr>
+          <p:cNvSpPr>
+            <a:spLocks noGrp="1"/>
+          </p:cNvSpPr>
+          <p:nvPr>
+            <p:ph type="title"/>
+          </p:nvPr>
+        </p:nvSpPr>
+        <p:spPr/>
+        <p:txBody>
+          <a:bodyPr/>
+          <a:lstStyle/>
+          <a:p>
+            <a:r>
+              <a:rPr lang="en-DE" dirty="0"/>
+              <a:t>Energy reconstruction - DNN</a:t>
+            </a:r>
+          </a:p>
+        </p:txBody>
+      </p:sp>
+      <p:pic>
+        <p:nvPicPr>
+          <p:cNvPr id="6" name="Content Placeholder 5" descr="A graph of a graph showing a line of energy&#10;&#10;Description automatically generated with medium confidence">
+            <a:extLst>
+              <a:ext uri="{FF2B5EF4-FFF2-40B4-BE49-F238E27FC236}">
+                <a16:creationId xmlns:a16="http://schemas.microsoft.com/office/drawing/2014/main" id="{E6176934-289F-9D19-DE39-C7CB4E8543D9}"/>
+              </a:ext>
+            </a:extLst>
+          </p:cNvPr>
+          <p:cNvPicPr>
+            <a:picLocks noGrp="1" noChangeAspect="1"/>
+          </p:cNvPicPr>
+          <p:nvPr>
+            <p:ph idx="1"/>
+          </p:nvPr>
+        </p:nvPicPr>
+        <p:blipFill>
+          <a:blip r:embed="rId2"/>
+          <a:stretch>
+            <a:fillRect/>
+          </a:stretch>
+        </p:blipFill>
+        <p:spPr>
+          <a:xfrm>
+            <a:off x="0" y="2450835"/>
+            <a:ext cx="4090019" cy="3260160"/>
+          </a:xfrm>
+        </p:spPr>
+      </p:pic>
+      <p:sp>
+        <p:nvSpPr>
+          <p:cNvPr id="4" name="Slide Number Placeholder 3">
+            <a:extLst>
+              <a:ext uri="{FF2B5EF4-FFF2-40B4-BE49-F238E27FC236}">
+                <a16:creationId xmlns:a16="http://schemas.microsoft.com/office/drawing/2014/main" id="{EDC3DBBE-DCDA-80E0-5903-510480167886}"/>
+              </a:ext>
+            </a:extLst>
+          </p:cNvPr>
+          <p:cNvSpPr>
+            <a:spLocks noGrp="1"/>
+          </p:cNvSpPr>
+          <p:nvPr>
+            <p:ph type="sldNum" sz="quarter" idx="12"/>
+          </p:nvPr>
+        </p:nvSpPr>
+        <p:spPr/>
+        <p:txBody>
+          <a:bodyPr/>
+          <a:lstStyle/>
+          <a:p>
+            <a:fld id="{5AE0D498-42EE-5F49-9FFD-85B9B54DD666}" type="slidenum">
+              <a:rPr lang="en-DE" smtClean="0"/>
+              <a:t>26</a:t>
+            </a:fld>
+            <a:endParaRPr lang="en-DE"/>
+          </a:p>
+        </p:txBody>
+      </p:sp>
+      <p:sp>
+        <p:nvSpPr>
+          <p:cNvPr id="7" name="TextBox 6">
+            <a:extLst>
+              <a:ext uri="{FF2B5EF4-FFF2-40B4-BE49-F238E27FC236}">
+                <a16:creationId xmlns:a16="http://schemas.microsoft.com/office/drawing/2014/main" id="{6B2AA54D-EDFC-1374-058D-CF4A54094F32}"/>
+              </a:ext>
+            </a:extLst>
+          </p:cNvPr>
+          <p:cNvSpPr txBox="1"/>
+          <p:nvPr/>
+        </p:nvSpPr>
+        <p:spPr>
+          <a:xfrm>
+            <a:off x="2269353" y="2379135"/>
+            <a:ext cx="1534331" cy="276999"/>
+          </a:xfrm>
+          <a:prstGeom prst="rect">
+            <a:avLst/>
+          </a:prstGeom>
+          <a:noFill/>
+        </p:spPr>
+        <p:txBody>
+          <a:bodyPr wrap="none" rtlCol="0">
+            <a:spAutoFit/>
+          </a:bodyPr>
+          <a:lstStyle/>
+          <a:p>
+            <a:r>
+              <a:rPr lang="en-GB" sz="1200" dirty="0"/>
+              <a:t>U</a:t>
+            </a:r>
+            <a:r>
+              <a:rPr lang="en-DE" sz="1200" dirty="0"/>
+              <a:t>ncertainty cut: &lt; 0.5</a:t>
+            </a:r>
+          </a:p>
+        </p:txBody>
+      </p:sp>
+      <p:pic>
+        <p:nvPicPr>
+          <p:cNvPr id="9" name="Picture 8" descr="A diagram of a graph&#10;&#10;Description automatically generated">
+            <a:extLst>
+              <a:ext uri="{FF2B5EF4-FFF2-40B4-BE49-F238E27FC236}">
+                <a16:creationId xmlns:a16="http://schemas.microsoft.com/office/drawing/2014/main" id="{1A1BE2D3-2982-A1E5-581B-E908BA479069}"/>
+              </a:ext>
+            </a:extLst>
+          </p:cNvPr>
+          <p:cNvPicPr>
+            <a:picLocks noChangeAspect="1"/>
+          </p:cNvPicPr>
+          <p:nvPr/>
+        </p:nvPicPr>
+        <p:blipFill>
+          <a:blip r:embed="rId3"/>
+          <a:stretch>
+            <a:fillRect/>
+          </a:stretch>
+        </p:blipFill>
+        <p:spPr>
+          <a:xfrm>
+            <a:off x="4050990" y="2450835"/>
+            <a:ext cx="4090019" cy="3235468"/>
+          </a:xfrm>
+          <a:prstGeom prst="rect">
+            <a:avLst/>
+          </a:prstGeom>
+        </p:spPr>
+      </p:pic>
+      <p:sp>
+        <p:nvSpPr>
+          <p:cNvPr id="10" name="Oval 9">
+            <a:extLst>
+              <a:ext uri="{FF2B5EF4-FFF2-40B4-BE49-F238E27FC236}">
+                <a16:creationId xmlns:a16="http://schemas.microsoft.com/office/drawing/2014/main" id="{C078BC61-D0CE-8CC2-6D09-06A010C50C10}"/>
+              </a:ext>
+            </a:extLst>
+          </p:cNvPr>
+          <p:cNvSpPr/>
+          <p:nvPr/>
+        </p:nvSpPr>
+        <p:spPr>
+          <a:xfrm>
+            <a:off x="5849789" y="3059768"/>
+            <a:ext cx="951009" cy="738464"/>
+          </a:xfrm>
+          <a:prstGeom prst="ellipse">
+            <a:avLst/>
+          </a:prstGeom>
+          <a:noFill/>
+          <a:ln w="19050">
+            <a:solidFill>
+              <a:srgbClr val="C00000"/>
+            </a:solidFill>
+          </a:ln>
+        </p:spPr>
+        <p:style>
+          <a:lnRef idx="2">
+            <a:schemeClr val="accent1">
+              <a:shade val="15000"/>
+            </a:schemeClr>
+          </a:lnRef>
+          <a:fillRef idx="1">
+            <a:schemeClr val="accent1"/>
+          </a:fillRef>
+          <a:effectRef idx="0">
+            <a:schemeClr val="accent1"/>
+          </a:effectRef>
+          <a:fontRef idx="minor">
+            <a:schemeClr val="lt1"/>
+          </a:fontRef>
+        </p:style>
+        <p:txBody>
+          <a:bodyPr rtlCol="0" anchor="ctr"/>
+          <a:lstStyle/>
+          <a:p>
+            <a:pPr algn="ctr"/>
+            <a:endParaRPr lang="en-DE"/>
+          </a:p>
+        </p:txBody>
+      </p:sp>
+      <p:pic>
+        <p:nvPicPr>
+          <p:cNvPr id="12" name="Picture 11" descr="A diagram of a graph&#10;&#10;Description automatically generated">
+            <a:extLst>
+              <a:ext uri="{FF2B5EF4-FFF2-40B4-BE49-F238E27FC236}">
+                <a16:creationId xmlns:a16="http://schemas.microsoft.com/office/drawing/2014/main" id="{9467D37F-565E-4F01-EA7A-82DE6F963176}"/>
+              </a:ext>
+            </a:extLst>
+          </p:cNvPr>
+          <p:cNvPicPr>
+            <a:picLocks noChangeAspect="1"/>
+          </p:cNvPicPr>
+          <p:nvPr/>
+        </p:nvPicPr>
+        <p:blipFill>
+          <a:blip r:embed="rId4"/>
+          <a:stretch>
+            <a:fillRect/>
+          </a:stretch>
+        </p:blipFill>
+        <p:spPr>
+          <a:xfrm>
+            <a:off x="8074343" y="2450835"/>
+            <a:ext cx="4103936" cy="3235468"/>
+          </a:xfrm>
+          <a:prstGeom prst="rect">
+            <a:avLst/>
+          </a:prstGeom>
+        </p:spPr>
+      </p:pic>
+      <p:sp>
+        <p:nvSpPr>
+          <p:cNvPr id="13" name="TextBox 12">
+            <a:extLst>
+              <a:ext uri="{FF2B5EF4-FFF2-40B4-BE49-F238E27FC236}">
+                <a16:creationId xmlns:a16="http://schemas.microsoft.com/office/drawing/2014/main" id="{87AFB722-C059-EB9A-E3B8-B36F77146797}"/>
+              </a:ext>
+            </a:extLst>
+          </p:cNvPr>
+          <p:cNvSpPr txBox="1"/>
+          <p:nvPr/>
+        </p:nvSpPr>
+        <p:spPr>
+          <a:xfrm>
+            <a:off x="6444822" y="2312335"/>
+            <a:ext cx="598241" cy="276999"/>
+          </a:xfrm>
+          <a:prstGeom prst="rect">
+            <a:avLst/>
+          </a:prstGeom>
+          <a:noFill/>
+        </p:spPr>
+        <p:txBody>
+          <a:bodyPr wrap="none" rtlCol="0">
+            <a:spAutoFit/>
+          </a:bodyPr>
+          <a:lstStyle/>
+          <a:p>
+            <a:r>
+              <a:rPr lang="en-GB" sz="1200" dirty="0"/>
+              <a:t>N</a:t>
+            </a:r>
+            <a:r>
+              <a:rPr lang="en-DE" sz="1200" dirty="0"/>
+              <a:t>o cut</a:t>
+            </a:r>
+          </a:p>
+        </p:txBody>
+      </p:sp>
+      <p:sp>
+        <p:nvSpPr>
+          <p:cNvPr id="14" name="TextBox 13">
+            <a:extLst>
+              <a:ext uri="{FF2B5EF4-FFF2-40B4-BE49-F238E27FC236}">
+                <a16:creationId xmlns:a16="http://schemas.microsoft.com/office/drawing/2014/main" id="{32D93826-0D66-53FC-F2D3-A54B33A4BF6E}"/>
+              </a:ext>
+            </a:extLst>
+          </p:cNvPr>
+          <p:cNvSpPr txBox="1"/>
+          <p:nvPr/>
+        </p:nvSpPr>
+        <p:spPr>
+          <a:xfrm>
+            <a:off x="10735144" y="2312335"/>
+            <a:ext cx="1390189" cy="276999"/>
+          </a:xfrm>
+          <a:prstGeom prst="rect">
+            <a:avLst/>
+          </a:prstGeom>
+          <a:noFill/>
+        </p:spPr>
+        <p:txBody>
+          <a:bodyPr wrap="none" rtlCol="0">
+            <a:spAutoFit/>
+          </a:bodyPr>
+          <a:lstStyle/>
+          <a:p>
+            <a:r>
+              <a:rPr lang="en-DE" sz="1200" dirty="0"/>
+              <a:t>leading fraction cut</a:t>
+            </a:r>
+          </a:p>
+        </p:txBody>
+      </p:sp>
+      <p:sp>
+        <p:nvSpPr>
+          <p:cNvPr id="15" name="Oval 14">
+            <a:extLst>
+              <a:ext uri="{FF2B5EF4-FFF2-40B4-BE49-F238E27FC236}">
+                <a16:creationId xmlns:a16="http://schemas.microsoft.com/office/drawing/2014/main" id="{966271B7-EFBF-5A05-0701-C6A3B60AA0EA}"/>
+              </a:ext>
+            </a:extLst>
+          </p:cNvPr>
+          <p:cNvSpPr/>
+          <p:nvPr/>
+        </p:nvSpPr>
+        <p:spPr>
+          <a:xfrm rot="2767695">
+            <a:off x="9906872" y="2744780"/>
+            <a:ext cx="624520" cy="1578576"/>
+          </a:xfrm>
+          <a:prstGeom prst="ellipse">
+            <a:avLst/>
+          </a:prstGeom>
+          <a:noFill/>
+          <a:ln w="19050">
+            <a:solidFill>
+              <a:srgbClr val="C00000"/>
+            </a:solidFill>
+          </a:ln>
+        </p:spPr>
+        <p:style>
+          <a:lnRef idx="2">
+            <a:schemeClr val="accent1">
+              <a:shade val="15000"/>
+            </a:schemeClr>
+          </a:lnRef>
+          <a:fillRef idx="1">
+            <a:schemeClr val="accent1"/>
+          </a:fillRef>
+          <a:effectRef idx="0">
+            <a:schemeClr val="accent1"/>
+          </a:effectRef>
+          <a:fontRef idx="minor">
+            <a:schemeClr val="lt1"/>
+          </a:fontRef>
+        </p:style>
+        <p:txBody>
+          <a:bodyPr rtlCol="0" anchor="ctr"/>
+          <a:lstStyle/>
+          <a:p>
+            <a:pPr algn="ctr"/>
+            <a:endParaRPr lang="en-DE"/>
+          </a:p>
+        </p:txBody>
+      </p:sp>
+      <p:sp>
+        <p:nvSpPr>
+          <p:cNvPr id="16" name="TextBox 15">
+            <a:extLst>
+              <a:ext uri="{FF2B5EF4-FFF2-40B4-BE49-F238E27FC236}">
+                <a16:creationId xmlns:a16="http://schemas.microsoft.com/office/drawing/2014/main" id="{5364CBFA-A033-A0FB-9185-2ED8A12BBB33}"/>
+              </a:ext>
+            </a:extLst>
+          </p:cNvPr>
+          <p:cNvSpPr txBox="1"/>
+          <p:nvPr/>
+        </p:nvSpPr>
+        <p:spPr>
+          <a:xfrm>
+            <a:off x="8141009" y="6356350"/>
+            <a:ext cx="2650277" cy="276999"/>
+          </a:xfrm>
+          <a:prstGeom prst="rect">
+            <a:avLst/>
+          </a:prstGeom>
+          <a:noFill/>
+        </p:spPr>
+        <p:txBody>
+          <a:bodyPr wrap="none" rtlCol="0">
+            <a:spAutoFit/>
+          </a:bodyPr>
+          <a:lstStyle/>
+          <a:p>
+            <a:r>
+              <a:rPr lang="en-GB" sz="1200" dirty="0"/>
+              <a:t>Test: t</a:t>
+            </a:r>
+            <a:r>
+              <a:rPr lang="en-DE" sz="1200" dirty="0"/>
+              <a:t>rain on leading muon energy only</a:t>
+            </a:r>
+          </a:p>
+        </p:txBody>
+      </p:sp>
+    </p:spTree>
+    <p:extLst>
+      <p:ext uri="{BB962C8B-B14F-4D97-AF65-F5344CB8AC3E}">
+        <p14:creationId xmlns:p14="http://schemas.microsoft.com/office/powerpoint/2010/main" val="1418937383"/>
       </p:ext>
     </p:extLst>
   </p:cSld>
@@ -7867,6 +10099,55 @@
               <a:t>2</a:t>
             </a:fld>
             <a:endParaRPr lang="en-DE"/>
+          </a:p>
+        </p:txBody>
+      </p:sp>
+      <p:sp>
+        <p:nvSpPr>
+          <p:cNvPr id="3" name="TextBox 2">
+            <a:extLst>
+              <a:ext uri="{FF2B5EF4-FFF2-40B4-BE49-F238E27FC236}">
+                <a16:creationId xmlns:a16="http://schemas.microsoft.com/office/drawing/2014/main" id="{3BA828CD-BDFA-E498-F77F-5BE778B546DB}"/>
+              </a:ext>
+            </a:extLst>
+          </p:cNvPr>
+          <p:cNvSpPr txBox="1"/>
+          <p:nvPr/>
+        </p:nvSpPr>
+        <p:spPr>
+          <a:xfrm>
+            <a:off x="10716046" y="2844872"/>
+            <a:ext cx="1145826" cy="461665"/>
+          </a:xfrm>
+          <a:prstGeom prst="rect">
+            <a:avLst/>
+          </a:prstGeom>
+          <a:noFill/>
+        </p:spPr>
+        <p:txBody>
+          <a:bodyPr wrap="none" rtlCol="0">
+            <a:spAutoFit/>
+          </a:bodyPr>
+          <a:lstStyle/>
+          <a:p>
+            <a:r>
+              <a:rPr lang="en-GB" sz="1200" dirty="0"/>
+              <a:t>d</a:t>
+            </a:r>
+            <a:r>
+              <a:rPr lang="en-DE" sz="1200" dirty="0"/>
+              <a:t>ashed: conv</a:t>
+            </a:r>
+          </a:p>
+          <a:p>
+            <a:r>
+              <a:rPr lang="en-GB" sz="1200" dirty="0"/>
+              <a:t>d</a:t>
+            </a:r>
+            <a:r>
+              <a:rPr lang="en-DE" sz="1200" dirty="0"/>
+              <a:t>otted: prompt</a:t>
+            </a:r>
           </a:p>
         </p:txBody>
       </p:sp>
@@ -9216,6 +11497,344 @@
 <file path=ppt/slides/slide6.xml><?xml version="1.0" encoding="utf-8"?>
 <p:sld xmlns:a="http://schemas.openxmlformats.org/drawingml/2006/main" xmlns:r="http://schemas.openxmlformats.org/officeDocument/2006/relationships" xmlns:p="http://schemas.openxmlformats.org/presentationml/2006/main">
   <p:cSld>
+    <p:spTree>
+      <p:nvGrpSpPr>
+        <p:cNvPr id="1" name=""/>
+        <p:cNvGrpSpPr/>
+        <p:nvPr/>
+      </p:nvGrpSpPr>
+      <p:grpSpPr>
+        <a:xfrm>
+          <a:off x="0" y="0"/>
+          <a:ext cx="0" cy="0"/>
+          <a:chOff x="0" y="0"/>
+          <a:chExt cx="0" cy="0"/>
+        </a:xfrm>
+      </p:grpSpPr>
+      <p:sp>
+        <p:nvSpPr>
+          <p:cNvPr id="2" name="Title 1">
+            <a:extLst>
+              <a:ext uri="{FF2B5EF4-FFF2-40B4-BE49-F238E27FC236}">
+                <a16:creationId xmlns:a16="http://schemas.microsoft.com/office/drawing/2014/main" id="{75A4E8C3-05A1-ACDC-A19F-CAE0FF3937F2}"/>
+              </a:ext>
+            </a:extLst>
+          </p:cNvPr>
+          <p:cNvSpPr>
+            <a:spLocks noGrp="1"/>
+          </p:cNvSpPr>
+          <p:nvPr>
+            <p:ph type="title"/>
+          </p:nvPr>
+        </p:nvSpPr>
+        <p:spPr/>
+        <p:txBody>
+          <a:bodyPr/>
+          <a:lstStyle/>
+          <a:p>
+            <a:r>
+              <a:rPr lang="en-DE" dirty="0"/>
+              <a:t>Leading muon fraction</a:t>
+            </a:r>
+          </a:p>
+        </p:txBody>
+      </p:sp>
+      <p:pic>
+        <p:nvPicPr>
+          <p:cNvPr id="6" name="Content Placeholder 5">
+            <a:extLst>
+              <a:ext uri="{FF2B5EF4-FFF2-40B4-BE49-F238E27FC236}">
+                <a16:creationId xmlns:a16="http://schemas.microsoft.com/office/drawing/2014/main" id="{E11E61D3-E4FF-ED12-62A7-EE71A8DBEC14}"/>
+              </a:ext>
+            </a:extLst>
+          </p:cNvPr>
+          <p:cNvPicPr>
+            <a:picLocks noGrp="1" noChangeAspect="1"/>
+          </p:cNvPicPr>
+          <p:nvPr>
+            <p:ph idx="1"/>
+          </p:nvPr>
+        </p:nvPicPr>
+        <p:blipFill>
+          <a:blip r:embed="rId2"/>
+          <a:stretch>
+            <a:fillRect/>
+          </a:stretch>
+        </p:blipFill>
+        <p:spPr>
+          <a:xfrm>
+            <a:off x="4402666" y="1690688"/>
+            <a:ext cx="6815667" cy="4718539"/>
+          </a:xfrm>
+        </p:spPr>
+      </p:pic>
+      <p:sp>
+        <p:nvSpPr>
+          <p:cNvPr id="4" name="Slide Number Placeholder 3">
+            <a:extLst>
+              <a:ext uri="{FF2B5EF4-FFF2-40B4-BE49-F238E27FC236}">
+                <a16:creationId xmlns:a16="http://schemas.microsoft.com/office/drawing/2014/main" id="{972C638F-29F0-BA35-224E-9D857389212F}"/>
+              </a:ext>
+            </a:extLst>
+          </p:cNvPr>
+          <p:cNvSpPr>
+            <a:spLocks noGrp="1"/>
+          </p:cNvSpPr>
+          <p:nvPr>
+            <p:ph type="sldNum" sz="quarter" idx="12"/>
+          </p:nvPr>
+        </p:nvSpPr>
+        <p:spPr/>
+        <p:txBody>
+          <a:bodyPr/>
+          <a:lstStyle/>
+          <a:p>
+            <a:fld id="{5AE0D498-42EE-5F49-9FFD-85B9B54DD666}" type="slidenum">
+              <a:rPr lang="en-DE" smtClean="0"/>
+              <a:t>5</a:t>
+            </a:fld>
+            <a:endParaRPr lang="en-DE"/>
+          </a:p>
+        </p:txBody>
+      </p:sp>
+      <p:pic>
+        <p:nvPicPr>
+          <p:cNvPr id="8" name="Picture 7" descr="A graph with red lines and black dots&#10;&#10;Description automatically generated">
+            <a:extLst>
+              <a:ext uri="{FF2B5EF4-FFF2-40B4-BE49-F238E27FC236}">
+                <a16:creationId xmlns:a16="http://schemas.microsoft.com/office/drawing/2014/main" id="{A3A1A0F4-7497-5850-FC07-395632148395}"/>
+              </a:ext>
+            </a:extLst>
+          </p:cNvPr>
+          <p:cNvPicPr>
+            <a:picLocks noChangeAspect="1"/>
+          </p:cNvPicPr>
+          <p:nvPr/>
+        </p:nvPicPr>
+        <p:blipFill>
+          <a:blip r:embed="rId3"/>
+          <a:stretch>
+            <a:fillRect/>
+          </a:stretch>
+        </p:blipFill>
+        <p:spPr>
+          <a:xfrm>
+            <a:off x="397522" y="1690688"/>
+            <a:ext cx="3342627" cy="2887133"/>
+          </a:xfrm>
+          <a:prstGeom prst="rect">
+            <a:avLst/>
+          </a:prstGeom>
+        </p:spPr>
+      </p:pic>
+      <p:sp>
+        <p:nvSpPr>
+          <p:cNvPr id="9" name="TextBox 8">
+            <a:extLst>
+              <a:ext uri="{FF2B5EF4-FFF2-40B4-BE49-F238E27FC236}">
+                <a16:creationId xmlns:a16="http://schemas.microsoft.com/office/drawing/2014/main" id="{CDFFBED2-F304-EA20-1346-C6B54152E4BA}"/>
+              </a:ext>
+            </a:extLst>
+          </p:cNvPr>
+          <p:cNvSpPr txBox="1"/>
+          <p:nvPr/>
+        </p:nvSpPr>
+        <p:spPr>
+          <a:xfrm>
+            <a:off x="534290" y="5538983"/>
+            <a:ext cx="2564998" cy="461665"/>
+          </a:xfrm>
+          <a:prstGeom prst="rect">
+            <a:avLst/>
+          </a:prstGeom>
+          <a:noFill/>
+        </p:spPr>
+        <p:txBody>
+          <a:bodyPr wrap="none" rtlCol="0">
+            <a:spAutoFit/>
+          </a:bodyPr>
+          <a:lstStyle/>
+          <a:p>
+            <a:r>
+              <a:rPr lang="en-DE" sz="1200" dirty="0"/>
+              <a:t>What happens at energies &lt; 1e5 GeV?</a:t>
+            </a:r>
+          </a:p>
+          <a:p>
+            <a:endParaRPr lang="en-DE" sz="1200" dirty="0"/>
+          </a:p>
+        </p:txBody>
+      </p:sp>
+    </p:spTree>
+    <p:extLst>
+      <p:ext uri="{BB962C8B-B14F-4D97-AF65-F5344CB8AC3E}">
+        <p14:creationId xmlns:p14="http://schemas.microsoft.com/office/powerpoint/2010/main" val="4119613317"/>
+      </p:ext>
+    </p:extLst>
+  </p:cSld>
+  <p:clrMapOvr>
+    <a:masterClrMapping/>
+  </p:clrMapOvr>
+</p:sld>
+</file>
+
+<file path=ppt/slides/slide7.xml><?xml version="1.0" encoding="utf-8"?>
+<p:sld xmlns:a="http://schemas.openxmlformats.org/drawingml/2006/main" xmlns:r="http://schemas.openxmlformats.org/officeDocument/2006/relationships" xmlns:p="http://schemas.openxmlformats.org/presentationml/2006/main">
+  <p:cSld>
+    <p:spTree>
+      <p:nvGrpSpPr>
+        <p:cNvPr id="1" name=""/>
+        <p:cNvGrpSpPr/>
+        <p:nvPr/>
+      </p:nvGrpSpPr>
+      <p:grpSpPr>
+        <a:xfrm>
+          <a:off x="0" y="0"/>
+          <a:ext cx="0" cy="0"/>
+          <a:chOff x="0" y="0"/>
+          <a:chExt cx="0" cy="0"/>
+        </a:xfrm>
+      </p:grpSpPr>
+      <p:sp>
+        <p:nvSpPr>
+          <p:cNvPr id="2" name="Title 1">
+            <a:extLst>
+              <a:ext uri="{FF2B5EF4-FFF2-40B4-BE49-F238E27FC236}">
+                <a16:creationId xmlns:a16="http://schemas.microsoft.com/office/drawing/2014/main" id="{CA94A3C2-60B1-38FB-50B9-4F47A6192F8B}"/>
+              </a:ext>
+            </a:extLst>
+          </p:cNvPr>
+          <p:cNvSpPr>
+            <a:spLocks noGrp="1"/>
+          </p:cNvSpPr>
+          <p:nvPr>
+            <p:ph type="title"/>
+          </p:nvPr>
+        </p:nvSpPr>
+        <p:spPr/>
+        <p:txBody>
+          <a:bodyPr/>
+          <a:lstStyle/>
+          <a:p>
+            <a:r>
+              <a:rPr lang="en-DE" dirty="0"/>
+              <a:t>Filter – total flux</a:t>
+            </a:r>
+          </a:p>
+        </p:txBody>
+      </p:sp>
+      <p:pic>
+        <p:nvPicPr>
+          <p:cNvPr id="5" name="Content Placeholder 4">
+            <a:extLst>
+              <a:ext uri="{FF2B5EF4-FFF2-40B4-BE49-F238E27FC236}">
+                <a16:creationId xmlns:a16="http://schemas.microsoft.com/office/drawing/2014/main" id="{30612184-00FB-4A4E-4C02-7B1077F39C03}"/>
+              </a:ext>
+            </a:extLst>
+          </p:cNvPr>
+          <p:cNvPicPr>
+            <a:picLocks noGrp="1" noChangeAspect="1"/>
+          </p:cNvPicPr>
+          <p:nvPr>
+            <p:ph idx="1"/>
+          </p:nvPr>
+        </p:nvPicPr>
+        <p:blipFill>
+          <a:blip r:embed="rId2"/>
+          <a:stretch>
+            <a:fillRect/>
+          </a:stretch>
+        </p:blipFill>
+        <p:spPr>
+          <a:xfrm>
+            <a:off x="2659888" y="1690688"/>
+            <a:ext cx="6350000" cy="4433019"/>
+          </a:xfrm>
+        </p:spPr>
+      </p:pic>
+      <p:sp>
+        <p:nvSpPr>
+          <p:cNvPr id="4" name="Slide Number Placeholder 3">
+            <a:extLst>
+              <a:ext uri="{FF2B5EF4-FFF2-40B4-BE49-F238E27FC236}">
+                <a16:creationId xmlns:a16="http://schemas.microsoft.com/office/drawing/2014/main" id="{BBFED6A0-F0E0-509C-36AC-10200B8E8352}"/>
+              </a:ext>
+            </a:extLst>
+          </p:cNvPr>
+          <p:cNvSpPr>
+            <a:spLocks noGrp="1"/>
+          </p:cNvSpPr>
+          <p:nvPr>
+            <p:ph type="sldNum" sz="quarter" idx="12"/>
+          </p:nvPr>
+        </p:nvSpPr>
+        <p:spPr/>
+        <p:txBody>
+          <a:bodyPr/>
+          <a:lstStyle/>
+          <a:p>
+            <a:fld id="{5AE0D498-42EE-5F49-9FFD-85B9B54DD666}" type="slidenum">
+              <a:rPr lang="en-DE" smtClean="0"/>
+              <a:t>6</a:t>
+            </a:fld>
+            <a:endParaRPr lang="en-DE"/>
+          </a:p>
+        </p:txBody>
+      </p:sp>
+      <p:sp>
+        <p:nvSpPr>
+          <p:cNvPr id="6" name="TextBox 5">
+            <a:extLst>
+              <a:ext uri="{FF2B5EF4-FFF2-40B4-BE49-F238E27FC236}">
+                <a16:creationId xmlns:a16="http://schemas.microsoft.com/office/drawing/2014/main" id="{7FE43D0E-8B19-3507-58C0-E21E766F87D1}"/>
+              </a:ext>
+            </a:extLst>
+          </p:cNvPr>
+          <p:cNvSpPr txBox="1"/>
+          <p:nvPr/>
+        </p:nvSpPr>
+        <p:spPr>
+          <a:xfrm>
+            <a:off x="7156704" y="6461760"/>
+            <a:ext cx="2615268" cy="276999"/>
+          </a:xfrm>
+          <a:prstGeom prst="rect">
+            <a:avLst/>
+          </a:prstGeom>
+          <a:noFill/>
+        </p:spPr>
+        <p:txBody>
+          <a:bodyPr wrap="none" rtlCol="0">
+            <a:spAutoFit/>
+          </a:bodyPr>
+          <a:lstStyle/>
+          <a:p>
+            <a:r>
+              <a:rPr lang="en-GB" sz="1200" dirty="0" err="1">
+                <a:effectLst/>
+              </a:rPr>
+              <a:t>MCLabelsLeadingMuons_entry_energy</a:t>
+            </a:r>
+            <a:endParaRPr lang="en-DE" sz="1200" dirty="0"/>
+          </a:p>
+        </p:txBody>
+      </p:sp>
+    </p:spTree>
+    <p:extLst>
+      <p:ext uri="{BB962C8B-B14F-4D97-AF65-F5344CB8AC3E}">
+        <p14:creationId xmlns:p14="http://schemas.microsoft.com/office/powerpoint/2010/main" val="2629374058"/>
+      </p:ext>
+    </p:extLst>
+  </p:cSld>
+  <p:clrMapOvr>
+    <a:masterClrMapping/>
+  </p:clrMapOvr>
+</p:sld>
+</file>
+
+<file path=ppt/slides/slide8.xml><?xml version="1.0" encoding="utf-8"?>
+<p:sld xmlns:a="http://schemas.openxmlformats.org/drawingml/2006/main" xmlns:r="http://schemas.openxmlformats.org/officeDocument/2006/relationships" xmlns:p="http://schemas.openxmlformats.org/presentationml/2006/main">
+  <p:cSld>
     <p:bg>
       <p:bgPr>
         <a:solidFill>
@@ -9447,7 +12066,7 @@
                   <a:spcPts val="600"/>
                 </a:spcAft>
               </a:pPr>
-              <a:t>5</a:t>
+              <a:t>7</a:t>
             </a:fld>
             <a:endParaRPr lang="en-US"/>
           </a:p>
@@ -9724,368 +12343,6 @@
 </p:sld>
 </file>
 
-<file path=ppt/slides/slide7.xml><?xml version="1.0" encoding="utf-8"?>
-<p:sld xmlns:a="http://schemas.openxmlformats.org/drawingml/2006/main" xmlns:r="http://schemas.openxmlformats.org/officeDocument/2006/relationships" xmlns:p="http://schemas.openxmlformats.org/presentationml/2006/main">
-  <p:cSld>
-    <p:spTree>
-      <p:nvGrpSpPr>
-        <p:cNvPr id="1" name=""/>
-        <p:cNvGrpSpPr/>
-        <p:nvPr/>
-      </p:nvGrpSpPr>
-      <p:grpSpPr>
-        <a:xfrm>
-          <a:off x="0" y="0"/>
-          <a:ext cx="0" cy="0"/>
-          <a:chOff x="0" y="0"/>
-          <a:chExt cx="0" cy="0"/>
-        </a:xfrm>
-      </p:grpSpPr>
-      <p:sp>
-        <p:nvSpPr>
-          <p:cNvPr id="2" name="Title 1">
-            <a:extLst>
-              <a:ext uri="{FF2B5EF4-FFF2-40B4-BE49-F238E27FC236}">
-                <a16:creationId xmlns:a16="http://schemas.microsoft.com/office/drawing/2014/main" id="{28083F42-6151-CE3C-7FBD-F3D3864108A5}"/>
-              </a:ext>
-            </a:extLst>
-          </p:cNvPr>
-          <p:cNvSpPr>
-            <a:spLocks noGrp="1"/>
-          </p:cNvSpPr>
-          <p:nvPr>
-            <p:ph type="title"/>
-          </p:nvPr>
-        </p:nvSpPr>
-        <p:spPr/>
-        <p:txBody>
-          <a:bodyPr/>
-          <a:lstStyle/>
-          <a:p>
-            <a:r>
-              <a:rPr lang="en-DE" dirty="0"/>
-              <a:t>How many events do we need to simulate?</a:t>
-            </a:r>
-          </a:p>
-        </p:txBody>
-      </p:sp>
-      <p:pic>
-        <p:nvPicPr>
-          <p:cNvPr id="5" name="Content Placeholder 4">
-            <a:extLst>
-              <a:ext uri="{FF2B5EF4-FFF2-40B4-BE49-F238E27FC236}">
-                <a16:creationId xmlns:a16="http://schemas.microsoft.com/office/drawing/2014/main" id="{A8F94B50-8724-6E98-D275-960C3CECE031}"/>
-              </a:ext>
-            </a:extLst>
-          </p:cNvPr>
-          <p:cNvPicPr>
-            <a:picLocks noGrp="1" noChangeAspect="1"/>
-          </p:cNvPicPr>
-          <p:nvPr>
-            <p:ph idx="1"/>
-          </p:nvPr>
-        </p:nvPicPr>
-        <p:blipFill>
-          <a:blip r:embed="rId2"/>
-          <a:stretch>
-            <a:fillRect/>
-          </a:stretch>
-        </p:blipFill>
-        <p:spPr>
-          <a:xfrm>
-            <a:off x="4917440" y="1815087"/>
-            <a:ext cx="6766560" cy="4723825"/>
-          </a:xfrm>
-        </p:spPr>
-      </p:pic>
-      <p:sp>
-        <p:nvSpPr>
-          <p:cNvPr id="4" name="Slide Number Placeholder 3">
-            <a:extLst>
-              <a:ext uri="{FF2B5EF4-FFF2-40B4-BE49-F238E27FC236}">
-                <a16:creationId xmlns:a16="http://schemas.microsoft.com/office/drawing/2014/main" id="{E3835E59-7349-821E-E373-5A150058F6F1}"/>
-              </a:ext>
-            </a:extLst>
-          </p:cNvPr>
-          <p:cNvSpPr>
-            <a:spLocks noGrp="1"/>
-          </p:cNvSpPr>
-          <p:nvPr>
-            <p:ph type="sldNum" sz="quarter" idx="12"/>
-          </p:nvPr>
-        </p:nvSpPr>
-        <p:spPr/>
-        <p:txBody>
-          <a:bodyPr/>
-          <a:lstStyle/>
-          <a:p>
-            <a:fld id="{5AE0D498-42EE-5F49-9FFD-85B9B54DD666}" type="slidenum">
-              <a:rPr lang="en-DE" smtClean="0"/>
-              <a:t>6</a:t>
-            </a:fld>
-            <a:endParaRPr lang="en-DE"/>
-          </a:p>
-        </p:txBody>
-      </p:sp>
-      <p:sp>
-        <p:nvSpPr>
-          <p:cNvPr id="6" name="TextBox 5">
-            <a:extLst>
-              <a:ext uri="{FF2B5EF4-FFF2-40B4-BE49-F238E27FC236}">
-                <a16:creationId xmlns:a16="http://schemas.microsoft.com/office/drawing/2014/main" id="{E8F2E442-FE90-43D8-A77D-7E896FE815D2}"/>
-              </a:ext>
-            </a:extLst>
-          </p:cNvPr>
-          <p:cNvSpPr txBox="1"/>
-          <p:nvPr/>
-        </p:nvSpPr>
-        <p:spPr>
-          <a:xfrm>
-            <a:off x="508000" y="6293979"/>
-            <a:ext cx="5213928" cy="369332"/>
-          </a:xfrm>
-          <a:prstGeom prst="rect">
-            <a:avLst/>
-          </a:prstGeom>
-          <a:noFill/>
-        </p:spPr>
-        <p:txBody>
-          <a:bodyPr wrap="none" rtlCol="0">
-            <a:spAutoFit/>
-          </a:bodyPr>
-          <a:lstStyle/>
-          <a:p>
-            <a:r>
-              <a:rPr lang="en-DE" dirty="0"/>
-              <a:t>Which primary energy leads to which leading energy?</a:t>
-            </a:r>
-          </a:p>
-        </p:txBody>
-      </p:sp>
-      <p:sp>
-        <p:nvSpPr>
-          <p:cNvPr id="7" name="TextBox 6">
-            <a:extLst>
-              <a:ext uri="{FF2B5EF4-FFF2-40B4-BE49-F238E27FC236}">
-                <a16:creationId xmlns:a16="http://schemas.microsoft.com/office/drawing/2014/main" id="{59FB6B80-9657-E0FA-5081-5ECC0AD9E5EA}"/>
-              </a:ext>
-            </a:extLst>
-          </p:cNvPr>
-          <p:cNvSpPr txBox="1"/>
-          <p:nvPr/>
-        </p:nvSpPr>
-        <p:spPr>
-          <a:xfrm>
-            <a:off x="289763" y="2946400"/>
-            <a:ext cx="4627677" cy="646331"/>
-          </a:xfrm>
-          <a:prstGeom prst="rect">
-            <a:avLst/>
-          </a:prstGeom>
-          <a:noFill/>
-        </p:spPr>
-        <p:txBody>
-          <a:bodyPr wrap="none" rtlCol="0">
-            <a:spAutoFit/>
-          </a:bodyPr>
-          <a:lstStyle/>
-          <a:p>
-            <a:r>
-              <a:rPr lang="en-GB" dirty="0"/>
-              <a:t>E</a:t>
-            </a:r>
-            <a:r>
-              <a:rPr lang="en-DE" dirty="0"/>
-              <a:t>nough events at high energies</a:t>
-            </a:r>
-          </a:p>
-          <a:p>
-            <a:r>
-              <a:rPr lang="en-DE" dirty="0"/>
-              <a:t>-&gt; </a:t>
-            </a:r>
-            <a:r>
-              <a:rPr lang="en-GB" dirty="0"/>
-              <a:t>M</a:t>
-            </a:r>
-            <a:r>
-              <a:rPr lang="en-DE" dirty="0"/>
-              <a:t>ore events at energies lower 1 PeV needed</a:t>
-            </a:r>
-          </a:p>
-        </p:txBody>
-      </p:sp>
-    </p:spTree>
-    <p:extLst>
-      <p:ext uri="{BB962C8B-B14F-4D97-AF65-F5344CB8AC3E}">
-        <p14:creationId xmlns:p14="http://schemas.microsoft.com/office/powerpoint/2010/main" val="3162487371"/>
-      </p:ext>
-    </p:extLst>
-  </p:cSld>
-  <p:clrMapOvr>
-    <a:masterClrMapping/>
-  </p:clrMapOvr>
-</p:sld>
-</file>
-
-<file path=ppt/slides/slide8.xml><?xml version="1.0" encoding="utf-8"?>
-<p:sld xmlns:a="http://schemas.openxmlformats.org/drawingml/2006/main" xmlns:r="http://schemas.openxmlformats.org/officeDocument/2006/relationships" xmlns:p="http://schemas.openxmlformats.org/presentationml/2006/main">
-  <p:cSld>
-    <p:spTree>
-      <p:nvGrpSpPr>
-        <p:cNvPr id="1" name=""/>
-        <p:cNvGrpSpPr/>
-        <p:nvPr/>
-      </p:nvGrpSpPr>
-      <p:grpSpPr>
-        <a:xfrm>
-          <a:off x="0" y="0"/>
-          <a:ext cx="0" cy="0"/>
-          <a:chOff x="0" y="0"/>
-          <a:chExt cx="0" cy="0"/>
-        </a:xfrm>
-      </p:grpSpPr>
-      <p:sp>
-        <p:nvSpPr>
-          <p:cNvPr id="2" name="Title 1">
-            <a:extLst>
-              <a:ext uri="{FF2B5EF4-FFF2-40B4-BE49-F238E27FC236}">
-                <a16:creationId xmlns:a16="http://schemas.microsoft.com/office/drawing/2014/main" id="{EFB73269-7A73-D771-6B01-9AAC46B73674}"/>
-              </a:ext>
-            </a:extLst>
-          </p:cNvPr>
-          <p:cNvSpPr>
-            <a:spLocks noGrp="1"/>
-          </p:cNvSpPr>
-          <p:nvPr>
-            <p:ph type="title"/>
-          </p:nvPr>
-        </p:nvSpPr>
-        <p:spPr/>
-        <p:txBody>
-          <a:bodyPr/>
-          <a:lstStyle/>
-          <a:p>
-            <a:r>
-              <a:rPr lang="en-DE" dirty="0"/>
-              <a:t>Data-MC (charge)</a:t>
-            </a:r>
-          </a:p>
-        </p:txBody>
-      </p:sp>
-      <p:pic>
-        <p:nvPicPr>
-          <p:cNvPr id="5" name="Content Placeholder 4">
-            <a:extLst>
-              <a:ext uri="{FF2B5EF4-FFF2-40B4-BE49-F238E27FC236}">
-                <a16:creationId xmlns:a16="http://schemas.microsoft.com/office/drawing/2014/main" id="{03AE8BE2-A2DA-E369-F0E5-9E862466AB51}"/>
-              </a:ext>
-            </a:extLst>
-          </p:cNvPr>
-          <p:cNvPicPr>
-            <a:picLocks noGrp="1" noChangeAspect="1"/>
-          </p:cNvPicPr>
-          <p:nvPr>
-            <p:ph idx="1"/>
-          </p:nvPr>
-        </p:nvPicPr>
-        <p:blipFill>
-          <a:blip r:embed="rId2"/>
-          <a:stretch>
-            <a:fillRect/>
-          </a:stretch>
-        </p:blipFill>
-        <p:spPr>
-          <a:xfrm>
-            <a:off x="4873206" y="233556"/>
-            <a:ext cx="6251994" cy="6487919"/>
-          </a:xfrm>
-        </p:spPr>
-      </p:pic>
-      <p:sp>
-        <p:nvSpPr>
-          <p:cNvPr id="4" name="Slide Number Placeholder 3">
-            <a:extLst>
-              <a:ext uri="{FF2B5EF4-FFF2-40B4-BE49-F238E27FC236}">
-                <a16:creationId xmlns:a16="http://schemas.microsoft.com/office/drawing/2014/main" id="{331CFE06-AA1C-F4F0-5779-D3DA84E7F119}"/>
-              </a:ext>
-            </a:extLst>
-          </p:cNvPr>
-          <p:cNvSpPr>
-            <a:spLocks noGrp="1"/>
-          </p:cNvSpPr>
-          <p:nvPr>
-            <p:ph type="sldNum" sz="quarter" idx="12"/>
-          </p:nvPr>
-        </p:nvSpPr>
-        <p:spPr/>
-        <p:txBody>
-          <a:bodyPr/>
-          <a:lstStyle/>
-          <a:p>
-            <a:fld id="{5AE0D498-42EE-5F49-9FFD-85B9B54DD666}" type="slidenum">
-              <a:rPr lang="en-DE" smtClean="0"/>
-              <a:t>7</a:t>
-            </a:fld>
-            <a:endParaRPr lang="en-DE"/>
-          </a:p>
-        </p:txBody>
-      </p:sp>
-      <p:sp>
-        <p:nvSpPr>
-          <p:cNvPr id="6" name="TextBox 5">
-            <a:extLst>
-              <a:ext uri="{FF2B5EF4-FFF2-40B4-BE49-F238E27FC236}">
-                <a16:creationId xmlns:a16="http://schemas.microsoft.com/office/drawing/2014/main" id="{14FE583B-6071-4349-365F-5E397EDA7330}"/>
-              </a:ext>
-            </a:extLst>
-          </p:cNvPr>
-          <p:cNvSpPr txBox="1"/>
-          <p:nvPr/>
-        </p:nvSpPr>
-        <p:spPr>
-          <a:xfrm>
-            <a:off x="96728" y="6356350"/>
-            <a:ext cx="6242606" cy="461665"/>
-          </a:xfrm>
-          <a:prstGeom prst="rect">
-            <a:avLst/>
-          </a:prstGeom>
-          <a:noFill/>
-        </p:spPr>
-        <p:txBody>
-          <a:bodyPr wrap="none" rtlCol="0">
-            <a:spAutoFit/>
-          </a:bodyPr>
-          <a:lstStyle/>
-          <a:p>
-            <a:r>
-              <a:rPr lang="en-DE" sz="1200" dirty="0"/>
-              <a:t>Cut:</a:t>
-            </a:r>
-            <a:br>
-              <a:rPr lang="en-DE" sz="1200" dirty="0"/>
-            </a:br>
-            <a:r>
-              <a:rPr lang="en-GB" sz="1200" dirty="0"/>
-              <a:t>DeepLearningReco_exported_model_PromptMu_L2_energy_bundle_energy_at_entry &gt; 1e4 GeV</a:t>
-            </a:r>
-          </a:p>
-        </p:txBody>
-      </p:sp>
-    </p:spTree>
-    <p:extLst>
-      <p:ext uri="{BB962C8B-B14F-4D97-AF65-F5344CB8AC3E}">
-        <p14:creationId xmlns:p14="http://schemas.microsoft.com/office/powerpoint/2010/main" val="164347307"/>
-      </p:ext>
-    </p:extLst>
-  </p:cSld>
-  <p:clrMapOvr>
-    <a:masterClrMapping/>
-  </p:clrMapOvr>
-</p:sld>
-</file>
-
 <file path=ppt/slides/slide9.xml><?xml version="1.0" encoding="utf-8"?>
 <p:sld xmlns:a="http://schemas.openxmlformats.org/drawingml/2006/main" xmlns:r="http://schemas.openxmlformats.org/officeDocument/2006/relationships" xmlns:p="http://schemas.openxmlformats.org/presentationml/2006/main">
   <p:cSld>
@@ -10108,7 +12365,7 @@
           <p:cNvPr id="2" name="Title 1">
             <a:extLst>
               <a:ext uri="{FF2B5EF4-FFF2-40B4-BE49-F238E27FC236}">
-                <a16:creationId xmlns:a16="http://schemas.microsoft.com/office/drawing/2014/main" id="{A6A4C810-9F81-328D-0507-CC1406F2B332}"/>
+                <a16:creationId xmlns:a16="http://schemas.microsoft.com/office/drawing/2014/main" id="{28083F42-6151-CE3C-7FBD-F3D3864108A5}"/>
               </a:ext>
             </a:extLst>
           </p:cNvPr>
@@ -10126,7 +12383,7 @@
           <a:p>
             <a:r>
               <a:rPr lang="en-DE" dirty="0"/>
-              <a:t>Data-MC (pulses)</a:t>
+              <a:t>How many events do we need to simulate?</a:t>
             </a:r>
           </a:p>
         </p:txBody>
@@ -10136,7 +12393,7 @@
           <p:cNvPr id="5" name="Content Placeholder 4">
             <a:extLst>
               <a:ext uri="{FF2B5EF4-FFF2-40B4-BE49-F238E27FC236}">
-                <a16:creationId xmlns:a16="http://schemas.microsoft.com/office/drawing/2014/main" id="{1EB08331-2E2D-DBCB-C8CC-BACF27070022}"/>
+                <a16:creationId xmlns:a16="http://schemas.microsoft.com/office/drawing/2014/main" id="{A8F94B50-8724-6E98-D275-960C3CECE031}"/>
               </a:ext>
             </a:extLst>
           </p:cNvPr>
@@ -10155,8 +12412,8 @@
         </p:blipFill>
         <p:spPr>
           <a:xfrm>
-            <a:off x="4919979" y="523073"/>
-            <a:ext cx="3025291" cy="2937176"/>
+            <a:off x="4917440" y="1815087"/>
+            <a:ext cx="6766560" cy="4723825"/>
           </a:xfrm>
         </p:spPr>
       </p:pic>
@@ -10165,7 +12422,7 @@
           <p:cNvPr id="4" name="Slide Number Placeholder 3">
             <a:extLst>
               <a:ext uri="{FF2B5EF4-FFF2-40B4-BE49-F238E27FC236}">
-                <a16:creationId xmlns:a16="http://schemas.microsoft.com/office/drawing/2014/main" id="{E9CE2D71-DD0B-181D-D321-2A453FA18169}"/>
+                <a16:creationId xmlns:a16="http://schemas.microsoft.com/office/drawing/2014/main" id="{E3835E59-7349-821E-E373-5A150058F6F1}"/>
               </a:ext>
             </a:extLst>
           </p:cNvPr>
@@ -10189,42 +12446,12 @@
           </a:p>
         </p:txBody>
       </p:sp>
-      <p:pic>
-        <p:nvPicPr>
-          <p:cNvPr id="6" name="Picture 5">
-            <a:extLst>
-              <a:ext uri="{FF2B5EF4-FFF2-40B4-BE49-F238E27FC236}">
-                <a16:creationId xmlns:a16="http://schemas.microsoft.com/office/drawing/2014/main" id="{3D8C5CB9-1A70-E090-9630-F881A778D4C4}"/>
-              </a:ext>
-            </a:extLst>
-          </p:cNvPr>
-          <p:cNvPicPr>
-            <a:picLocks noChangeAspect="1"/>
-          </p:cNvPicPr>
-          <p:nvPr/>
-        </p:nvPicPr>
-        <p:blipFill>
-          <a:blip r:embed="rId3"/>
-          <a:stretch>
-            <a:fillRect/>
-          </a:stretch>
-        </p:blipFill>
-        <p:spPr>
-          <a:xfrm>
-            <a:off x="4919979" y="3419625"/>
-            <a:ext cx="3025291" cy="2937176"/>
-          </a:xfrm>
-          <a:prstGeom prst="rect">
-            <a:avLst/>
-          </a:prstGeom>
-        </p:spPr>
-      </p:pic>
-      <p:sp>
-        <p:nvSpPr>
-          <p:cNvPr id="7" name="TextBox 6">
-            <a:extLst>
-              <a:ext uri="{FF2B5EF4-FFF2-40B4-BE49-F238E27FC236}">
-                <a16:creationId xmlns:a16="http://schemas.microsoft.com/office/drawing/2014/main" id="{69B772D5-7403-1F81-3071-6A794A827599}"/>
+      <p:sp>
+        <p:nvSpPr>
+          <p:cNvPr id="6" name="TextBox 5">
+            <a:extLst>
+              <a:ext uri="{FF2B5EF4-FFF2-40B4-BE49-F238E27FC236}">
+                <a16:creationId xmlns:a16="http://schemas.microsoft.com/office/drawing/2014/main" id="{E8F2E442-FE90-43D8-A77D-7E896FE815D2}"/>
               </a:ext>
             </a:extLst>
           </p:cNvPr>
@@ -10233,8 +12460,8 @@
         </p:nvSpPr>
         <p:spPr>
           <a:xfrm>
-            <a:off x="6289040" y="223520"/>
-            <a:ext cx="805029" cy="369332"/>
+            <a:off x="508000" y="6293979"/>
+            <a:ext cx="5213928" cy="369332"/>
           </a:xfrm>
           <a:prstGeom prst="rect">
             <a:avLst/>
@@ -10248,82 +12475,18 @@
           <a:lstStyle/>
           <a:p>
             <a:r>
-              <a:rPr lang="en-GB" dirty="0"/>
-              <a:t>N</a:t>
-            </a:r>
-            <a:r>
               <a:rPr lang="en-DE" dirty="0"/>
-              <a:t>o cut</a:t>
-            </a:r>
-          </a:p>
-        </p:txBody>
-      </p:sp>
-      <p:pic>
-        <p:nvPicPr>
-          <p:cNvPr id="8" name="Picture 7">
-            <a:extLst>
-              <a:ext uri="{FF2B5EF4-FFF2-40B4-BE49-F238E27FC236}">
-                <a16:creationId xmlns:a16="http://schemas.microsoft.com/office/drawing/2014/main" id="{38E19AAF-A98E-0965-D721-B11C59C4113D}"/>
-              </a:ext>
-            </a:extLst>
-          </p:cNvPr>
-          <p:cNvPicPr>
-            <a:picLocks noChangeAspect="1"/>
-          </p:cNvPicPr>
-          <p:nvPr/>
-        </p:nvPicPr>
-        <p:blipFill>
-          <a:blip r:embed="rId4"/>
-          <a:stretch>
-            <a:fillRect/>
-          </a:stretch>
-        </p:blipFill>
-        <p:spPr>
-          <a:xfrm>
-            <a:off x="8079588" y="523073"/>
-            <a:ext cx="3025291" cy="2937176"/>
-          </a:xfrm>
-          <a:prstGeom prst="rect">
-            <a:avLst/>
-          </a:prstGeom>
-        </p:spPr>
-      </p:pic>
-      <p:pic>
-        <p:nvPicPr>
-          <p:cNvPr id="9" name="Picture 8">
-            <a:extLst>
-              <a:ext uri="{FF2B5EF4-FFF2-40B4-BE49-F238E27FC236}">
-                <a16:creationId xmlns:a16="http://schemas.microsoft.com/office/drawing/2014/main" id="{C3CA97D2-24EA-A8BE-A776-FEDAA1E5F89C}"/>
-              </a:ext>
-            </a:extLst>
-          </p:cNvPr>
-          <p:cNvPicPr>
-            <a:picLocks noChangeAspect="1"/>
-          </p:cNvPicPr>
-          <p:nvPr/>
-        </p:nvPicPr>
-        <p:blipFill>
-          <a:blip r:embed="rId5"/>
-          <a:stretch>
-            <a:fillRect/>
-          </a:stretch>
-        </p:blipFill>
-        <p:spPr>
-          <a:xfrm>
-            <a:off x="8079588" y="3419625"/>
-            <a:ext cx="3025291" cy="2937176"/>
-          </a:xfrm>
-          <a:prstGeom prst="rect">
-            <a:avLst/>
-          </a:prstGeom>
-        </p:spPr>
-      </p:pic>
-      <p:sp>
-        <p:nvSpPr>
-          <p:cNvPr id="10" name="TextBox 9">
-            <a:extLst>
-              <a:ext uri="{FF2B5EF4-FFF2-40B4-BE49-F238E27FC236}">
-                <a16:creationId xmlns:a16="http://schemas.microsoft.com/office/drawing/2014/main" id="{E3D5546E-5B67-2310-444B-041B08C7F9BB}"/>
+              <a:t>Which primary energy leads to which leading energy?</a:t>
+            </a:r>
+          </a:p>
+        </p:txBody>
+      </p:sp>
+      <p:sp>
+        <p:nvSpPr>
+          <p:cNvPr id="7" name="TextBox 6">
+            <a:extLst>
+              <a:ext uri="{FF2B5EF4-FFF2-40B4-BE49-F238E27FC236}">
+                <a16:creationId xmlns:a16="http://schemas.microsoft.com/office/drawing/2014/main" id="{59FB6B80-9657-E0FA-5081-5ECC0AD9E5EA}"/>
               </a:ext>
             </a:extLst>
           </p:cNvPr>
@@ -10332,8 +12495,8 @@
         </p:nvSpPr>
         <p:spPr>
           <a:xfrm>
-            <a:off x="9138058" y="259433"/>
-            <a:ext cx="1688283" cy="369332"/>
+            <a:off x="289763" y="2946400"/>
+            <a:ext cx="4627677" cy="646331"/>
           </a:xfrm>
           <a:prstGeom prst="rect">
             <a:avLst/>
@@ -10347,287 +12510,26 @@
           <a:lstStyle/>
           <a:p>
             <a:r>
+              <a:rPr lang="en-GB" dirty="0"/>
+              <a:t>E</a:t>
+            </a:r>
+            <a:r>
               <a:rPr lang="en-DE" dirty="0"/>
-              <a:t>Cut E &gt; 1e4 GeV</a:t>
-            </a:r>
-          </a:p>
-        </p:txBody>
-      </p:sp>
-      <p:sp>
-        <p:nvSpPr>
-          <p:cNvPr id="11" name="Oval 10">
-            <a:extLst>
-              <a:ext uri="{FF2B5EF4-FFF2-40B4-BE49-F238E27FC236}">
-                <a16:creationId xmlns:a16="http://schemas.microsoft.com/office/drawing/2014/main" id="{7B9DF46C-35FC-63C2-751C-AD9C1B98C9F1}"/>
-              </a:ext>
-            </a:extLst>
-          </p:cNvPr>
-          <p:cNvSpPr/>
-          <p:nvPr/>
-        </p:nvSpPr>
-        <p:spPr>
-          <a:xfrm>
-            <a:off x="5831840" y="1027906"/>
-            <a:ext cx="528320" cy="662782"/>
-          </a:xfrm>
-          <a:prstGeom prst="ellipse">
-            <a:avLst/>
-          </a:prstGeom>
-          <a:noFill/>
-          <a:ln w="15875">
-            <a:solidFill>
-              <a:srgbClr val="C00000"/>
-            </a:solidFill>
-          </a:ln>
-        </p:spPr>
-        <p:style>
-          <a:lnRef idx="2">
-            <a:schemeClr val="accent1">
-              <a:shade val="15000"/>
-            </a:schemeClr>
-          </a:lnRef>
-          <a:fillRef idx="1">
-            <a:schemeClr val="accent1"/>
-          </a:fillRef>
-          <a:effectRef idx="0">
-            <a:schemeClr val="accent1"/>
-          </a:effectRef>
-          <a:fontRef idx="minor">
-            <a:schemeClr val="lt1"/>
-          </a:fontRef>
-        </p:style>
-        <p:txBody>
-          <a:bodyPr rtlCol="0" anchor="ctr"/>
-          <a:lstStyle/>
-          <a:p>
-            <a:pPr algn="ctr"/>
-            <a:endParaRPr lang="en-DE"/>
-          </a:p>
-        </p:txBody>
-      </p:sp>
-      <p:sp>
-        <p:nvSpPr>
-          <p:cNvPr id="12" name="Oval 11">
-            <a:extLst>
-              <a:ext uri="{FF2B5EF4-FFF2-40B4-BE49-F238E27FC236}">
-                <a16:creationId xmlns:a16="http://schemas.microsoft.com/office/drawing/2014/main" id="{17102106-3565-6C78-B798-15D30756ED66}"/>
-              </a:ext>
-            </a:extLst>
-          </p:cNvPr>
-          <p:cNvSpPr/>
-          <p:nvPr/>
-        </p:nvSpPr>
-        <p:spPr>
-          <a:xfrm rot="20843939">
-            <a:off x="6237804" y="1214180"/>
-            <a:ext cx="1137920" cy="633413"/>
-          </a:xfrm>
-          <a:prstGeom prst="ellipse">
-            <a:avLst/>
-          </a:prstGeom>
-          <a:noFill/>
-          <a:ln w="15875">
-            <a:solidFill>
-              <a:srgbClr val="C00000"/>
-            </a:solidFill>
-          </a:ln>
-        </p:spPr>
-        <p:style>
-          <a:lnRef idx="2">
-            <a:schemeClr val="accent1">
-              <a:shade val="15000"/>
-            </a:schemeClr>
-          </a:lnRef>
-          <a:fillRef idx="1">
-            <a:schemeClr val="accent1"/>
-          </a:fillRef>
-          <a:effectRef idx="0">
-            <a:schemeClr val="accent1"/>
-          </a:effectRef>
-          <a:fontRef idx="minor">
-            <a:schemeClr val="lt1"/>
-          </a:fontRef>
-        </p:style>
-        <p:txBody>
-          <a:bodyPr rtlCol="0" anchor="ctr"/>
-          <a:lstStyle/>
-          <a:p>
-            <a:pPr algn="ctr"/>
-            <a:endParaRPr lang="en-DE"/>
-          </a:p>
-        </p:txBody>
-      </p:sp>
-      <p:sp>
-        <p:nvSpPr>
-          <p:cNvPr id="13" name="TextBox 12">
-            <a:extLst>
-              <a:ext uri="{FF2B5EF4-FFF2-40B4-BE49-F238E27FC236}">
-                <a16:creationId xmlns:a16="http://schemas.microsoft.com/office/drawing/2014/main" id="{F074C23E-67B0-FABA-E575-009F802A716A}"/>
-              </a:ext>
-            </a:extLst>
-          </p:cNvPr>
-          <p:cNvSpPr txBox="1"/>
-          <p:nvPr/>
-        </p:nvSpPr>
-        <p:spPr>
-          <a:xfrm>
-            <a:off x="6432624" y="843240"/>
-            <a:ext cx="1402243" cy="369332"/>
-          </a:xfrm>
-          <a:prstGeom prst="rect">
-            <a:avLst/>
-          </a:prstGeom>
-          <a:noFill/>
-        </p:spPr>
-        <p:txBody>
-          <a:bodyPr wrap="none" rtlCol="0">
-            <a:spAutoFit/>
-          </a:bodyPr>
-          <a:lstStyle/>
-          <a:p>
-            <a:r>
-              <a:rPr lang="en-GB" dirty="0">
-                <a:solidFill>
-                  <a:srgbClr val="C00000"/>
-                </a:solidFill>
-              </a:rPr>
-              <a:t>O</a:t>
-            </a:r>
-            <a:r>
-              <a:rPr lang="en-DE" dirty="0">
-                <a:solidFill>
-                  <a:srgbClr val="C00000"/>
-                </a:solidFill>
-              </a:rPr>
-              <a:t>ther events</a:t>
-            </a:r>
-          </a:p>
-        </p:txBody>
-      </p:sp>
-      <p:cxnSp>
-        <p:nvCxnSpPr>
-          <p:cNvPr id="15" name="Straight Arrow Connector 14">
-            <a:extLst>
-              <a:ext uri="{FF2B5EF4-FFF2-40B4-BE49-F238E27FC236}">
-                <a16:creationId xmlns:a16="http://schemas.microsoft.com/office/drawing/2014/main" id="{332845B8-ED97-2DF9-5E92-68FA91EEED0A}"/>
-              </a:ext>
-            </a:extLst>
-          </p:cNvPr>
-          <p:cNvCxnSpPr/>
-          <p:nvPr/>
-        </p:nvCxnSpPr>
-        <p:spPr>
-          <a:xfrm flipV="1">
-            <a:off x="4561840" y="1615440"/>
-            <a:ext cx="1270000" cy="1016000"/>
-          </a:xfrm>
-          <a:prstGeom prst="straightConnector1">
-            <a:avLst/>
-          </a:prstGeom>
-          <a:ln w="19050">
-            <a:solidFill>
-              <a:srgbClr val="C00000"/>
-            </a:solidFill>
-            <a:tailEnd type="triangle"/>
-          </a:ln>
-        </p:spPr>
-        <p:style>
-          <a:lnRef idx="1">
-            <a:schemeClr val="accent1"/>
-          </a:lnRef>
-          <a:fillRef idx="0">
-            <a:schemeClr val="accent1"/>
-          </a:fillRef>
-          <a:effectRef idx="0">
-            <a:schemeClr val="accent1"/>
-          </a:effectRef>
-          <a:fontRef idx="minor">
-            <a:schemeClr val="tx1"/>
-          </a:fontRef>
-        </p:style>
-      </p:cxnSp>
-      <p:sp>
-        <p:nvSpPr>
-          <p:cNvPr id="16" name="TextBox 15">
-            <a:extLst>
-              <a:ext uri="{FF2B5EF4-FFF2-40B4-BE49-F238E27FC236}">
-                <a16:creationId xmlns:a16="http://schemas.microsoft.com/office/drawing/2014/main" id="{3DD7AE79-DD87-62DD-8941-62BD23CC4AD2}"/>
-              </a:ext>
-            </a:extLst>
-          </p:cNvPr>
-          <p:cNvSpPr txBox="1"/>
-          <p:nvPr/>
-        </p:nvSpPr>
-        <p:spPr>
-          <a:xfrm>
-            <a:off x="2913843" y="2584966"/>
-            <a:ext cx="2282997" cy="369332"/>
-          </a:xfrm>
-          <a:prstGeom prst="rect">
-            <a:avLst/>
-          </a:prstGeom>
-          <a:noFill/>
-        </p:spPr>
-        <p:txBody>
-          <a:bodyPr wrap="none" rtlCol="0">
-            <a:spAutoFit/>
-          </a:bodyPr>
-          <a:lstStyle/>
-          <a:p>
-            <a:r>
-              <a:rPr lang="en-GB" dirty="0">
-                <a:solidFill>
-                  <a:srgbClr val="C00000"/>
-                </a:solidFill>
-              </a:rPr>
-              <a:t>P</a:t>
-            </a:r>
-            <a:r>
-              <a:rPr lang="en-DE" dirty="0">
-                <a:solidFill>
-                  <a:srgbClr val="C00000"/>
-                </a:solidFill>
-              </a:rPr>
-              <a:t>ulse cleaning needed</a:t>
-            </a:r>
-          </a:p>
-        </p:txBody>
-      </p:sp>
-      <p:sp>
-        <p:nvSpPr>
-          <p:cNvPr id="17" name="TextBox 16">
-            <a:extLst>
-              <a:ext uri="{FF2B5EF4-FFF2-40B4-BE49-F238E27FC236}">
-                <a16:creationId xmlns:a16="http://schemas.microsoft.com/office/drawing/2014/main" id="{BEBBB06D-B838-B323-435B-032502F9421A}"/>
-              </a:ext>
-            </a:extLst>
-          </p:cNvPr>
-          <p:cNvSpPr txBox="1"/>
-          <p:nvPr/>
-        </p:nvSpPr>
-        <p:spPr>
-          <a:xfrm>
-            <a:off x="375920" y="3749040"/>
-            <a:ext cx="2419252" cy="369332"/>
-          </a:xfrm>
-          <a:prstGeom prst="rect">
-            <a:avLst/>
-          </a:prstGeom>
-          <a:noFill/>
-        </p:spPr>
-        <p:txBody>
-          <a:bodyPr wrap="none" rtlCol="0">
-            <a:spAutoFit/>
-          </a:bodyPr>
-          <a:lstStyle/>
-          <a:p>
+              <a:t>nough events at high energies</a:t>
+            </a:r>
+          </a:p>
+          <a:p>
+            <a:r>
+              <a:rPr lang="en-DE" dirty="0"/>
+              <a:t>-&gt; </a:t>
+            </a:r>
             <a:r>
               <a:rPr lang="en-GB" dirty="0"/>
-              <a:t>P</a:t>
+              <a:t>M</a:t>
             </a:r>
             <a:r>
               <a:rPr lang="en-DE" dirty="0"/>
-              <a:t>ulse cleaning: 6000 ns </a:t>
+              <a:t>ore events at energies lower 1 PeV needed</a:t>
             </a:r>
           </a:p>
         </p:txBody>
@@ -10635,7 +12537,7 @@
     </p:spTree>
     <p:extLst>
       <p:ext uri="{BB962C8B-B14F-4D97-AF65-F5344CB8AC3E}">
-        <p14:creationId xmlns:p14="http://schemas.microsoft.com/office/powerpoint/2010/main" val="4098782043"/>
+        <p14:creationId xmlns:p14="http://schemas.microsoft.com/office/powerpoint/2010/main" val="3162487371"/>
       </p:ext>
     </p:extLst>
   </p:cSld>
